--- a/LiteratureSurvey/UE19CS390A_REVIEW 2.pptx
+++ b/LiteratureSurvey/UE19CS390A_REVIEW 2.pptx
@@ -5,7 +5,7 @@
     <p:sldMasterId id="2147483662" r:id="rId1"/>
   </p:sldMasterIdLst>
   <p:notesMasterIdLst>
-    <p:notesMasterId r:id="rId29"/>
+    <p:notesMasterId r:id="rId32"/>
   </p:notesMasterIdLst>
   <p:sldIdLst>
     <p:sldId id="256" r:id="rId2"/>
@@ -30,11 +30,14 @@
     <p:sldId id="294" r:id="rId21"/>
     <p:sldId id="295" r:id="rId22"/>
     <p:sldId id="296" r:id="rId23"/>
-    <p:sldId id="278" r:id="rId24"/>
-    <p:sldId id="280" r:id="rId25"/>
-    <p:sldId id="281" r:id="rId26"/>
-    <p:sldId id="279" r:id="rId27"/>
-    <p:sldId id="265" r:id="rId28"/>
+    <p:sldId id="297" r:id="rId24"/>
+    <p:sldId id="298" r:id="rId25"/>
+    <p:sldId id="299" r:id="rId26"/>
+    <p:sldId id="278" r:id="rId27"/>
+    <p:sldId id="280" r:id="rId28"/>
+    <p:sldId id="281" r:id="rId29"/>
+    <p:sldId id="279" r:id="rId30"/>
+    <p:sldId id="265" r:id="rId31"/>
   </p:sldIdLst>
   <p:sldSz cx="12192000" cy="6858000"/>
   <p:notesSz cx="6797675" cy="9874250"/>
@@ -1610,7 +1613,7 @@
         <p:spPr>
           <a:xfrm>
             <a:off x="107950" y="739775"/>
-            <a:ext cx="6583680" cy="3703955"/>
+            <a:ext cx="6583363" cy="3703638"/>
           </a:xfrm>
           <a:custGeom>
             <a:avLst/>
@@ -2966,7 +2969,7 @@
             <a:spLocks noGrp="1" noChangeArrowheads="1"/>
             <a:extLst>
               <a:ext uri="smNativeData">
-                <pr:smNativeData xmlns:mc="http://schemas.openxmlformats.org/markup-compatibility/2006" xmlns:p14="http://schemas.microsoft.com/office/powerpoint/2010/main" xmlns:p15="http://schemas.microsoft.com/office/powerpoint/2012/main" xmlns:pr="smNativeData" xmlns="smNativeData" val="SMDATA_15_3RkyYhMAAAAlAAAAZAAAAA0AAAAAkAAAAEgAAACQAAAASAAAAAAAAAAAAAAAAAAAAAEAAABQAAAAAAAAAAAA4D8AAAAAAADgPwAAAAAAAOA/AAAAAAAA4D8AAAAAAADgPwAAAAAAAOA/AAAAAAAA4D8AAAAAAADgPwAAAAAAAOA/AAAAAAAA4D8CAAAAjAAAAAAAAAAAAAAARHLEDP///wgAAAAAAAAAAAAAAAAAAAAAAAAAAAAAAAAAAAAAZAAAAAEAAABAAAAAAAAAAAAAAAAAAAAAAAAAAAAAAAAAAAAAAAAAAAAAAAAAAAAAAAAAAAAAAAAAAAAAAAAAAAAAAAAAAAAAAAAAAAAAAAAAAAAAAAAAAAAAAAAAAAAAFAAAADwAAAAAAAAAAAAAAAAAAAkUAAAAAQAAABQAAAAUAAAAFAAAAAEAAAAAAAAAZAAAAGQAAAAAAAAAZAAAAGQAAAAVAAAAYAAAAAAAAAAAAAAADwAAACADAAAAAAAAAAAAAAEAAACgMgAAVgcAAKr4//8BAAAAf39/AAEAAABkAAAAAAAAABQAAABAHwAAAAAAACYAAAAAAAAAwOD//wAAAAAmAAAAZAAAABYAAABMAAAAAAAAAAAAAAAEAAAAAAAAAAEAAADn5uYKAAAAACgAAAAoAAAAZAAAAGQAAAAAAAAAzMzMAAAAAABQAAAAUAAAAGQAAABkAAAAAAAAABcAAAAUAAAAAAAAAAAAAAD/fwAA/38AAAAAAAAJAAAABAAAAAAAAAAeAAAAaAAAAAAAAAAAAAAAAAAAAAAAAAAAAAAAECcAABAnAAAAAAAAAAAAAAAAAAAAAAAAAAAAAAAAAAAAAAAAAAAAABQAAAAAAAAAwMD/AAAAAABkAAAAMgAAAAAAAABkAAAAAAAAAH9/fwAKAAAAIgAAABgAAAAAAAAAAAAAAAAAAAAAAAAAAAAAAAAAAAAkAAAAJAAAAAAAAAAHAAAAAAAAAAAAAAAAAAAAAAAAAAAAAAAAAAAAf39/ACUAAABYAAAAAAAAAAAAAAAAAAAAAAAAAAAAAAAAAAAAAAAAAAAAAAAAAAAAAAAAAAAAAAA/AAAAAAAAAKCGAQAAAAAAAAAAAAAAAAAMAAAAAQAAAAAAAAAAAAAAAAAAAB8AAABUAAAAAAAABQAAAAEAAAAAAAAAAAAAAAAAAAAAAAAAAAAAAAAAAAAAAAAAAAAAAAJ/f38AAAAAA8zMzADAwP8Af39/AAAAAAAAAAAAAAAAAAAAAAAAAAAAIQAAABgAAAAUAAAAMAQAANscAACkJQAAMDgAABAAAAAmAAAACAAAAL0/AAD/HwAA"/>
+                <pr:smNativeData xmlns="smNativeData" xmlns:pr="smNativeData" xmlns:p15="http://schemas.microsoft.com/office/powerpoint/2012/main" xmlns:p14="http://schemas.microsoft.com/office/powerpoint/2010/main" xmlns:mc="http://schemas.openxmlformats.org/markup-compatibility/2006" val="SMDATA_15_3RkyYhMAAAAlAAAAZAAAAA0AAAAAkAAAAEgAAACQAAAASAAAAAAAAAAAAAAAAAAAAAEAAABQAAAAAAAAAAAA4D8AAAAAAADgPwAAAAAAAOA/AAAAAAAA4D8AAAAAAADgPwAAAAAAAOA/AAAAAAAA4D8AAAAAAADgPwAAAAAAAOA/AAAAAAAA4D8CAAAAjAAAAAAAAAAAAAAARHLEDP///wgAAAAAAAAAAAAAAAAAAAAAAAAAAAAAAAAAAAAAZAAAAAEAAABAAAAAAAAAAAAAAAAAAAAAAAAAAAAAAAAAAAAAAAAAAAAAAAAAAAAAAAAAAAAAAAAAAAAAAAAAAAAAAAAAAAAAAAAAAAAAAAAAAAAAAAAAAAAAAAAAAAAAFAAAADwAAAAAAAAAAAAAAAAAAAkUAAAAAQAAABQAAAAUAAAAFAAAAAEAAAAAAAAAZAAAAGQAAAAAAAAAZAAAAGQAAAAVAAAAYAAAAAAAAAAAAAAADwAAACADAAAAAAAAAAAAAAEAAACgMgAAVgcAAKr4//8BAAAAf39/AAEAAABkAAAAAAAAABQAAABAHwAAAAAAACYAAAAAAAAAwOD//wAAAAAmAAAAZAAAABYAAABMAAAAAAAAAAAAAAAEAAAAAAAAAAEAAADn5uYKAAAAACgAAAAoAAAAZAAAAGQAAAAAAAAAzMzMAAAAAABQAAAAUAAAAGQAAABkAAAAAAAAABcAAAAUAAAAAAAAAAAAAAD/fwAA/38AAAAAAAAJAAAABAAAAAAAAAAeAAAAaAAAAAAAAAAAAAAAAAAAAAAAAAAAAAAAECcAABAnAAAAAAAAAAAAAAAAAAAAAAAAAAAAAAAAAAAAAAAAAAAAABQAAAAAAAAAwMD/AAAAAABkAAAAMgAAAAAAAABkAAAAAAAAAH9/fwAKAAAAIgAAABgAAAAAAAAAAAAAAAAAAAAAAAAAAAAAAAAAAAAkAAAAJAAAAAAAAAAHAAAAAAAAAAAAAAAAAAAAAAAAAAAAAAAAAAAAf39/ACUAAABYAAAAAAAAAAAAAAAAAAAAAAAAAAAAAAAAAAAAAAAAAAAAAAAAAAAAAAAAAAAAAAA/AAAAAAAAAKCGAQAAAAAAAAAAAAAAAAAMAAAAAQAAAAAAAAAAAAAAAAAAAB8AAABUAAAAAAAABQAAAAEAAAAAAAAAAAAAAAAAAAAAAAAAAAAAAAAAAAAAAAAAAAAAAAJ/f38AAAAAA8zMzADAwP8Af39/AAAAAAAAAAAAAAAAAAAAAAAAAAAAIQAAABgAAAAUAAAAMAQAANscAACkJQAAMDgAABAAAAAmAAAACAAAAL0/AAD/HwAA"/>
               </a:ext>
             </a:extLst>
           </p:cNvSpPr>
@@ -3019,7 +3022,7 @@
             <a:spLocks noGrp="1" noRot="1" noChangeAspect="1" noChangeArrowheads="1"/>
             <a:extLst>
               <a:ext uri="smNativeData">
-                <pr:smNativeData xmlns:mc="http://schemas.openxmlformats.org/markup-compatibility/2006" xmlns:p14="http://schemas.microsoft.com/office/powerpoint/2010/main" xmlns:p15="http://schemas.microsoft.com/office/powerpoint/2012/main" xmlns:pr="smNativeData" xmlns="smNativeData" val="SMDATA_15_3RkyYhMAAAAlAAAACwAAAC0AAAAAqgAAAI0EAAAqKQAAVhsAAAAAAAAAAAAAAAAAAAEAAABQAAAAAAAAAAAA4D8AAAAAAADgPwAAAAAAAOA/AAAAAAAA4D8AAAAAAADgPwAAAAAAAOA/AAAAAAAA4D8AAAAAAADgPwAAAAAAAOA/AAAAAAAA4D8CAAAAjAAAAAAAAAAAAAAARHLEDP///wgAAAAAAAAAAAAAAAAAAAAAAAAAAAAAAAAAAAAAZAAAAAEAAABAAAAAAAAAAAAAAAAAAAAAAAAAAAAAAAAAAAAAAAAAAAAAAAAAAAAAAAAAAAAAAAAAAAAAAAAAAAAAAAAAAAAAAAAAAAAAAAAAAAAAAAAAAAAAAAAAAAAAFAAAADwAAAABAAAAAAAAAAAAAAAUAAAAAQAAACMAAAAjAAAAIwAAAB4AAAAAAAAASwAAAEsAAAAAAAAASwAAAEsAAAAVAAAAYAAAAAAAAAAAAAAADwAAACADAAAAAAAAAAAAAAEAAACgMgAAVgcAAKr4//8BAAAAf39/AAEAAABkAAAAAAAAABQAAABAHwAAAAAAACYAAAAAAAAAwOD//wAAAAAmAAAAZAAAABYAAABMAAAAAAAAAAAAAAAEAAAAAAAAAAEAAADn5uYKAAAAACgAAAAoAAAAZAAAAGQAAAAAAAAAzMzMAAAAAABQAAAAUAAAAGQAAABkAAAAAAAAABcAAAAUAAAAAAAAAAAAAAD/fwAA/38AAAAAAAAJAAAABAAAAAAAAAAeAAAAaAAAAAAAAAAAAAAAAAAAAAAAAAAAAAAAECcAABAnAAAAAAAAAAAAAAAAAAAAAAAAAAAAAAAAAAAAAAAAAAAAABQAAAAAAAAAwMD/AAAAAABkAAAAMgAAAAAAAABkAAAAAAAAAH9/fwAKAAAAIgAAABgAAAAAAAAAAAAAAAAAAAAAAAAAAAAAAAAAAAAkAAAAJAAAAAAAAAAHAAAAAAAAAAAAAAAAAAAAAAAAAAAAAAAAAAAAf39/ACUAAABYAAAAAAAAAAAAAAAAAAAAAAAAAAAAAAAAAAAAAAAAAAAAAAAAAAAAAAAAAAAAAAA/AAAAAAAAAKCGAQAAAAAAAAAAAAAAAAAMAAAAAQAAAAAAAAAAAAAAAAAAAB8AAABUAAAAAAAABQAAAAEAAAAAAAAAAAAAAAAAAAAAAAAAAAAAAAAAAAAAAAAAAAAAAAB/f38AAAAAA8zMzADAwP8Af39/AAAAAAAAAAAAAAAAAAAAAAAAAAAAIQAAABgAAAAUAAAAqgAAAI0EAAAqKQAAVhsAABAAAAAmAAAACAAAAAEPAAD/HwAA"/>
+                <pr:smNativeData xmlns="smNativeData" xmlns:pr="smNativeData" xmlns:p15="http://schemas.microsoft.com/office/powerpoint/2012/main" xmlns:p14="http://schemas.microsoft.com/office/powerpoint/2010/main" xmlns:mc="http://schemas.openxmlformats.org/markup-compatibility/2006" val="SMDATA_15_3RkyYhMAAAAlAAAACwAAAC0AAAAAqgAAAI0EAAAqKQAAVhsAAAAAAAAAAAAAAAAAAAEAAABQAAAAAAAAAAAA4D8AAAAAAADgPwAAAAAAAOA/AAAAAAAA4D8AAAAAAADgPwAAAAAAAOA/AAAAAAAA4D8AAAAAAADgPwAAAAAAAOA/AAAAAAAA4D8CAAAAjAAAAAAAAAAAAAAARHLEDP///wgAAAAAAAAAAAAAAAAAAAAAAAAAAAAAAAAAAAAAZAAAAAEAAABAAAAAAAAAAAAAAAAAAAAAAAAAAAAAAAAAAAAAAAAAAAAAAAAAAAAAAAAAAAAAAAAAAAAAAAAAAAAAAAAAAAAAAAAAAAAAAAAAAAAAAAAAAAAAAAAAAAAAFAAAADwAAAABAAAAAAAAAAAAAAAUAAAAAQAAACMAAAAjAAAAIwAAAB4AAAAAAAAASwAAAEsAAAAAAAAASwAAAEsAAAAVAAAAYAAAAAAAAAAAAAAADwAAACADAAAAAAAAAAAAAAEAAACgMgAAVgcAAKr4//8BAAAAf39/AAEAAABkAAAAAAAAABQAAABAHwAAAAAAACYAAAAAAAAAwOD//wAAAAAmAAAAZAAAABYAAABMAAAAAAAAAAAAAAAEAAAAAAAAAAEAAADn5uYKAAAAACgAAAAoAAAAZAAAAGQAAAAAAAAAzMzMAAAAAABQAAAAUAAAAGQAAABkAAAAAAAAABcAAAAUAAAAAAAAAAAAAAD/fwAA/38AAAAAAAAJAAAABAAAAAAAAAAeAAAAaAAAAAAAAAAAAAAAAAAAAAAAAAAAAAAAECcAABAnAAAAAAAAAAAAAAAAAAAAAAAAAAAAAAAAAAAAAAAAAAAAABQAAAAAAAAAwMD/AAAAAABkAAAAMgAAAAAAAABkAAAAAAAAAH9/fwAKAAAAIgAAABgAAAAAAAAAAAAAAAAAAAAAAAAAAAAAAAAAAAAkAAAAJAAAAAAAAAAHAAAAAAAAAAAAAAAAAAAAAAAAAAAAAAAAAAAAf39/ACUAAABYAAAAAAAAAAAAAAAAAAAAAAAAAAAAAAAAAAAAAAAAAAAAAAAAAAAAAAAAAAAAAAA/AAAAAAAAAKCGAQAAAAAAAAAAAAAAAAAMAAAAAQAAAAAAAAAAAAAAAAAAAB8AAABUAAAAAAAABQAAAAEAAAAAAAAAAAAAAAAAAAAAAAAAAAAAAAAAAAAAAAAAAAAAAAB/f38AAAAAA8zMzADAwP8Af39/AAAAAAAAAAAAAAAAAAAAAAAAAAAAIQAAABgAAAAUAAAAqgAAAI0EAAAqKQAAVhsAABAAAAAmAAAACAAAAAEPAAD/HwAA"/>
               </a:ext>
             </a:extLst>
           </p:cNvSpPr>
@@ -3030,7 +3033,7 @@
         <p:spPr>
           <a:xfrm>
             <a:off x="107950" y="739775"/>
-            <a:ext cx="6583680" cy="3703955"/>
+            <a:ext cx="6583363" cy="3703638"/>
           </a:xfrm>
           <a:custGeom>
             <a:avLst/>
@@ -3068,6 +3071,11 @@
         </p:spPr>
       </p:sp>
     </p:spTree>
+    <p:extLst>
+      <p:ext uri="{BB962C8B-B14F-4D97-AF65-F5344CB8AC3E}">
+        <p14:creationId xmlns:p14="http://schemas.microsoft.com/office/powerpoint/2010/main" val="322695966"/>
+      </p:ext>
+    </p:extLst>
   </p:cSld>
   <p:clrMapOvr>
     <a:masterClrMapping/>
@@ -3301,7 +3309,7 @@
             <a:spLocks noGrp="1" noRot="1" noChangeAspect="1" noChangeArrowheads="1"/>
             <a:extLst>
               <a:ext uri="smNativeData">
-                <pr:smNativeData xmlns:mc="http://schemas.openxmlformats.org/markup-compatibility/2006" xmlns:p14="http://schemas.microsoft.com/office/powerpoint/2010/main" xmlns:p15="http://schemas.microsoft.com/office/powerpoint/2012/main" xmlns:pr="smNativeData" xmlns="smNativeData" val="SMDATA_15_3RkyYhMAAAAlAAAACwAAAC0AAAAAqgAAAI0EAAAqKQAAVhsAAAAAAAAAAAAAAAAAAAEAAABQAAAAAAAAAAAA4D8AAAAAAADgPwAAAAAAAOA/AAAAAAAA4D8AAAAAAADgPwAAAAAAAOA/AAAAAAAA4D8AAAAAAADgPwAAAAAAAOA/AAAAAAAA4D8CAAAAjAAAAAAAAAAAAAAARHLEDP///wgAAAAAAAAAAAAAAAAAAAAAAAAAAAAAAAAAAAAAZAAAAAEAAABAAAAAAAAAAAAAAAAAAAAAAAAAAAAAAAAAAAAAAAAAAAAAAAAAAAAAAAAAAAAAAAAAAAAAAAAAAAAAAAAAAAAAAAAAAAAAAAAAAAAAAAAAAAAAAAAAAAAAFAAAADwAAAABAAAAAAAAAAAAAAAUAAAAAQAAACMAAAAjAAAAIwAAAB4AAAAAAAAASwAAAEsAAAAAAAAASwAAAEsAAAAVAAAAYAAAAAAAAAAAAAAADwAAACADAAAAAAAAAAAAAAEAAACgMgAAVgcAAKr4//8BAAAAf39/AAEAAABkAAAAAAAAABQAAABAHwAAAAAAACYAAAAAAAAAwOD//wAAAAAmAAAAZAAAABYAAABMAAAAAAAAAAAAAAAEAAAAAAAAAAEAAADn5uYKAAAAACgAAAAoAAAAZAAAAGQAAAAAAAAAzMzMAAAAAABQAAAAUAAAAGQAAABkAAAAAAAAABcAAAAUAAAAAAAAAAAAAAD/fwAA/38AAAAAAAAJAAAABAAAAPX///8eAAAAaAAAAAAAAAAAAAAAAAAAAAAAAAAAAAAAECcAABAnAAAAAAAAAAAAAAAAAAAAAAAAAAAAAAAAAAAAAAAAAAAAABQAAAAAAAAAwMD/AAAAAABkAAAAMgAAAAAAAABkAAAAAAAAAH9/fwAKAAAAIgAAABgAAAAAAAAAAAAAAAAAAAAAAAAAAAAAAAAAAAAkAAAAJAAAAAAAAAAHAAAAAAAAAAAAAAAAAAAAAAAAAAAAAAAAAAAAf39/ACUAAABYAAAAAAAAAAAAAAAAAAAAAAAAAAAAAAAAAAAAAAAAAAAAAAAAAAAAAAAAAAAAAAA/AAAAAAAAAKCGAQAAAAAAAAAAAAAAAAAMAAAAAQAAAAAAAAAAAAAAAAAAAB8AAABUAAAAAAAABQAAAAEAAAAAAAAAAAAAAAAAAAAAAAAAAAAAAAAAAAAAAAAAAAAAAAB/f38AAAAAA8zMzADAwP8Af39/AAAAAAAAAAAAAAAAAAAAAAAAAAAAIQAAABgAAAAUAAAAqgAAAI0EAAAqKQAAVhsAABAAAAAmAAAACAAAAAEPAAD/HwAA"/>
+                <pr:smNativeData xmlns:mc="http://schemas.openxmlformats.org/markup-compatibility/2006" xmlns:p14="http://schemas.microsoft.com/office/powerpoint/2010/main" xmlns:p15="http://schemas.microsoft.com/office/powerpoint/2012/main" xmlns:pr="smNativeData" xmlns="smNativeData" val="SMDATA_15_3RkyYhMAAAAlAAAACwAAAC0AAAAAqgAAAI0EAAAqKQAAVhsAAAAAAAAAAAAAAAAAAAEAAABQAAAAAAAAAAAA4D8AAAAAAADgPwAAAAAAAOA/AAAAAAAA4D8AAAAAAADgPwAAAAAAAOA/AAAAAAAA4D8AAAAAAADgPwAAAAAAAOA/AAAAAAAA4D8CAAAAjAAAAAAAAAAAAAAARHLEDP///wgAAAAAAAAAAAAAAAAAAAAAAAAAAAAAAAAAAAAAZAAAAAEAAABAAAAAAAAAAAAAAAAAAAAAAAAAAAAAAAAAAAAAAAAAAAAAAAAAAAAAAAAAAAAAAAAAAAAAAAAAAAAAAAAAAAAAAAAAAAAAAAAAAAAAAAAAAAAAAAAAAAAAFAAAADwAAAABAAAAAAAAAAAAAAAUAAAAAQAAACMAAAAjAAAAIwAAAB4AAAAAAAAASwAAAEsAAAAAAAAASwAAAEsAAAAVAAAAYAAAAAAAAAAAAAAADwAAACADAAAAAAAAAAAAAAEAAACgMgAAVgcAAKr4//8BAAAAf39/AAEAAABkAAAAAAAAABQAAABAHwAAAAAAACYAAAAAAAAAwOD//wAAAAAmAAAAZAAAABYAAABMAAAAAAAAAAAAAAAEAAAAAAAAAAEAAADn5uYKAAAAACgAAAAoAAAAZAAAAGQAAAAAAAAAzMzMAAAAAABQAAAAUAAAAGQAAABkAAAAAAAAABcAAAAUAAAAAAAAAAAAAAD/fwAA/38AAAAAAAAJAAAABAAAAAAAAAAeAAAAaAAAAAAAAAAAAAAAAAAAAAAAAAAAAAAAECcAABAnAAAAAAAAAAAAAAAAAAAAAAAAAAAAAAAAAAAAAAAAAAAAABQAAAAAAAAAwMD/AAAAAABkAAAAMgAAAAAAAABkAAAAAAAAAH9/fwAKAAAAIgAAABgAAAAAAAAAAAAAAAAAAAAAAAAAAAAAAAAAAAAkAAAAJAAAAAAAAAAHAAAAAAAAAAAAAAAAAAAAAAAAAAAAAAAAAAAAf39/ACUAAABYAAAAAAAAAAAAAAAAAAAAAAAAAAAAAAAAAAAAAAAAAAAAAAAAAAAAAAAAAAAAAAA/AAAAAAAAAKCGAQAAAAAAAAAAAAAAAAAMAAAAAQAAAAAAAAAAAAAAAAAAAB8AAABUAAAAAAAABQAAAAEAAAAAAAAAAAAAAAAAAAAAAAAAAAAAAAAAAAAAAAAAAAAAAAB/f38AAAAAA8zMzADAwP8Af39/AAAAAAAAAAAAAAAAAAAAAAAAAAAAIQAAABgAAAAUAAAAqgAAAI0EAAAqKQAAVhsAABAAAAAmAAAACAAAAAEPAAD/HwAA"/>
               </a:ext>
             </a:extLst>
           </p:cNvSpPr>
@@ -3312,7 +3320,7 @@
         <p:spPr>
           <a:xfrm>
             <a:off x="107950" y="739775"/>
-            <a:ext cx="6583680" cy="3703955"/>
+            <a:ext cx="6583363" cy="3703638"/>
           </a:xfrm>
           <a:custGeom>
             <a:avLst/>
@@ -3350,6 +3358,11 @@
         </p:spPr>
       </p:sp>
     </p:spTree>
+    <p:extLst>
+      <p:ext uri="{BB962C8B-B14F-4D97-AF65-F5344CB8AC3E}">
+        <p14:creationId xmlns:p14="http://schemas.microsoft.com/office/powerpoint/2010/main" val="2756751852"/>
+      </p:ext>
+    </p:extLst>
   </p:cSld>
   <p:clrMapOvr>
     <a:masterClrMapping/>
@@ -3389,7 +3402,7 @@
             <a:spLocks noGrp="1" noChangeArrowheads="1"/>
             <a:extLst>
               <a:ext uri="smNativeData">
-                <pr:smNativeData xmlns:mc="http://schemas.openxmlformats.org/markup-compatibility/2006" xmlns:p14="http://schemas.microsoft.com/office/powerpoint/2010/main" xmlns:p15="http://schemas.microsoft.com/office/powerpoint/2012/main" xmlns:pr="smNativeData" xmlns="smNativeData" val="SMDATA_15_3RkyYhMAAAAlAAAAZAAAAA0AAAAAkAAAAEgAAACQAAAASAAAAAAAAAAAAAAAAAAAAAEAAABQAAAAAAAAAAAA4D8AAAAAAADgPwAAAAAAAOA/AAAAAAAA4D8AAAAAAADgPwAAAAAAAOA/AAAAAAAA4D8AAAAAAADgPwAAAAAAAOA/AAAAAAAA4D8CAAAAjAAAAAAAAAAAAAAARHLEDP///wgAAAAAAAAAAAAAAAAAAAAAAAAAAAAAAAAAAAAAZAAAAAEAAABAAAAAAAAAAAAAAAAAAAAAAAAAAAAAAAAAAAAAAAAAAAAAAAAAAAAAAAAAAAAAAAAAAAAAAAAAAAAAAAAAAAAAAAAAAAAAAAAAAAAAAAAAAAAAAAAAAAAAFAAAADwAAAAAAAAAAAAAAAAAAAkUAAAAAQAAABQAAAAUAAAAFAAAAAEAAAAAAAAAZAAAAGQAAAAAAAAAZAAAAGQAAAAVAAAAYAAAAAAAAAAAAAAADwAAACADAAAAAAAAAAAAAAEAAACgMgAAVgcAAKr4//8BAAAAf39/AAEAAABkAAAAAAAAABQAAABAHwAAAAAAACYAAAAAAAAAwOD//wAAAAAmAAAAZAAAABYAAABMAAAAAAAAAAAAAAAEAAAAAAAAAAEAAADn5uYKAAAAACgAAAAoAAAAZAAAAGQAAAAAAAAAzMzMAAAAAABQAAAAUAAAAGQAAABkAAAAAAAAABcAAAAUAAAAAAAAAAAAAAD/fwAA/38AAAAAAAAJAAAABAAAAPj///8eAAAAaAAAAAAAAAAAAAAAAAAAAAAAAAAAAAAAECcAABAnAAAAAAAAAAAAAAAAAAAAAAAAAAAAAAAAAAAAAAAAAAAAABQAAAAAAAAAwMD/AAAAAABkAAAAMgAAAAAAAABkAAAAAAAAAH9/fwAKAAAAIgAAABgAAAAAAAAAAAAAAAAAAAAAAAAAAAAAAAAAAAAkAAAAJAAAAAAAAAAHAAAAAAAAAAAAAAAAAAAAAAAAAAAAAAAAAAAAf39/ACUAAABYAAAAAAAAAAAAAAAAAAAAAAAAAAAAAAAAAAAAAAAAAAAAAAAAAAAAAAAAAAAAAAA/AAAAAAAAAKCGAQAAAAAAAAAAAAAAAAAMAAAAAQAAAAAAAAAAAAAAAAAAAB8AAABUAAAAAAAABQAAAAEAAAAAAAAAAAAAAAAAAAAAAAAAAAAAAAAAAAAAAAAAAAAAAAJ/f38AAAAAA8zMzADAwP8Af39/AAAAAAAAAAAAAAAAAAAAAAAAAAAAIQAAABgAAAAUAAAAMAQAANscAACkJQAAMDgAABAAAAAmAAAACAAAAL0/AAD/HwAA"/>
+                <pr:smNativeData xmlns="smNativeData" xmlns:pr="smNativeData" xmlns:p15="http://schemas.microsoft.com/office/powerpoint/2012/main" xmlns:p14="http://schemas.microsoft.com/office/powerpoint/2010/main" xmlns:mc="http://schemas.openxmlformats.org/markup-compatibility/2006" val="SMDATA_15_3RkyYhMAAAAlAAAAZAAAAA0AAAAAkAAAAEgAAACQAAAASAAAAAAAAAAAAAAAAAAAAAEAAABQAAAAAAAAAAAA4D8AAAAAAADgPwAAAAAAAOA/AAAAAAAA4D8AAAAAAADgPwAAAAAAAOA/AAAAAAAA4D8AAAAAAADgPwAAAAAAAOA/AAAAAAAA4D8CAAAAjAAAAAAAAAAAAAAARHLEDP///wgAAAAAAAAAAAAAAAAAAAAAAAAAAAAAAAAAAAAAZAAAAAEAAABAAAAAAAAAAAAAAAAAAAAAAAAAAAAAAAAAAAAAAAAAAAAAAAAAAAAAAAAAAAAAAAAAAAAAAAAAAAAAAAAAAAAAAAAAAAAAAAAAAAAAAAAAAAAAAAAAAAAAFAAAADwAAAAAAAAAAAAAAAAAAAkUAAAAAQAAABQAAAAUAAAAFAAAAAEAAAAAAAAAZAAAAGQAAAAAAAAAZAAAAGQAAAAVAAAAYAAAAAAAAAAAAAAADwAAACADAAAAAAAAAAAAAAEAAACgMgAAVgcAAKr4//8BAAAAf39/AAEAAABkAAAAAAAAABQAAABAHwAAAAAAACYAAAAAAAAAwOD//wAAAAAmAAAAZAAAABYAAABMAAAAAAAAAAAAAAAEAAAAAAAAAAEAAADn5uYKAAAAACgAAAAoAAAAZAAAAGQAAAAAAAAAzMzMAAAAAABQAAAAUAAAAGQAAABkAAAAAAAAABcAAAAUAAAAAAAAAAAAAAD/fwAA/38AAAAAAAAJAAAABAAAAAAAAAAeAAAAaAAAAAAAAAAAAAAAAAAAAAAAAAAAAAAAECcAABAnAAAAAAAAAAAAAAAAAAAAAAAAAAAAAAAAAAAAAAAAAAAAABQAAAAAAAAAwMD/AAAAAABkAAAAMgAAAAAAAABkAAAAAAAAAH9/fwAKAAAAIgAAABgAAAAAAAAAAAAAAAAAAAAAAAAAAAAAAAAAAAAkAAAAJAAAAAAAAAAHAAAAAAAAAAAAAAAAAAAAAAAAAAAAAAAAAAAAf39/ACUAAABYAAAAAAAAAAAAAAAAAAAAAAAAAAAAAAAAAAAAAAAAAAAAAAAAAAAAAAAAAAAAAAA/AAAAAAAAAKCGAQAAAAAAAAAAAAAAAAAMAAAAAQAAAAAAAAAAAAAAAAAAAB8AAABUAAAAAAAABQAAAAEAAAAAAAAAAAAAAAAAAAAAAAAAAAAAAAAAAAAAAAAAAAAAAAJ/f38AAAAAA8zMzADAwP8Af39/AAAAAAAAAAAAAAAAAAAAAAAAAAAAIQAAABgAAAAUAAAAMAQAANscAACkJQAAMDgAABAAAAAmAAAACAAAAL0/AAD/HwAA"/>
               </a:ext>
             </a:extLst>
           </p:cNvSpPr>
@@ -3442,7 +3455,7 @@
             <a:spLocks noGrp="1" noRot="1" noChangeAspect="1" noChangeArrowheads="1"/>
             <a:extLst>
               <a:ext uri="smNativeData">
-                <pr:smNativeData xmlns:mc="http://schemas.openxmlformats.org/markup-compatibility/2006" xmlns:p14="http://schemas.microsoft.com/office/powerpoint/2010/main" xmlns:p15="http://schemas.microsoft.com/office/powerpoint/2012/main" xmlns:pr="smNativeData" xmlns="smNativeData" val="SMDATA_15_3RkyYhMAAAAlAAAACwAAAC0AAAAAqgAAAI0EAAAqKQAAVhsAAAAAAAAAAAAAAAAAAAEAAABQAAAAAAAAAAAA4D8AAAAAAADgPwAAAAAAAOA/AAAAAAAA4D8AAAAAAADgPwAAAAAAAOA/AAAAAAAA4D8AAAAAAADgPwAAAAAAAOA/AAAAAAAA4D8CAAAAjAAAAAAAAAAAAAAARHLEDP///wgAAAAAAAAAAAAAAAAAAAAAAAAAAAAAAAAAAAAAZAAAAAEAAABAAAAAAAAAAAAAAAAAAAAAAAAAAAAAAAAAAAAAAAAAAAAAAAAAAAAAAAAAAAAAAAAAAAAAAAAAAAAAAAAAAAAAAAAAAAAAAAAAAAAAAAAAAAAAAAAAAAAAFAAAADwAAAABAAAAAAAAAAAAAAAUAAAAAQAAACMAAAAjAAAAIwAAAB4AAAAAAAAASwAAAEsAAAAAAAAASwAAAEsAAAAVAAAAYAAAAAAAAAAAAAAADwAAACADAAAAAAAAAAAAAAEAAACgMgAAVgcAAKr4//8BAAAAf39/AAEAAABkAAAAAAAAABQAAABAHwAAAAAAACYAAAAAAAAAwOD//wAAAAAmAAAAZAAAABYAAABMAAAAAAAAAAAAAAAEAAAAAAAAAAEAAADn5uYKAAAAACgAAAAoAAAAZAAAAGQAAAAAAAAAzMzMAAAAAABQAAAAUAAAAGQAAABkAAAAAAAAABcAAAAUAAAAAAAAAAAAAAD/fwAA/38AAAAAAAAJAAAABAAAAPz///8eAAAAaAAAAAAAAAAAAAAAAAAAAAAAAAAAAAAAECcAABAnAAAAAAAAAAAAAAAAAAAAAAAAAAAAAAAAAAAAAAAAAAAAABQAAAAAAAAAwMD/AAAAAABkAAAAMgAAAAAAAABkAAAAAAAAAH9/fwAKAAAAIgAAABgAAAAAAAAAAAAAAAAAAAAAAAAAAAAAAAAAAAAkAAAAJAAAAAAAAAAHAAAAAAAAAAAAAAAAAAAAAAAAAAAAAAAAAAAAf39/ACUAAABYAAAAAAAAAAAAAAAAAAAAAAAAAAAAAAAAAAAAAAAAAAAAAAAAAAAAAAAAAAAAAAA/AAAAAAAAAKCGAQAAAAAAAAAAAAAAAAAMAAAAAQAAAAAAAAAAAAAAAAAAAB8AAABUAAAAAAAABQAAAAEAAAAAAAAAAAAAAAAAAAAAAAAAAAAAAAAAAAAAAAAAAAAAAAB/f38AAAAAA8zMzADAwP8Af39/AAAAAAAAAAAAAAAAAAAAAAAAAAAAIQAAABgAAAAUAAAAqgAAAI0EAAAqKQAAVhsAABAAAAAmAAAACAAAAAEPAAD/HwAA"/>
+                <pr:smNativeData xmlns="smNativeData" xmlns:pr="smNativeData" xmlns:p15="http://schemas.microsoft.com/office/powerpoint/2012/main" xmlns:p14="http://schemas.microsoft.com/office/powerpoint/2010/main" xmlns:mc="http://schemas.openxmlformats.org/markup-compatibility/2006" val="SMDATA_15_3RkyYhMAAAAlAAAACwAAAC0AAAAAqgAAAI0EAAAqKQAAVhsAAAAAAAAAAAAAAAAAAAEAAABQAAAAAAAAAAAA4D8AAAAAAADgPwAAAAAAAOA/AAAAAAAA4D8AAAAAAADgPwAAAAAAAOA/AAAAAAAA4D8AAAAAAADgPwAAAAAAAOA/AAAAAAAA4D8CAAAAjAAAAAAAAAAAAAAARHLEDP///wgAAAAAAAAAAAAAAAAAAAAAAAAAAAAAAAAAAAAAZAAAAAEAAABAAAAAAAAAAAAAAAAAAAAAAAAAAAAAAAAAAAAAAAAAAAAAAAAAAAAAAAAAAAAAAAAAAAAAAAAAAAAAAAAAAAAAAAAAAAAAAAAAAAAAAAAAAAAAAAAAAAAAFAAAADwAAAABAAAAAAAAAAAAAAAUAAAAAQAAACMAAAAjAAAAIwAAAB4AAAAAAAAASwAAAEsAAAAAAAAASwAAAEsAAAAVAAAAYAAAAAAAAAAAAAAADwAAACADAAAAAAAAAAAAAAEAAACgMgAAVgcAAKr4//8BAAAAf39/AAEAAABkAAAAAAAAABQAAABAHwAAAAAAACYAAAAAAAAAwOD//wAAAAAmAAAAZAAAABYAAABMAAAAAAAAAAAAAAAEAAAAAAAAAAEAAADn5uYKAAAAACgAAAAoAAAAZAAAAGQAAAAAAAAAzMzMAAAAAABQAAAAUAAAAGQAAABkAAAAAAAAABcAAAAUAAAAAAAAAAAAAAD/fwAA/38AAAAAAAAJAAAABAAAAAAAAAAeAAAAaAAAAAAAAAAAAAAAAAAAAAAAAAAAAAAAECcAABAnAAAAAAAAAAAAAAAAAAAAAAAAAAAAAAAAAAAAAAAAAAAAABQAAAAAAAAAwMD/AAAAAABkAAAAMgAAAAAAAABkAAAAAAAAAH9/fwAKAAAAIgAAABgAAAAAAAAAAAAAAAAAAAAAAAAAAAAAAAAAAAAkAAAAJAAAAAAAAAAHAAAAAAAAAAAAAAAAAAAAAAAAAAAAAAAAAAAAf39/ACUAAABYAAAAAAAAAAAAAAAAAAAAAAAAAAAAAAAAAAAAAAAAAAAAAAAAAAAAAAAAAAAAAAA/AAAAAAAAAKCGAQAAAAAAAAAAAAAAAAAMAAAAAQAAAAAAAAAAAAAAAAAAAB8AAABUAAAAAAAABQAAAAEAAAAAAAAAAAAAAAAAAAAAAAAAAAAAAAAAAAAAAAAAAAAAAAB/f38AAAAAA8zMzADAwP8Af39/AAAAAAAAAAAAAAAAAAAAAAAAAAAAIQAAABgAAAAUAAAAqgAAAI0EAAAqKQAAVhsAABAAAAAmAAAACAAAAAEPAAD/HwAA"/>
               </a:ext>
             </a:extLst>
           </p:cNvSpPr>
@@ -3453,7 +3466,7 @@
         <p:spPr>
           <a:xfrm>
             <a:off x="107950" y="739775"/>
-            <a:ext cx="6583680" cy="3703955"/>
+            <a:ext cx="6583363" cy="3703638"/>
           </a:xfrm>
           <a:custGeom>
             <a:avLst/>
@@ -3491,6 +3504,11 @@
         </p:spPr>
       </p:sp>
     </p:spTree>
+    <p:extLst>
+      <p:ext uri="{BB962C8B-B14F-4D97-AF65-F5344CB8AC3E}">
+        <p14:creationId xmlns:p14="http://schemas.microsoft.com/office/powerpoint/2010/main" val="2038307682"/>
+      </p:ext>
+    </p:extLst>
   </p:cSld>
   <p:clrMapOvr>
     <a:masterClrMapping/>
@@ -3530,7 +3548,7 @@
             <a:spLocks noGrp="1" noChangeArrowheads="1"/>
             <a:extLst>
               <a:ext uri="smNativeData">
-                <pr:smNativeData xmlns:mc="http://schemas.openxmlformats.org/markup-compatibility/2006" xmlns:p14="http://schemas.microsoft.com/office/powerpoint/2010/main" xmlns:p15="http://schemas.microsoft.com/office/powerpoint/2012/main" xmlns:pr="smNativeData" xmlns="smNativeData" val="SMDATA_15_3RkyYhMAAAAlAAAAZAAAAA0AAAAAkAAAAEgAAACQAAAASAAAAAAAAAAAAAAAAAAAAAEAAABQAAAAAAAAAAAA4D8AAAAAAADgPwAAAAAAAOA/AAAAAAAA4D8AAAAAAADgPwAAAAAAAOA/AAAAAAAA4D8AAAAAAADgPwAAAAAAAOA/AAAAAAAA4D8CAAAAjAAAAAAAAAAAAAAARHLEDP///wgAAAAAAAAAAAAAAAAAAAAAAAAAAAAAAAAAAAAAZAAAAAEAAABAAAAAAAAAAAAAAAAAAAAAAAAAAAAAAAAAAAAAAAAAAAAAAAAAAAAAAAAAAAAAAAAAAAAAAAAAAAAAAAAAAAAAAAAAAAAAAAAAAAAAAAAAAAAAAAAAAAAAFAAAADwAAAAAAAAAAAAAAAAAAAkUAAAAAQAAABQAAAAUAAAAFAAAAAEAAAAAAAAAZAAAAGQAAAAAAAAAZAAAAGQAAAAVAAAAYAAAAAAAAAAAAAAADwAAACADAAAAAAAAAAAAAAEAAACgMgAAVgcAAKr4//8BAAAAf39/AAEAAABkAAAAAAAAABQAAABAHwAAAAAAACYAAAAAAAAAwOD//wAAAAAmAAAAZAAAABYAAABMAAAAAAAAAAAAAAAEAAAAAAAAAAEAAADn5uYKAAAAACgAAAAoAAAAZAAAAGQAAAAAAAAAzMzMAAAAAABQAAAAUAAAAGQAAABkAAAAAAAAABcAAAAUAAAAAAAAAAAAAAD/fwAA/38AAAAAAAAJAAAABAAAAO7///8eAAAAaAAAAAAAAAAAAAAAAAAAAAAAAAAAAAAAECcAABAnAAAAAAAAAAAAAAAAAAAAAAAAAAAAAAAAAAAAAAAAAAAAABQAAAAAAAAAwMD/AAAAAABkAAAAMgAAAAAAAABkAAAAAAAAAH9/fwAKAAAAIgAAABgAAAAAAAAAAAAAAAAAAAAAAAAAAAAAAAAAAAAkAAAAJAAAAAAAAAAHAAAAAAAAAAAAAAAAAAAAAAAAAAAAAAAAAAAAf39/ACUAAABYAAAAAAAAAAAAAAAAAAAAAAAAAAAAAAAAAAAAAAAAAAAAAAAAAAAAAAAAAAAAAAA/AAAAAAAAAKCGAQAAAAAAAAAAAAAAAAAMAAAAAQAAAAAAAAAAAAAAAAAAAB8AAABUAAAAAAAABQAAAAEAAAAAAAAAAAAAAAAAAAAAAAAAAAAAAAAAAAAAAAAAAAAAAAJ/f38AAAAAA8zMzADAwP8Af39/AAAAAAAAAAAAAAAAAAAAAAAAAAAAIQAAABgAAAAUAAAAMAQAANscAACkJQAAMDgAABAAAAAmAAAACAAAAL0/AAD/HwAA"/>
+                <pr:smNativeData xmlns:mc="http://schemas.openxmlformats.org/markup-compatibility/2006" xmlns:p14="http://schemas.microsoft.com/office/powerpoint/2010/main" xmlns:p15="http://schemas.microsoft.com/office/powerpoint/2012/main" xmlns:pr="smNativeData" xmlns="smNativeData" val="SMDATA_15_3RkyYhMAAAAlAAAAZAAAAA0AAAAAkAAAAEgAAACQAAAASAAAAAAAAAAAAAAAAAAAAAEAAABQAAAAAAAAAAAA4D8AAAAAAADgPwAAAAAAAOA/AAAAAAAA4D8AAAAAAADgPwAAAAAAAOA/AAAAAAAA4D8AAAAAAADgPwAAAAAAAOA/AAAAAAAA4D8CAAAAjAAAAAAAAAAAAAAARHLEDP///wgAAAAAAAAAAAAAAAAAAAAAAAAAAAAAAAAAAAAAZAAAAAEAAABAAAAAAAAAAAAAAAAAAAAAAAAAAAAAAAAAAAAAAAAAAAAAAAAAAAAAAAAAAAAAAAAAAAAAAAAAAAAAAAAAAAAAAAAAAAAAAAAAAAAAAAAAAAAAAAAAAAAAFAAAADwAAAAAAAAAAAAAAAAAAAkUAAAAAQAAABQAAAAUAAAAFAAAAAEAAAAAAAAAZAAAAGQAAAAAAAAAZAAAAGQAAAAVAAAAYAAAAAAAAAAAAAAADwAAACADAAAAAAAAAAAAAAEAAACgMgAAVgcAAKr4//8BAAAAf39/AAEAAABkAAAAAAAAABQAAABAHwAAAAAAACYAAAAAAAAAwOD//wAAAAAmAAAAZAAAABYAAABMAAAAAAAAAAAAAAAEAAAAAAAAAAEAAADn5uYKAAAAACgAAAAoAAAAZAAAAGQAAAAAAAAAzMzMAAAAAABQAAAAUAAAAGQAAABkAAAAAAAAABcAAAAUAAAAAAAAAAAAAAD/fwAA/38AAAAAAAAJAAAABAAAAAAAAAAeAAAAaAAAAAAAAAAAAAAAAAAAAAAAAAAAAAAAECcAABAnAAAAAAAAAAAAAAAAAAAAAAAAAAAAAAAAAAAAAAAAAAAAABQAAAAAAAAAwMD/AAAAAABkAAAAMgAAAAAAAABkAAAAAAAAAH9/fwAKAAAAIgAAABgAAAAAAAAAAAAAAAAAAAAAAAAAAAAAAAAAAAAkAAAAJAAAAAAAAAAHAAAAAAAAAAAAAAAAAAAAAAAAAAAAAAAAAAAAf39/ACUAAABYAAAAAAAAAAAAAAAAAAAAAAAAAAAAAAAAAAAAAAAAAAAAAAAAAAAAAAAAAAAAAAA/AAAAAAAAAKCGAQAAAAAAAAAAAAAAAAAMAAAAAQAAAAAAAAAAAAAAAAAAAB8AAABUAAAAAAAABQAAAAEAAAAAAAAAAAAAAAAAAAAAAAAAAAAAAAAAAAAAAAAAAAAAAAJ/f38AAAAAA8zMzADAwP8Af39/AAAAAAAAAAAAAAAAAAAAAAAAAAAAIQAAABgAAAAUAAAAMAQAANscAACkJQAAMDgAABAAAAAmAAAACAAAAL0/AAD/HwAA"/>
               </a:ext>
             </a:extLst>
           </p:cNvSpPr>
@@ -3583,7 +3601,7 @@
             <a:spLocks noGrp="1" noRot="1" noChangeAspect="1" noChangeArrowheads="1"/>
             <a:extLst>
               <a:ext uri="smNativeData">
-                <pr:smNativeData xmlns:mc="http://schemas.openxmlformats.org/markup-compatibility/2006" xmlns:p14="http://schemas.microsoft.com/office/powerpoint/2010/main" xmlns:p15="http://schemas.microsoft.com/office/powerpoint/2012/main" xmlns:pr="smNativeData" xmlns="smNativeData" val="SMDATA_15_3RkyYhMAAAAlAAAACwAAAC0AAAAAqgAAAI0EAAAqKQAAVhsAAAAAAAAAAAAAAAAAAAEAAABQAAAAAAAAAAAA4D8AAAAAAADgPwAAAAAAAOA/AAAAAAAA4D8AAAAAAADgPwAAAAAAAOA/AAAAAAAA4D8AAAAAAADgPwAAAAAAAOA/AAAAAAAA4D8CAAAAjAAAAAAAAAAAAAAARHLEDP///wgAAAAAAAAAAAAAAAAAAAAAAAAAAAAAAAAAAAAAZAAAAAEAAABAAAAAAAAAAAAAAAAAAAAAAAAAAAAAAAAAAAAAAAAAAAAAAAAAAAAAAAAAAAAAAAAAAAAAAAAAAAAAAAAAAAAAAAAAAAAAAAAAAAAAAAAAAAAAAAAAAAAAFAAAADwAAAABAAAAAAAAAAAAAAAUAAAAAQAAACMAAAAjAAAAIwAAAB4AAAAAAAAASwAAAEsAAAAAAAAASwAAAEsAAAAVAAAAYAAAAAAAAAAAAAAADwAAACADAAAAAAAAAAAAAAEAAACgMgAAVgcAAKr4//8BAAAAf39/AAEAAABkAAAAAAAAABQAAABAHwAAAAAAACYAAAAAAAAAwOD//wAAAAAmAAAAZAAAABYAAABMAAAAAAAAAAAAAAAEAAAAAAAAAAEAAADn5uYKAAAAACgAAAAoAAAAZAAAAGQAAAAAAAAAzMzMAAAAAABQAAAAUAAAAGQAAABkAAAAAAAAABcAAAAUAAAAAAAAAAAAAAD/fwAA/38AAAAAAAAJAAAABAAAAAUAAAAeAAAAaAAAAAAAAAAAAAAAAAAAAAAAAAAAAAAAECcAABAnAAAAAAAAAAAAAAAAAAAAAAAAAAAAAAAAAAAAAAAAAAAAABQAAAAAAAAAwMD/AAAAAABkAAAAMgAAAAAAAABkAAAAAAAAAH9/fwAKAAAAIgAAABgAAAAAAAAAAAAAAAAAAAAAAAAAAAAAAAAAAAAkAAAAJAAAAAAAAAAHAAAAAAAAAAAAAAAAAAAAAAAAAAAAAAAAAAAAf39/ACUAAABYAAAAAAAAAAAAAAAAAAAAAAAAAAAAAAAAAAAAAAAAAAAAAAAAAAAAAAAAAAAAAAA/AAAAAAAAAKCGAQAAAAAAAAAAAAAAAAAMAAAAAQAAAAAAAAAAAAAAAAAAAB8AAABUAAAAAAAABQAAAAEAAAAAAAAAAAAAAAAAAAAAAAAAAAAAAAAAAAAAAAAAAAAAAAB/f38AAAAAA8zMzADAwP8Af39/AAAAAAAAAAAAAAAAAAAAAAAAAAAAIQAAABgAAAAUAAAAqgAAAI0EAAAqKQAAVhsAABAAAAAmAAAACAAAAAEPAAD/HwAA"/>
+                <pr:smNativeData xmlns:mc="http://schemas.openxmlformats.org/markup-compatibility/2006" xmlns:p14="http://schemas.microsoft.com/office/powerpoint/2010/main" xmlns:p15="http://schemas.microsoft.com/office/powerpoint/2012/main" xmlns:pr="smNativeData" xmlns="smNativeData" val="SMDATA_15_3RkyYhMAAAAlAAAACwAAAC0AAAAAqgAAAI0EAAAqKQAAVhsAAAAAAAAAAAAAAAAAAAEAAABQAAAAAAAAAAAA4D8AAAAAAADgPwAAAAAAAOA/AAAAAAAA4D8AAAAAAADgPwAAAAAAAOA/AAAAAAAA4D8AAAAAAADgPwAAAAAAAOA/AAAAAAAA4D8CAAAAjAAAAAAAAAAAAAAARHLEDP///wgAAAAAAAAAAAAAAAAAAAAAAAAAAAAAAAAAAAAAZAAAAAEAAABAAAAAAAAAAAAAAAAAAAAAAAAAAAAAAAAAAAAAAAAAAAAAAAAAAAAAAAAAAAAAAAAAAAAAAAAAAAAAAAAAAAAAAAAAAAAAAAAAAAAAAAAAAAAAAAAAAAAAFAAAADwAAAABAAAAAAAAAAAAAAAUAAAAAQAAACMAAAAjAAAAIwAAAB4AAAAAAAAASwAAAEsAAAAAAAAASwAAAEsAAAAVAAAAYAAAAAAAAAAAAAAADwAAACADAAAAAAAAAAAAAAEAAACgMgAAVgcAAKr4//8BAAAAf39/AAEAAABkAAAAAAAAABQAAABAHwAAAAAAACYAAAAAAAAAwOD//wAAAAAmAAAAZAAAABYAAABMAAAAAAAAAAAAAAAEAAAAAAAAAAEAAADn5uYKAAAAACgAAAAoAAAAZAAAAGQAAAAAAAAAzMzMAAAAAABQAAAAUAAAAGQAAABkAAAAAAAAABcAAAAUAAAAAAAAAAAAAAD/fwAA/38AAAAAAAAJAAAABAAAAAAAAAAeAAAAaAAAAAAAAAAAAAAAAAAAAAAAAAAAAAAAECcAABAnAAAAAAAAAAAAAAAAAAAAAAAAAAAAAAAAAAAAAAAAAAAAABQAAAAAAAAAwMD/AAAAAABkAAAAMgAAAAAAAABkAAAAAAAAAH9/fwAKAAAAIgAAABgAAAAAAAAAAAAAAAAAAAAAAAAAAAAAAAAAAAAkAAAAJAAAAAAAAAAHAAAAAAAAAAAAAAAAAAAAAAAAAAAAAAAAAAAAf39/ACUAAABYAAAAAAAAAAAAAAAAAAAAAAAAAAAAAAAAAAAAAAAAAAAAAAAAAAAAAAAAAAAAAAA/AAAAAAAAAKCGAQAAAAAAAAAAAAAAAAAMAAAAAQAAAAAAAAAAAAAAAAAAAB8AAABUAAAAAAAABQAAAAEAAAAAAAAAAAAAAAAAAAAAAAAAAAAAAAAAAAAAAAAAAAAAAAB/f38AAAAAA8zMzADAwP8Af39/AAAAAAAAAAAAAAAAAAAAAAAAAAAAIQAAABgAAAAUAAAAqgAAAI0EAAAqKQAAVhsAABAAAAAmAAAACAAAAAEPAAD/HwAA"/>
               </a:ext>
             </a:extLst>
           </p:cNvSpPr>
@@ -3640,6 +3658,429 @@
 </file>
 
 <file path=ppt/notesSlides/notesSlide23.xml><?xml version="1.0" encoding="utf-8"?>
+<p:notes xmlns:a="http://schemas.openxmlformats.org/drawingml/2006/main" xmlns:r="http://schemas.openxmlformats.org/officeDocument/2006/relationships" xmlns:p="http://schemas.openxmlformats.org/presentationml/2006/main" showMasterSp="0">
+  <p:cSld>
+    <p:bg>
+      <p:bgPr>
+        <a:solidFill>
+          <a:schemeClr val="bg1"/>
+        </a:solidFill>
+        <a:effectLst/>
+      </p:bgPr>
+    </p:bg>
+    <p:spTree>
+      <p:nvGrpSpPr>
+        <p:cNvPr id="1" name=""/>
+        <p:cNvGrpSpPr/>
+        <p:nvPr/>
+      </p:nvGrpSpPr>
+      <p:grpSpPr>
+        <a:xfrm>
+          <a:off x="0" y="0"/>
+          <a:ext cx="0" cy="0"/>
+          <a:chOff x="0" y="0"/>
+          <a:chExt cx="0" cy="0"/>
+        </a:xfrm>
+      </p:grpSpPr>
+      <p:sp>
+        <p:nvSpPr>
+          <p:cNvPr id="2" name="Google Shape;35;p3:notes"/>
+          <p:cNvSpPr>
+            <a:spLocks noGrp="1" noChangeArrowheads="1"/>
+            <a:extLst>
+              <a:ext uri="smNativeData">
+                <pr:smNativeData xmlns:mc="http://schemas.openxmlformats.org/markup-compatibility/2006" xmlns:p14="http://schemas.microsoft.com/office/powerpoint/2010/main" xmlns:p15="http://schemas.microsoft.com/office/powerpoint/2012/main" xmlns:pr="smNativeData" xmlns="smNativeData" val="SMDATA_15_3RkyYhMAAAAlAAAAZAAAAA0AAAAAkAAAAEgAAACQAAAASAAAAAAAAAAAAAAAAAAAAAEAAABQAAAAAAAAAAAA4D8AAAAAAADgPwAAAAAAAOA/AAAAAAAA4D8AAAAAAADgPwAAAAAAAOA/AAAAAAAA4D8AAAAAAADgPwAAAAAAAOA/AAAAAAAA4D8CAAAAjAAAAAAAAAAAAAAARHLEDP///wgAAAAAAAAAAAAAAAAAAAAAAAAAAAAAAAAAAAAAZAAAAAEAAABAAAAAAAAAAAAAAAAAAAAAAAAAAAAAAAAAAAAAAAAAAAAAAAAAAAAAAAAAAAAAAAAAAAAAAAAAAAAAAAAAAAAAAAAAAAAAAAAAAAAAAAAAAAAAAAAAAAAAFAAAADwAAAAAAAAAAAAAAAAAAAkUAAAAAQAAABQAAAAUAAAAFAAAAAEAAAAAAAAAZAAAAGQAAAAAAAAAZAAAAGQAAAAVAAAAYAAAAAAAAAAAAAAADwAAACADAAAAAAAAAAAAAAEAAACgMgAAVgcAAKr4//8BAAAAf39/AAEAAABkAAAAAAAAABQAAABAHwAAAAAAACYAAAAAAAAAwOD//wAAAAAmAAAAZAAAABYAAABMAAAAAAAAAAAAAAAEAAAAAAAAAAEAAADn5uYKAAAAACgAAAAoAAAAZAAAAGQAAAAAAAAAzMzMAAAAAABQAAAAUAAAAGQAAABkAAAAAAAAABcAAAAUAAAAAAAAAAAAAAD/fwAA/38AAAAAAAAJAAAABAAAAAAAAAAeAAAAaAAAAAAAAAAAAAAAAAAAAAAAAAAAAAAAECcAABAnAAAAAAAAAAAAAAAAAAAAAAAAAAAAAAAAAAAAAAAAAAAAABQAAAAAAAAAwMD/AAAAAABkAAAAMgAAAAAAAABkAAAAAAAAAH9/fwAKAAAAIgAAABgAAAAAAAAAAAAAAAAAAAAAAAAAAAAAAAAAAAAkAAAAJAAAAAAAAAAHAAAAAAAAAAAAAAAAAAAAAAAAAAAAAAAAAAAAf39/ACUAAABYAAAAAAAAAAAAAAAAAAAAAAAAAAAAAAAAAAAAAAAAAAAAAAAAAAAAAAAAAAAAAAA/AAAAAAAAAKCGAQAAAAAAAAAAAAAAAAAMAAAAAQAAAAAAAAAAAAAAAAAAAB8AAABUAAAAAAAABQAAAAEAAAAAAAAAAAAAAAAAAAAAAAAAAAAAAAAAAAAAAAAAAAAAAAJ/f38AAAAAA8zMzADAwP8Af39/AAAAAAAAAAAAAAAAAAAAAAAAAAAAIQAAABgAAAAUAAAAMAQAANscAACkJQAAMDgAABAAAAAmAAAACAAAAL0/AAD/HwAA"/>
+              </a:ext>
+            </a:extLst>
+          </p:cNvSpPr>
+          <p:nvPr>
+            <p:ph type="body" idx="1"/>
+          </p:nvPr>
+        </p:nvSpPr>
+        <p:spPr>
+          <a:xfrm>
+            <a:off x="680720" y="4690745"/>
+            <a:ext cx="5438140" cy="4443095"/>
+          </a:xfrm>
+          <a:prstGeom prst="rect">
+            <a:avLst/>
+          </a:prstGeom>
+          <a:noFill/>
+          <a:ln>
+            <a:noFill/>
+          </a:ln>
+        </p:spPr>
+        <p:txBody>
+          <a:bodyPr vert="horz" wrap="square" lIns="91440" tIns="45720" rIns="91440" bIns="45720" numCol="1" spcCol="215900" anchor="t">
+            <a:prstTxWarp prst="textNoShape">
+              <a:avLst/>
+            </a:prstTxWarp>
+          </a:bodyPr>
+          <a:lstStyle/>
+          <a:p>
+            <a:pPr marL="0" indent="0" algn="l">
+              <a:lnSpc>
+                <a:spcPct val="100000"/>
+              </a:lnSpc>
+              <a:spcBef>
+                <a:spcPts val="360"/>
+              </a:spcBef>
+              <a:spcAft>
+                <a:spcPts val="0"/>
+              </a:spcAft>
+              <a:buNone/>
+              <a:defRPr lang="en-us"/>
+            </a:pPr>
+            <a:endParaRPr/>
+          </a:p>
+        </p:txBody>
+      </p:sp>
+      <p:sp>
+        <p:nvSpPr>
+          <p:cNvPr id="3" name="Google Shape;36;p3:notes"/>
+          <p:cNvSpPr>
+            <a:spLocks noGrp="1" noRot="1" noChangeAspect="1" noChangeArrowheads="1"/>
+            <a:extLst>
+              <a:ext uri="smNativeData">
+                <pr:smNativeData xmlns:mc="http://schemas.openxmlformats.org/markup-compatibility/2006" xmlns:p14="http://schemas.microsoft.com/office/powerpoint/2010/main" xmlns:p15="http://schemas.microsoft.com/office/powerpoint/2012/main" xmlns:pr="smNativeData" xmlns="smNativeData" val="SMDATA_15_3RkyYhMAAAAlAAAACwAAAC0AAAAAqgAAAI0EAAAqKQAAVhsAAAAAAAAAAAAAAAAAAAEAAABQAAAAAAAAAAAA4D8AAAAAAADgPwAAAAAAAOA/AAAAAAAA4D8AAAAAAADgPwAAAAAAAOA/AAAAAAAA4D8AAAAAAADgPwAAAAAAAOA/AAAAAAAA4D8CAAAAjAAAAAAAAAAAAAAARHLEDP///wgAAAAAAAAAAAAAAAAAAAAAAAAAAAAAAAAAAAAAZAAAAAEAAABAAAAAAAAAAAAAAAAAAAAAAAAAAAAAAAAAAAAAAAAAAAAAAAAAAAAAAAAAAAAAAAAAAAAAAAAAAAAAAAAAAAAAAAAAAAAAAAAAAAAAAAAAAAAAAAAAAAAAFAAAADwAAAABAAAAAAAAAAAAAAAUAAAAAQAAACMAAAAjAAAAIwAAAB4AAAAAAAAASwAAAEsAAAAAAAAASwAAAEsAAAAVAAAAYAAAAAAAAAAAAAAADwAAACADAAAAAAAAAAAAAAEAAACgMgAAVgcAAKr4//8BAAAAf39/AAEAAABkAAAAAAAAABQAAABAHwAAAAAAACYAAAAAAAAAwOD//wAAAAAmAAAAZAAAABYAAABMAAAAAAAAAAAAAAAEAAAAAAAAAAEAAADn5uYKAAAAACgAAAAoAAAAZAAAAGQAAAAAAAAAzMzMAAAAAABQAAAAUAAAAGQAAABkAAAAAAAAABcAAAAUAAAAAAAAAAAAAAD/fwAA/38AAAAAAAAJAAAABAAAAPX///8eAAAAaAAAAAAAAAAAAAAAAAAAAAAAAAAAAAAAECcAABAnAAAAAAAAAAAAAAAAAAAAAAAAAAAAAAAAAAAAAAAAAAAAABQAAAAAAAAAwMD/AAAAAABkAAAAMgAAAAAAAABkAAAAAAAAAH9/fwAKAAAAIgAAABgAAAAAAAAAAAAAAAAAAAAAAAAAAAAAAAAAAAAkAAAAJAAAAAAAAAAHAAAAAAAAAAAAAAAAAAAAAAAAAAAAAAAAAAAAf39/ACUAAABYAAAAAAAAAAAAAAAAAAAAAAAAAAAAAAAAAAAAAAAAAAAAAAAAAAAAAAAAAAAAAAA/AAAAAAAAAKCGAQAAAAAAAAAAAAAAAAAMAAAAAQAAAAAAAAAAAAAAAAAAAB8AAABUAAAAAAAABQAAAAEAAAAAAAAAAAAAAAAAAAAAAAAAAAAAAAAAAAAAAAAAAAAAAAB/f38AAAAAA8zMzADAwP8Af39/AAAAAAAAAAAAAAAAAAAAAAAAAAAAIQAAABgAAAAUAAAAqgAAAI0EAAAqKQAAVhsAABAAAAAmAAAACAAAAAEPAAD/HwAA"/>
+              </a:ext>
+            </a:extLst>
+          </p:cNvSpPr>
+          <p:nvPr>
+            <p:ph type="sldImg" idx="2"/>
+          </p:nvPr>
+        </p:nvSpPr>
+        <p:spPr>
+          <a:xfrm>
+            <a:off x="107950" y="739775"/>
+            <a:ext cx="6583680" cy="3703955"/>
+          </a:xfrm>
+          <a:custGeom>
+            <a:avLst/>
+            <a:gdLst/>
+            <a:ahLst/>
+            <a:cxnLst/>
+            <a:rect l="0" t="0" r="6583680" b="3703955"/>
+            <a:pathLst>
+              <a:path w="6583680" h="3703955" fill="none" extrusionOk="0">
+                <a:moveTo>
+                  <a:pt x="0" y="0"/>
+                </a:moveTo>
+                <a:lnTo>
+                  <a:pt x="6583680" y="0"/>
+                </a:lnTo>
+                <a:lnTo>
+                  <a:pt x="6583680" y="3703955"/>
+                </a:lnTo>
+                <a:lnTo>
+                  <a:pt x="0" y="3703955"/>
+                </a:lnTo>
+                <a:close/>
+              </a:path>
+            </a:pathLst>
+          </a:custGeom>
+          <a:noFill/>
+          <a:ln w="12700" cap="flat" cmpd="sng" algn="ctr">
+            <a:solidFill>
+              <a:srgbClr val="000000"/>
+            </a:solidFill>
+            <a:prstDash val="solid"/>
+            <a:headEnd type="none"/>
+            <a:tailEnd type="none"/>
+          </a:ln>
+        </p:spPr>
+      </p:sp>
+    </p:spTree>
+  </p:cSld>
+  <p:clrMapOvr>
+    <a:masterClrMapping/>
+  </p:clrMapOvr>
+</p:notes>
+</file>
+
+<file path=ppt/notesSlides/notesSlide24.xml><?xml version="1.0" encoding="utf-8"?>
+<p:notes xmlns:a="http://schemas.openxmlformats.org/drawingml/2006/main" xmlns:r="http://schemas.openxmlformats.org/officeDocument/2006/relationships" xmlns:p="http://schemas.openxmlformats.org/presentationml/2006/main" showMasterSp="0">
+  <p:cSld>
+    <p:bg>
+      <p:bgPr>
+        <a:solidFill>
+          <a:schemeClr val="bg1"/>
+        </a:solidFill>
+        <a:effectLst/>
+      </p:bgPr>
+    </p:bg>
+    <p:spTree>
+      <p:nvGrpSpPr>
+        <p:cNvPr id="1" name=""/>
+        <p:cNvGrpSpPr/>
+        <p:nvPr/>
+      </p:nvGrpSpPr>
+      <p:grpSpPr>
+        <a:xfrm>
+          <a:off x="0" y="0"/>
+          <a:ext cx="0" cy="0"/>
+          <a:chOff x="0" y="0"/>
+          <a:chExt cx="0" cy="0"/>
+        </a:xfrm>
+      </p:grpSpPr>
+      <p:sp>
+        <p:nvSpPr>
+          <p:cNvPr id="2" name="Google Shape;35;p3:notes"/>
+          <p:cNvSpPr>
+            <a:spLocks noGrp="1" noChangeArrowheads="1"/>
+            <a:extLst>
+              <a:ext uri="smNativeData">
+                <pr:smNativeData xmlns:mc="http://schemas.openxmlformats.org/markup-compatibility/2006" xmlns:p14="http://schemas.microsoft.com/office/powerpoint/2010/main" xmlns:p15="http://schemas.microsoft.com/office/powerpoint/2012/main" xmlns:pr="smNativeData" xmlns="smNativeData" val="SMDATA_15_3RkyYhMAAAAlAAAAZAAAAA0AAAAAkAAAAEgAAACQAAAASAAAAAAAAAAAAAAAAAAAAAEAAABQAAAAAAAAAAAA4D8AAAAAAADgPwAAAAAAAOA/AAAAAAAA4D8AAAAAAADgPwAAAAAAAOA/AAAAAAAA4D8AAAAAAADgPwAAAAAAAOA/AAAAAAAA4D8CAAAAjAAAAAAAAAAAAAAARHLEDP///wgAAAAAAAAAAAAAAAAAAAAAAAAAAAAAAAAAAAAAZAAAAAEAAABAAAAAAAAAAAAAAAAAAAAAAAAAAAAAAAAAAAAAAAAAAAAAAAAAAAAAAAAAAAAAAAAAAAAAAAAAAAAAAAAAAAAAAAAAAAAAAAAAAAAAAAAAAAAAAAAAAAAAFAAAADwAAAAAAAAAAAAAAAAAAAkUAAAAAQAAABQAAAAUAAAAFAAAAAEAAAAAAAAAZAAAAGQAAAAAAAAAZAAAAGQAAAAVAAAAYAAAAAAAAAAAAAAADwAAACADAAAAAAAAAAAAAAEAAACgMgAAVgcAAKr4//8BAAAAf39/AAEAAABkAAAAAAAAABQAAABAHwAAAAAAACYAAAAAAAAAwOD//wAAAAAmAAAAZAAAABYAAABMAAAAAAAAAAAAAAAEAAAAAAAAAAEAAADn5uYKAAAAACgAAAAoAAAAZAAAAGQAAAAAAAAAzMzMAAAAAABQAAAAUAAAAGQAAABkAAAAAAAAABcAAAAUAAAAAAAAAAAAAAD/fwAA/38AAAAAAAAJAAAABAAAAPj///8eAAAAaAAAAAAAAAAAAAAAAAAAAAAAAAAAAAAAECcAABAnAAAAAAAAAAAAAAAAAAAAAAAAAAAAAAAAAAAAAAAAAAAAABQAAAAAAAAAwMD/AAAAAABkAAAAMgAAAAAAAABkAAAAAAAAAH9/fwAKAAAAIgAAABgAAAAAAAAAAAAAAAAAAAAAAAAAAAAAAAAAAAAkAAAAJAAAAAAAAAAHAAAAAAAAAAAAAAAAAAAAAAAAAAAAAAAAAAAAf39/ACUAAABYAAAAAAAAAAAAAAAAAAAAAAAAAAAAAAAAAAAAAAAAAAAAAAAAAAAAAAAAAAAAAAA/AAAAAAAAAKCGAQAAAAAAAAAAAAAAAAAMAAAAAQAAAAAAAAAAAAAAAAAAAB8AAABUAAAAAAAABQAAAAEAAAAAAAAAAAAAAAAAAAAAAAAAAAAAAAAAAAAAAAAAAAAAAAJ/f38AAAAAA8zMzADAwP8Af39/AAAAAAAAAAAAAAAAAAAAAAAAAAAAIQAAABgAAAAUAAAAMAQAANscAACkJQAAMDgAABAAAAAmAAAACAAAAL0/AAD/HwAA"/>
+              </a:ext>
+            </a:extLst>
+          </p:cNvSpPr>
+          <p:nvPr>
+            <p:ph type="body" idx="1"/>
+          </p:nvPr>
+        </p:nvSpPr>
+        <p:spPr>
+          <a:xfrm>
+            <a:off x="680720" y="4690745"/>
+            <a:ext cx="5438140" cy="4443095"/>
+          </a:xfrm>
+          <a:prstGeom prst="rect">
+            <a:avLst/>
+          </a:prstGeom>
+          <a:noFill/>
+          <a:ln>
+            <a:noFill/>
+          </a:ln>
+        </p:spPr>
+        <p:txBody>
+          <a:bodyPr vert="horz" wrap="square" lIns="91440" tIns="45720" rIns="91440" bIns="45720" numCol="1" spcCol="215900" anchor="t">
+            <a:prstTxWarp prst="textNoShape">
+              <a:avLst/>
+            </a:prstTxWarp>
+          </a:bodyPr>
+          <a:lstStyle/>
+          <a:p>
+            <a:pPr marL="0" indent="0" algn="l">
+              <a:lnSpc>
+                <a:spcPct val="100000"/>
+              </a:lnSpc>
+              <a:spcBef>
+                <a:spcPts val="360"/>
+              </a:spcBef>
+              <a:spcAft>
+                <a:spcPts val="0"/>
+              </a:spcAft>
+              <a:buNone/>
+              <a:defRPr lang="en-us"/>
+            </a:pPr>
+            <a:endParaRPr/>
+          </a:p>
+        </p:txBody>
+      </p:sp>
+      <p:sp>
+        <p:nvSpPr>
+          <p:cNvPr id="3" name="Google Shape;36;p3:notes"/>
+          <p:cNvSpPr>
+            <a:spLocks noGrp="1" noRot="1" noChangeAspect="1" noChangeArrowheads="1"/>
+            <a:extLst>
+              <a:ext uri="smNativeData">
+                <pr:smNativeData xmlns:mc="http://schemas.openxmlformats.org/markup-compatibility/2006" xmlns:p14="http://schemas.microsoft.com/office/powerpoint/2010/main" xmlns:p15="http://schemas.microsoft.com/office/powerpoint/2012/main" xmlns:pr="smNativeData" xmlns="smNativeData" val="SMDATA_15_3RkyYhMAAAAlAAAACwAAAC0AAAAAqgAAAI0EAAAqKQAAVhsAAAAAAAAAAAAAAAAAAAEAAABQAAAAAAAAAAAA4D8AAAAAAADgPwAAAAAAAOA/AAAAAAAA4D8AAAAAAADgPwAAAAAAAOA/AAAAAAAA4D8AAAAAAADgPwAAAAAAAOA/AAAAAAAA4D8CAAAAjAAAAAAAAAAAAAAARHLEDP///wgAAAAAAAAAAAAAAAAAAAAAAAAAAAAAAAAAAAAAZAAAAAEAAABAAAAAAAAAAAAAAAAAAAAAAAAAAAAAAAAAAAAAAAAAAAAAAAAAAAAAAAAAAAAAAAAAAAAAAAAAAAAAAAAAAAAAAAAAAAAAAAAAAAAAAAAAAAAAAAAAAAAAFAAAADwAAAABAAAAAAAAAAAAAAAUAAAAAQAAACMAAAAjAAAAIwAAAB4AAAAAAAAASwAAAEsAAAAAAAAASwAAAEsAAAAVAAAAYAAAAAAAAAAAAAAADwAAACADAAAAAAAAAAAAAAEAAACgMgAAVgcAAKr4//8BAAAAf39/AAEAAABkAAAAAAAAABQAAABAHwAAAAAAACYAAAAAAAAAwOD//wAAAAAmAAAAZAAAABYAAABMAAAAAAAAAAAAAAAEAAAAAAAAAAEAAADn5uYKAAAAACgAAAAoAAAAZAAAAGQAAAAAAAAAzMzMAAAAAABQAAAAUAAAAGQAAABkAAAAAAAAABcAAAAUAAAAAAAAAAAAAAD/fwAA/38AAAAAAAAJAAAABAAAAPz///8eAAAAaAAAAAAAAAAAAAAAAAAAAAAAAAAAAAAAECcAABAnAAAAAAAAAAAAAAAAAAAAAAAAAAAAAAAAAAAAAAAAAAAAABQAAAAAAAAAwMD/AAAAAABkAAAAMgAAAAAAAABkAAAAAAAAAH9/fwAKAAAAIgAAABgAAAAAAAAAAAAAAAAAAAAAAAAAAAAAAAAAAAAkAAAAJAAAAAAAAAAHAAAAAAAAAAAAAAAAAAAAAAAAAAAAAAAAAAAAf39/ACUAAABYAAAAAAAAAAAAAAAAAAAAAAAAAAAAAAAAAAAAAAAAAAAAAAAAAAAAAAAAAAAAAAA/AAAAAAAAAKCGAQAAAAAAAAAAAAAAAAAMAAAAAQAAAAAAAAAAAAAAAAAAAB8AAABUAAAAAAAABQAAAAEAAAAAAAAAAAAAAAAAAAAAAAAAAAAAAAAAAAAAAAAAAAAAAAB/f38AAAAAA8zMzADAwP8Af39/AAAAAAAAAAAAAAAAAAAAAAAAAAAAIQAAABgAAAAUAAAAqgAAAI0EAAAqKQAAVhsAABAAAAAmAAAACAAAAAEPAAD/HwAA"/>
+              </a:ext>
+            </a:extLst>
+          </p:cNvSpPr>
+          <p:nvPr>
+            <p:ph type="sldImg" idx="2"/>
+          </p:nvPr>
+        </p:nvSpPr>
+        <p:spPr>
+          <a:xfrm>
+            <a:off x="107950" y="739775"/>
+            <a:ext cx="6583680" cy="3703955"/>
+          </a:xfrm>
+          <a:custGeom>
+            <a:avLst/>
+            <a:gdLst/>
+            <a:ahLst/>
+            <a:cxnLst/>
+            <a:rect l="0" t="0" r="6583680" b="3703955"/>
+            <a:pathLst>
+              <a:path w="6583680" h="3703955" fill="none" extrusionOk="0">
+                <a:moveTo>
+                  <a:pt x="0" y="0"/>
+                </a:moveTo>
+                <a:lnTo>
+                  <a:pt x="6583680" y="0"/>
+                </a:lnTo>
+                <a:lnTo>
+                  <a:pt x="6583680" y="3703955"/>
+                </a:lnTo>
+                <a:lnTo>
+                  <a:pt x="0" y="3703955"/>
+                </a:lnTo>
+                <a:close/>
+              </a:path>
+            </a:pathLst>
+          </a:custGeom>
+          <a:noFill/>
+          <a:ln w="12700" cap="flat" cmpd="sng" algn="ctr">
+            <a:solidFill>
+              <a:srgbClr val="000000"/>
+            </a:solidFill>
+            <a:prstDash val="solid"/>
+            <a:headEnd type="none"/>
+            <a:tailEnd type="none"/>
+          </a:ln>
+        </p:spPr>
+      </p:sp>
+    </p:spTree>
+  </p:cSld>
+  <p:clrMapOvr>
+    <a:masterClrMapping/>
+  </p:clrMapOvr>
+</p:notes>
+</file>
+
+<file path=ppt/notesSlides/notesSlide25.xml><?xml version="1.0" encoding="utf-8"?>
+<p:notes xmlns:a="http://schemas.openxmlformats.org/drawingml/2006/main" xmlns:r="http://schemas.openxmlformats.org/officeDocument/2006/relationships" xmlns:p="http://schemas.openxmlformats.org/presentationml/2006/main" showMasterSp="0">
+  <p:cSld>
+    <p:bg>
+      <p:bgPr>
+        <a:solidFill>
+          <a:schemeClr val="bg1"/>
+        </a:solidFill>
+        <a:effectLst/>
+      </p:bgPr>
+    </p:bg>
+    <p:spTree>
+      <p:nvGrpSpPr>
+        <p:cNvPr id="1" name=""/>
+        <p:cNvGrpSpPr/>
+        <p:nvPr/>
+      </p:nvGrpSpPr>
+      <p:grpSpPr>
+        <a:xfrm>
+          <a:off x="0" y="0"/>
+          <a:ext cx="0" cy="0"/>
+          <a:chOff x="0" y="0"/>
+          <a:chExt cx="0" cy="0"/>
+        </a:xfrm>
+      </p:grpSpPr>
+      <p:sp>
+        <p:nvSpPr>
+          <p:cNvPr id="2" name="Google Shape;35;p3:notes"/>
+          <p:cNvSpPr>
+            <a:spLocks noGrp="1" noChangeArrowheads="1"/>
+            <a:extLst>
+              <a:ext uri="smNativeData">
+                <pr:smNativeData xmlns:mc="http://schemas.openxmlformats.org/markup-compatibility/2006" xmlns:p14="http://schemas.microsoft.com/office/powerpoint/2010/main" xmlns:p15="http://schemas.microsoft.com/office/powerpoint/2012/main" xmlns:pr="smNativeData" xmlns="smNativeData" val="SMDATA_15_3RkyYhMAAAAlAAAAZAAAAA0AAAAAkAAAAEgAAACQAAAASAAAAAAAAAAAAAAAAAAAAAEAAABQAAAAAAAAAAAA4D8AAAAAAADgPwAAAAAAAOA/AAAAAAAA4D8AAAAAAADgPwAAAAAAAOA/AAAAAAAA4D8AAAAAAADgPwAAAAAAAOA/AAAAAAAA4D8CAAAAjAAAAAAAAAAAAAAARHLEDP///wgAAAAAAAAAAAAAAAAAAAAAAAAAAAAAAAAAAAAAZAAAAAEAAABAAAAAAAAAAAAAAAAAAAAAAAAAAAAAAAAAAAAAAAAAAAAAAAAAAAAAAAAAAAAAAAAAAAAAAAAAAAAAAAAAAAAAAAAAAAAAAAAAAAAAAAAAAAAAAAAAAAAAFAAAADwAAAAAAAAAAAAAAAAAAAkUAAAAAQAAABQAAAAUAAAAFAAAAAEAAAAAAAAAZAAAAGQAAAAAAAAAZAAAAGQAAAAVAAAAYAAAAAAAAAAAAAAADwAAACADAAAAAAAAAAAAAAEAAACgMgAAVgcAAKr4//8BAAAAf39/AAEAAABkAAAAAAAAABQAAABAHwAAAAAAACYAAAAAAAAAwOD//wAAAAAmAAAAZAAAABYAAABMAAAAAAAAAAAAAAAEAAAAAAAAAAEAAADn5uYKAAAAACgAAAAoAAAAZAAAAGQAAAAAAAAAzMzMAAAAAABQAAAAUAAAAGQAAABkAAAAAAAAABcAAAAUAAAAAAAAAAAAAAD/fwAA/38AAAAAAAAJAAAABAAAAO7///8eAAAAaAAAAAAAAAAAAAAAAAAAAAAAAAAAAAAAECcAABAnAAAAAAAAAAAAAAAAAAAAAAAAAAAAAAAAAAAAAAAAAAAAABQAAAAAAAAAwMD/AAAAAABkAAAAMgAAAAAAAABkAAAAAAAAAH9/fwAKAAAAIgAAABgAAAAAAAAAAAAAAAAAAAAAAAAAAAAAAAAAAAAkAAAAJAAAAAAAAAAHAAAAAAAAAAAAAAAAAAAAAAAAAAAAAAAAAAAAf39/ACUAAABYAAAAAAAAAAAAAAAAAAAAAAAAAAAAAAAAAAAAAAAAAAAAAAAAAAAAAAAAAAAAAAA/AAAAAAAAAKCGAQAAAAAAAAAAAAAAAAAMAAAAAQAAAAAAAAAAAAAAAAAAAB8AAABUAAAAAAAABQAAAAEAAAAAAAAAAAAAAAAAAAAAAAAAAAAAAAAAAAAAAAAAAAAAAAJ/f38AAAAAA8zMzADAwP8Af39/AAAAAAAAAAAAAAAAAAAAAAAAAAAAIQAAABgAAAAUAAAAMAQAANscAACkJQAAMDgAABAAAAAmAAAACAAAAL0/AAD/HwAA"/>
+              </a:ext>
+            </a:extLst>
+          </p:cNvSpPr>
+          <p:nvPr>
+            <p:ph type="body" idx="1"/>
+          </p:nvPr>
+        </p:nvSpPr>
+        <p:spPr>
+          <a:xfrm>
+            <a:off x="680720" y="4690745"/>
+            <a:ext cx="5438140" cy="4443095"/>
+          </a:xfrm>
+          <a:prstGeom prst="rect">
+            <a:avLst/>
+          </a:prstGeom>
+          <a:noFill/>
+          <a:ln>
+            <a:noFill/>
+          </a:ln>
+        </p:spPr>
+        <p:txBody>
+          <a:bodyPr vert="horz" wrap="square" lIns="91440" tIns="45720" rIns="91440" bIns="45720" numCol="1" spcCol="215900" anchor="t">
+            <a:prstTxWarp prst="textNoShape">
+              <a:avLst/>
+            </a:prstTxWarp>
+          </a:bodyPr>
+          <a:lstStyle/>
+          <a:p>
+            <a:pPr marL="0" indent="0" algn="l">
+              <a:lnSpc>
+                <a:spcPct val="100000"/>
+              </a:lnSpc>
+              <a:spcBef>
+                <a:spcPts val="360"/>
+              </a:spcBef>
+              <a:spcAft>
+                <a:spcPts val="0"/>
+              </a:spcAft>
+              <a:buNone/>
+              <a:defRPr lang="en-us"/>
+            </a:pPr>
+            <a:endParaRPr/>
+          </a:p>
+        </p:txBody>
+      </p:sp>
+      <p:sp>
+        <p:nvSpPr>
+          <p:cNvPr id="3" name="Google Shape;36;p3:notes"/>
+          <p:cNvSpPr>
+            <a:spLocks noGrp="1" noRot="1" noChangeAspect="1" noChangeArrowheads="1"/>
+            <a:extLst>
+              <a:ext uri="smNativeData">
+                <pr:smNativeData xmlns:mc="http://schemas.openxmlformats.org/markup-compatibility/2006" xmlns:p14="http://schemas.microsoft.com/office/powerpoint/2010/main" xmlns:p15="http://schemas.microsoft.com/office/powerpoint/2012/main" xmlns:pr="smNativeData" xmlns="smNativeData" val="SMDATA_15_3RkyYhMAAAAlAAAACwAAAC0AAAAAqgAAAI0EAAAqKQAAVhsAAAAAAAAAAAAAAAAAAAEAAABQAAAAAAAAAAAA4D8AAAAAAADgPwAAAAAAAOA/AAAAAAAA4D8AAAAAAADgPwAAAAAAAOA/AAAAAAAA4D8AAAAAAADgPwAAAAAAAOA/AAAAAAAA4D8CAAAAjAAAAAAAAAAAAAAARHLEDP///wgAAAAAAAAAAAAAAAAAAAAAAAAAAAAAAAAAAAAAZAAAAAEAAABAAAAAAAAAAAAAAAAAAAAAAAAAAAAAAAAAAAAAAAAAAAAAAAAAAAAAAAAAAAAAAAAAAAAAAAAAAAAAAAAAAAAAAAAAAAAAAAAAAAAAAAAAAAAAAAAAAAAAFAAAADwAAAABAAAAAAAAAAAAAAAUAAAAAQAAACMAAAAjAAAAIwAAAB4AAAAAAAAASwAAAEsAAAAAAAAASwAAAEsAAAAVAAAAYAAAAAAAAAAAAAAADwAAACADAAAAAAAAAAAAAAEAAACgMgAAVgcAAKr4//8BAAAAf39/AAEAAABkAAAAAAAAABQAAABAHwAAAAAAACYAAAAAAAAAwOD//wAAAAAmAAAAZAAAABYAAABMAAAAAAAAAAAAAAAEAAAAAAAAAAEAAADn5uYKAAAAACgAAAAoAAAAZAAAAGQAAAAAAAAAzMzMAAAAAABQAAAAUAAAAGQAAABkAAAAAAAAABcAAAAUAAAAAAAAAAAAAAD/fwAA/38AAAAAAAAJAAAABAAAAAUAAAAeAAAAaAAAAAAAAAAAAAAAAAAAAAAAAAAAAAAAECcAABAnAAAAAAAAAAAAAAAAAAAAAAAAAAAAAAAAAAAAAAAAAAAAABQAAAAAAAAAwMD/AAAAAABkAAAAMgAAAAAAAABkAAAAAAAAAH9/fwAKAAAAIgAAABgAAAAAAAAAAAAAAAAAAAAAAAAAAAAAAAAAAAAkAAAAJAAAAAAAAAAHAAAAAAAAAAAAAAAAAAAAAAAAAAAAAAAAAAAAf39/ACUAAABYAAAAAAAAAAAAAAAAAAAAAAAAAAAAAAAAAAAAAAAAAAAAAAAAAAAAAAAAAAAAAAA/AAAAAAAAAKCGAQAAAAAAAAAAAAAAAAAMAAAAAQAAAAAAAAAAAAAAAAAAAB8AAABUAAAAAAAABQAAAAEAAAAAAAAAAAAAAAAAAAAAAAAAAAAAAAAAAAAAAAAAAAAAAAB/f38AAAAAA8zMzADAwP8Af39/AAAAAAAAAAAAAAAAAAAAAAAAAAAAIQAAABgAAAAUAAAAqgAAAI0EAAAqKQAAVhsAABAAAAAmAAAACAAAAAEPAAD/HwAA"/>
+              </a:ext>
+            </a:extLst>
+          </p:cNvSpPr>
+          <p:nvPr>
+            <p:ph type="sldImg" idx="2"/>
+          </p:nvPr>
+        </p:nvSpPr>
+        <p:spPr>
+          <a:xfrm>
+            <a:off x="107950" y="739775"/>
+            <a:ext cx="6583680" cy="3703955"/>
+          </a:xfrm>
+          <a:custGeom>
+            <a:avLst/>
+            <a:gdLst/>
+            <a:ahLst/>
+            <a:cxnLst/>
+            <a:rect l="0" t="0" r="6583680" b="3703955"/>
+            <a:pathLst>
+              <a:path w="6583680" h="3703955" fill="none" extrusionOk="0">
+                <a:moveTo>
+                  <a:pt x="0" y="0"/>
+                </a:moveTo>
+                <a:lnTo>
+                  <a:pt x="6583680" y="0"/>
+                </a:lnTo>
+                <a:lnTo>
+                  <a:pt x="6583680" y="3703955"/>
+                </a:lnTo>
+                <a:lnTo>
+                  <a:pt x="0" y="3703955"/>
+                </a:lnTo>
+                <a:close/>
+              </a:path>
+            </a:pathLst>
+          </a:custGeom>
+          <a:noFill/>
+          <a:ln w="12700" cap="flat" cmpd="sng" algn="ctr">
+            <a:solidFill>
+              <a:srgbClr val="000000"/>
+            </a:solidFill>
+            <a:prstDash val="solid"/>
+            <a:headEnd type="none"/>
+            <a:tailEnd type="none"/>
+          </a:ln>
+        </p:spPr>
+      </p:sp>
+    </p:spTree>
+  </p:cSld>
+  <p:clrMapOvr>
+    <a:masterClrMapping/>
+  </p:clrMapOvr>
+</p:notes>
+</file>
+
+<file path=ppt/notesSlides/notesSlide26.xml><?xml version="1.0" encoding="utf-8"?>
 <p:notes xmlns:a="http://schemas.openxmlformats.org/drawingml/2006/main" xmlns:r="http://schemas.openxmlformats.org/officeDocument/2006/relationships" xmlns:p="http://schemas.openxmlformats.org/presentationml/2006/main" showMasterSp="0">
   <p:cSld>
     <p:bg>
@@ -4945,7 +5386,7 @@
               <a:defRPr lang="en-us"/>
             </a:pPr>
             <a:fld id="{3DD4EC48-06D0-811A-9E6C-F04FA22268A5}" type="datetime1">
-              <a:t>3/18/2022</a:t>
+              <a:t>3/24/2022</a:t>
             </a:fld>
             <a:endParaRPr/>
           </a:p>
@@ -5152,7 +5593,7 @@
               <a:defRPr lang="en-us"/>
             </a:pPr>
             <a:fld id="{3DD4A081-CFD0-8156-9E6C-3903EE22686C}" type="datetime1">
-              <a:t>3/18/2022</a:t>
+              <a:t>3/24/2022</a:t>
             </a:fld>
             <a:endParaRPr/>
           </a:p>
@@ -5373,7 +5814,7 @@
               <a:defRPr lang="en-us"/>
             </a:pPr>
             <a:fld id="{3DD4D66C-22D0-8120-9E6C-D47598226881}" type="datetime1">
-              <a:t>3/18/2022</a:t>
+              <a:t>3/24/2022</a:t>
             </a:fld>
             <a:endParaRPr/>
           </a:p>
@@ -5576,7 +6017,7 @@
               <a:defRPr lang="en-us"/>
             </a:pPr>
             <a:fld id="{3DD4ED40-0ED0-811B-9E6C-F84EA32268AD}" type="datetime1">
-              <a:t>3/18/2022</a:t>
+              <a:t>3/24/2022</a:t>
             </a:fld>
             <a:endParaRPr/>
           </a:p>
@@ -5862,7 +6303,7 @@
               <a:defRPr lang="en-us"/>
             </a:pPr>
             <a:fld id="{3DD4E49D-D3D0-8112-9E6C-2547AA226870}" type="datetime1">
-              <a:t>3/18/2022</a:t>
+              <a:t>3/24/2022</a:t>
             </a:fld>
             <a:endParaRPr/>
           </a:p>
@@ -6136,7 +6577,7 @@
               <a:defRPr lang="en-us"/>
             </a:pPr>
             <a:fld id="{3DD4FB14-5AD0-810D-9E6C-AC58B52268F9}" type="datetime1">
-              <a:t>3/18/2022</a:t>
+              <a:t>3/24/2022</a:t>
             </a:fld>
             <a:endParaRPr/>
           </a:p>
@@ -6565,7 +7006,7 @@
               <a:defRPr lang="en-us"/>
             </a:pPr>
             <a:fld id="{3DD4E841-0FD0-811E-9E6C-F94BA62268AC}" type="datetime1">
-              <a:t>3/18/2022</a:t>
+              <a:t>3/24/2022</a:t>
             </a:fld>
             <a:endParaRPr/>
           </a:p>
@@ -6707,7 +7148,7 @@
               <a:defRPr lang="en-us"/>
             </a:pPr>
             <a:fld id="{3DD4B5F9-B7D0-8143-9E6C-4116FB226814}" type="datetime1">
-              <a:t>3/18/2022</a:t>
+              <a:t>3/24/2022</a:t>
             </a:fld>
             <a:endParaRPr/>
           </a:p>
@@ -6820,7 +7261,7 @@
               <a:defRPr lang="en-us"/>
             </a:pPr>
             <a:fld id="{3DD4CBF9-B7D0-813D-9E6C-416885226814}" type="datetime1">
-              <a:t>3/18/2022</a:t>
+              <a:t>3/24/2022</a:t>
             </a:fld>
             <a:endParaRPr/>
           </a:p>
@@ -7164,7 +7605,7 @@
               <a:defRPr lang="en-us"/>
             </a:pPr>
             <a:fld id="{3DD4C6A5-EBD0-8130-9E6C-1D6588226848}" type="datetime1">
-              <a:t>3/18/2022</a:t>
+              <a:t>3/24/2022</a:t>
             </a:fld>
             <a:endParaRPr/>
           </a:p>
@@ -7485,7 +7926,7 @@
               <a:defRPr lang="en-us"/>
             </a:pPr>
             <a:fld id="{3DD4C82B-65D0-813E-9E6C-936B862268C6}" type="datetime1">
-              <a:t>3/18/2022</a:t>
+              <a:t>3/24/2022</a:t>
             </a:fld>
             <a:endParaRPr/>
           </a:p>
@@ -7764,7 +8205,7 @@
               <a:defRPr lang="en-us"/>
             </a:pPr>
             <a:fld id="{3DD4D126-68D0-8127-9E6C-9E729F2268CB}" type="datetime1">
-              <a:t>3/18/2022</a:t>
+              <a:t>3/24/2022</a:t>
             </a:fld>
             <a:endParaRPr/>
           </a:p>
@@ -8615,7 +9056,7 @@
               <a:defRPr lang="en-us"/>
             </a:pPr>
             <a:r>
-              <a:rPr lang="en-us" sz="2000" cap="none">
+              <a:rPr lang="en-us" sz="2000" cap="none" dirty="0">
                 <a:solidFill>
                   <a:srgbClr val="0033CC"/>
                 </a:solidFill>
@@ -8631,7 +9072,7 @@
               <a:defRPr lang="en-us"/>
             </a:pPr>
             <a:r>
-              <a:rPr lang="en-us" sz="2000" cap="none">
+              <a:rPr lang="en-us" sz="2000" cap="none" dirty="0">
                 <a:solidFill>
                   <a:srgbClr val="0033CC"/>
                 </a:solidFill>
@@ -8639,7 +9080,29 @@
                 <a:ea typeface="Trebuchet MS" pitchFamily="2" charset="0"/>
                 <a:cs typeface="Trebuchet MS" pitchFamily="2" charset="0"/>
               </a:rPr>
-              <a:t>Project ID         : PW22_PP_03   </a:t>
+              <a:t>Project ID         : PW22_</a:t>
+            </a:r>
+            <a:r>
+              <a:rPr lang="en-us" sz="2000" dirty="0">
+                <a:solidFill>
+                  <a:srgbClr val="0033CC"/>
+                </a:solidFill>
+                <a:latin typeface="Trebuchet MS" pitchFamily="2" charset="0"/>
+                <a:ea typeface="Trebuchet MS" pitchFamily="2" charset="0"/>
+                <a:cs typeface="Trebuchet MS" pitchFamily="2" charset="0"/>
+              </a:rPr>
+              <a:t>SS</a:t>
+            </a:r>
+            <a:r>
+              <a:rPr lang="en-us" sz="2000" cap="none" dirty="0">
+                <a:solidFill>
+                  <a:srgbClr val="0033CC"/>
+                </a:solidFill>
+                <a:latin typeface="Trebuchet MS" pitchFamily="2" charset="0"/>
+                <a:ea typeface="Trebuchet MS" pitchFamily="2" charset="0"/>
+                <a:cs typeface="Trebuchet MS" pitchFamily="2" charset="0"/>
+              </a:rPr>
+              <a:t>_01   </a:t>
             </a:r>
           </a:p>
           <a:p>
@@ -8647,7 +9110,7 @@
               <a:defRPr lang="en-us"/>
             </a:pPr>
             <a:r>
-              <a:rPr lang="en-us" sz="2000" cap="none">
+              <a:rPr lang="en-us" sz="2000" cap="none" dirty="0">
                 <a:solidFill>
                   <a:srgbClr val="0033CC"/>
                 </a:solidFill>
@@ -8663,7 +9126,7 @@
               <a:defRPr lang="en-us"/>
             </a:pPr>
             <a:r>
-              <a:rPr lang="en-us" sz="2000" cap="none">
+              <a:rPr lang="en-us" sz="2000" cap="none" dirty="0">
                 <a:solidFill>
                   <a:srgbClr val="0033CC"/>
                 </a:solidFill>
@@ -8674,7 +9137,7 @@
               <a:t>Project Team 	: </a:t>
             </a:r>
             <a:r>
-              <a:rPr lang="en-us" sz="2400" cap="none">
+              <a:rPr lang="en-us" sz="2400" cap="none" dirty="0">
                 <a:solidFill>
                   <a:srgbClr val="0033CC"/>
                 </a:solidFill>
@@ -8693,7 +9156,7 @@
               <a:defRPr lang="en-us"/>
             </a:pPr>
             <a:r>
-              <a:rPr lang="en-us" sz="2000" cap="none">
+              <a:rPr lang="en-us" sz="2000" cap="none" dirty="0">
                 <a:solidFill>
                   <a:srgbClr val="0033CC"/>
                 </a:solidFill>
@@ -8701,7 +9164,7 @@
               <a:t>		        </a:t>
             </a:r>
             <a:r>
-              <a:rPr lang="en-us" sz="2400" cap="none">
+              <a:rPr lang="en-us" sz="2400" cap="none" dirty="0">
                 <a:solidFill>
                   <a:srgbClr val="0033CC"/>
                 </a:solidFill>
@@ -8720,12 +9183,28 @@
               <a:defRPr lang="en-us"/>
             </a:pPr>
             <a:r>
-              <a:rPr lang="en-us" sz="2400" cap="none">
+              <a:rPr lang="en-us" sz="2400" cap="none" dirty="0">
                 <a:solidFill>
                   <a:srgbClr val="0033CC"/>
                 </a:solidFill>
               </a:rPr>
-              <a:t> 		         Srujan. A. S(PES1UG19CS509)</a:t>
+              <a:t> 		         </a:t>
+            </a:r>
+            <a:r>
+              <a:rPr lang="en-us" sz="2400" cap="none" dirty="0" err="1">
+                <a:solidFill>
+                  <a:srgbClr val="0033CC"/>
+                </a:solidFill>
+              </a:rPr>
+              <a:t>Srujan</a:t>
+            </a:r>
+            <a:r>
+              <a:rPr lang="en-us" sz="2400" cap="none" dirty="0">
+                <a:solidFill>
+                  <a:srgbClr val="0033CC"/>
+                </a:solidFill>
+              </a:rPr>
+              <a:t>. A. S(PES1UG19CS509)</a:t>
             </a:r>
           </a:p>
           <a:p>
@@ -8733,7 +9212,7 @@
               <a:defRPr lang="en-us"/>
             </a:pPr>
             <a:r>
-              <a:rPr lang="en-us" sz="2400" cap="none">
+              <a:rPr lang="en-us" sz="2400" cap="none" dirty="0">
                 <a:solidFill>
                   <a:srgbClr val="0033CC"/>
                 </a:solidFill>
@@ -8745,7 +9224,7 @@
             <a:pPr>
               <a:defRPr lang="en-us"/>
             </a:pPr>
-            <a:endParaRPr lang="en-us" sz="2000" cap="none">
+            <a:endParaRPr lang="en-us" sz="2000" cap="none" dirty="0">
               <a:solidFill>
                 <a:srgbClr val="0033CC"/>
               </a:solidFill>
@@ -8758,7 +9237,7 @@
             <a:pPr>
               <a:defRPr lang="en-us"/>
             </a:pPr>
-            <a:endParaRPr lang="en-us" sz="2000" cap="none">
+            <a:endParaRPr lang="en-us" sz="2000" cap="none" dirty="0">
               <a:solidFill>
                 <a:srgbClr val="0033CC"/>
               </a:solidFill>
@@ -8836,7 +9315,7 @@
               <a:defRPr lang="en-us"/>
             </a:pPr>
             <a:r>
-              <a:rPr lang="en-us" sz="2800" cap="none">
+              <a:rPr lang="en-us" sz="2800" cap="none" dirty="0">
                 <a:latin typeface="Trebuchet MS" pitchFamily="2" charset="0"/>
                 <a:ea typeface="Calibri" pitchFamily="2" charset="0"/>
                 <a:cs typeface="Calibri" pitchFamily="2" charset="0"/>
@@ -8849,7 +9328,7 @@
               <a:defRPr lang="en-us"/>
             </a:pPr>
             <a:r>
-              <a:rPr lang="en-us" sz="2800" cap="none">
+              <a:rPr lang="en-us" sz="2800" cap="none" dirty="0">
                 <a:latin typeface="Trebuchet MS" pitchFamily="2" charset="0"/>
                 <a:ea typeface="Calibri" pitchFamily="2" charset="0"/>
                 <a:cs typeface="Calibri" pitchFamily="2" charset="0"/>
@@ -8862,7 +9341,7 @@
               <a:defRPr lang="en-us"/>
             </a:pPr>
             <a:r>
-              <a:rPr lang="en-us" sz="2800" cap="none">
+              <a:rPr lang="en-us" sz="2800" cap="none" dirty="0">
                 <a:solidFill>
                   <a:srgbClr val="FF0000"/>
                 </a:solidFill>
@@ -8878,7 +9357,7 @@
               <a:defRPr lang="en-us"/>
             </a:pPr>
             <a:r>
-              <a:rPr lang="en-us" sz="2800" cap="none">
+              <a:rPr lang="en-us" sz="2800" cap="none" dirty="0">
                 <a:solidFill>
                   <a:srgbClr val="FF0000"/>
                 </a:solidFill>
@@ -8888,7 +9367,7 @@
               </a:rPr>
               <a:t>(Project Requirements Specification and Literature Survey)</a:t>
             </a:r>
-            <a:endParaRPr lang="en-us" sz="2400" cap="none">
+            <a:endParaRPr lang="en-us" sz="2400" cap="none" dirty="0">
               <a:solidFill>
                 <a:srgbClr val="FF0000"/>
               </a:solidFill>
@@ -11336,7 +11815,7 @@
             </a:pPr>
             <a:fld id="{3DD4CBF9-B7D0-813D-9E6C-416885226814}" type="datetime1">
               <a:rPr lang="en-US" smtClean="0"/>
-              <a:t>3/18/2022</a:t>
+              <a:t>3/24/2022</a:t>
             </a:fld>
             <a:endParaRPr lang="en-US"/>
           </a:p>
@@ -11701,7 +12180,7 @@
             </a:pPr>
             <a:fld id="{3DD4CBF9-B7D0-813D-9E6C-416885226814}" type="datetime1">
               <a:rPr lang="en-US" smtClean="0"/>
-              <a:t>3/18/2022</a:t>
+              <a:t>3/24/2022</a:t>
             </a:fld>
             <a:endParaRPr lang="en-US"/>
           </a:p>
@@ -12423,7 +12902,7 @@
             </a:pPr>
             <a:fld id="{3DD4CBF9-B7D0-813D-9E6C-416885226814}" type="datetime1">
               <a:rPr lang="en-US" smtClean="0"/>
-              <a:t>3/18/2022</a:t>
+              <a:t>3/24/2022</a:t>
             </a:fld>
             <a:endParaRPr lang="en-US"/>
           </a:p>
@@ -12824,7 +13303,7 @@
             </a:pPr>
             <a:fld id="{3DD4CBF9-B7D0-813D-9E6C-416885226814}" type="datetime1">
               <a:rPr lang="en-US" smtClean="0"/>
-              <a:t>3/18/2022</a:t>
+              <a:t>3/24/2022</a:t>
             </a:fld>
             <a:endParaRPr lang="en-US"/>
           </a:p>
@@ -13254,8 +13733,8 @@
         </p:nvSpPr>
         <p:spPr>
           <a:xfrm>
-            <a:off x="3146323" y="802640"/>
-            <a:ext cx="7521677" cy="805815"/>
+            <a:off x="1363579" y="635554"/>
+            <a:ext cx="9464842" cy="805815"/>
           </a:xfrm>
           <a:prstGeom prst="rect">
             <a:avLst/>
@@ -13282,7 +13761,29 @@
                 <a:ea typeface="Calibri" pitchFamily="2" charset="0"/>
                 <a:cs typeface="Calibri" pitchFamily="2" charset="0"/>
               </a:rPr>
-              <a:t>Paper 4 - Literature Survey on</a:t>
+              <a:t>Paper 4 - Literature Survey on </a:t>
+            </a:r>
+            <a:r>
+              <a:rPr lang="en-US" sz="2400" dirty="0">
+                <a:solidFill>
+                  <a:srgbClr val="FF0000"/>
+                </a:solidFill>
+                <a:latin typeface="Trebuchet MS" panose="020B0603020202020204" pitchFamily="34" charset="0"/>
+              </a:rPr>
+              <a:t>Development of a Learning-aid tool using</a:t>
+            </a:r>
+            <a:r>
+              <a:rPr lang="en-US" sz="2400" dirty="0"/>
+              <a:t> </a:t>
+            </a:r>
+            <a:r>
+              <a:rPr lang="en-US" sz="2400" dirty="0">
+                <a:solidFill>
+                  <a:srgbClr val="FF0000"/>
+                </a:solidFill>
+                <a:latin typeface="Trebuchet MS" panose="020B0603020202020204" pitchFamily="34" charset="0"/>
+              </a:rPr>
+              <a:t>Hand Gesture Based Human Computer Interaction System</a:t>
             </a:r>
             <a:endParaRPr lang="en-us" sz="2400" cap="none" dirty="0">
               <a:solidFill>
@@ -13328,7 +13829,13 @@
       </p:pic>
       <p:sp>
         <p:nvSpPr>
-          <p:cNvPr id="5" name="Google Shape;62;p8"/>
+          <p:cNvPr id="6" name="Google Shape;62;p8">
+            <a:extLst>
+              <a:ext uri="{FF2B5EF4-FFF2-40B4-BE49-F238E27FC236}">
+                <a16:creationId xmlns:a16="http://schemas.microsoft.com/office/drawing/2014/main" id="{A9D93BDE-7F01-4442-B795-26B3EEDD4BA3}"/>
+              </a:ext>
+            </a:extLst>
+          </p:cNvPr>
           <p:cNvSpPr>
             <a:extLst>
               <a:ext uri="smNativeData">
@@ -13340,8 +13847,8 @@
         </p:nvSpPr>
         <p:spPr>
           <a:xfrm>
-            <a:off x="2123767" y="2070572"/>
-            <a:ext cx="8667054" cy="4958715"/>
+            <a:off x="0" y="1757761"/>
+            <a:ext cx="8358788" cy="4958715"/>
           </a:xfrm>
           <a:prstGeom prst="rect">
             <a:avLst/>
@@ -13372,10 +13879,9 @@
               </a:defRPr>
             </a:pPr>
             <a:r>
-              <a:rPr sz="2400" dirty="0"/>
-              <a:t>This paper mainly focuses on</a:t>
-            </a:r>
-            <a:endParaRPr dirty="0"/>
+              <a:rPr lang="en-US" sz="2200" dirty="0"/>
+              <a:t>This paper mainly focuses on interactive learning-aid tool based on a vision-based hand gesture recognition system.</a:t>
+            </a:r>
           </a:p>
           <a:p>
             <a:pPr marL="685800" indent="-342900" algn="just">
@@ -13393,10 +13899,103 @@
                 <a:cs typeface="Calibri" pitchFamily="2" charset="0"/>
               </a:defRPr>
             </a:pPr>
-            <a:endParaRPr dirty="0"/>
-          </a:p>
-        </p:txBody>
-      </p:sp>
+            <a:r>
+              <a:rPr lang="en-US" sz="2200" dirty="0"/>
+              <a:t>The system uses </a:t>
+            </a:r>
+            <a:r>
+              <a:rPr lang="en-US" sz="2200" dirty="0" err="1"/>
+              <a:t>MediaPipe</a:t>
+            </a:r>
+            <a:r>
+              <a:rPr lang="en-US" sz="2200" dirty="0"/>
+              <a:t> for hand gesture recognition. The recognized hand gestures use a virtual-mouse-based object controlling system to control various virtual objects created using Unity.</a:t>
+            </a:r>
+          </a:p>
+          <a:p>
+            <a:pPr marL="685800" indent="-342900" algn="just">
+              <a:spcBef>
+                <a:spcPts val="575"/>
+              </a:spcBef>
+              <a:buFont typeface="Wingdings" charset="2"/>
+              <a:buChar char="§"/>
+              <a:defRPr lang="en-us" sz="2000" cap="none">
+                <a:solidFill>
+                  <a:srgbClr val="0000FF"/>
+                </a:solidFill>
+                <a:latin typeface="Trebuchet MS" pitchFamily="2" charset="0"/>
+                <a:ea typeface="Calibri" pitchFamily="2" charset="0"/>
+                <a:cs typeface="Calibri" pitchFamily="2" charset="0"/>
+              </a:defRPr>
+            </a:pPr>
+            <a:r>
+              <a:rPr lang="en-US" sz="2200" dirty="0"/>
+              <a:t>Kinetic user interfaces (KUI) are a new type of user interface that lets users interact with computers by moving their bodies and things around. A touchless user interface (TUI) is a new type of technology for gesture control.</a:t>
+            </a:r>
+          </a:p>
+          <a:p>
+            <a:pPr marL="685800" indent="-342900" algn="just">
+              <a:spcBef>
+                <a:spcPts val="575"/>
+              </a:spcBef>
+              <a:buFont typeface="Wingdings" charset="2"/>
+              <a:buChar char="§"/>
+              <a:defRPr lang="en-us" sz="2000" cap="none">
+                <a:solidFill>
+                  <a:srgbClr val="0000FF"/>
+                </a:solidFill>
+                <a:latin typeface="Trebuchet MS" pitchFamily="2" charset="0"/>
+                <a:ea typeface="Calibri" pitchFamily="2" charset="0"/>
+                <a:cs typeface="Calibri" pitchFamily="2" charset="0"/>
+              </a:defRPr>
+            </a:pPr>
+            <a:r>
+              <a:rPr lang="en-US" sz="2200" dirty="0" err="1"/>
+              <a:t>MediaPipe’s</a:t>
+            </a:r>
+            <a:r>
+              <a:rPr lang="en-US" sz="2200" dirty="0"/>
+              <a:t> opensource framework and machine learning algorithm, presented a way for simplifying Sign Language recognition. The prediction model is simple to use and adaptable to different types of smart devices. </a:t>
+            </a:r>
+          </a:p>
+        </p:txBody>
+      </p:sp>
+      <p:pic>
+        <p:nvPicPr>
+          <p:cNvPr id="7" name="Picture 6" descr="Diagram&#10;&#10;Description automatically generated">
+            <a:extLst>
+              <a:ext uri="{FF2B5EF4-FFF2-40B4-BE49-F238E27FC236}">
+                <a16:creationId xmlns:a16="http://schemas.microsoft.com/office/drawing/2014/main" id="{FA79039C-3793-4299-9CBA-DD816DDF6724}"/>
+              </a:ext>
+            </a:extLst>
+          </p:cNvPr>
+          <p:cNvPicPr>
+            <a:picLocks noChangeAspect="1"/>
+          </p:cNvPicPr>
+          <p:nvPr/>
+        </p:nvPicPr>
+        <p:blipFill>
+          <a:blip r:embed="rId4">
+            <a:extLst>
+              <a:ext uri="{28A0092B-C50C-407E-A947-70E740481C1C}">
+                <a14:useLocalDpi xmlns:a14="http://schemas.microsoft.com/office/drawing/2010/main" val="0"/>
+              </a:ext>
+            </a:extLst>
+          </a:blip>
+          <a:stretch>
+            <a:fillRect/>
+          </a:stretch>
+        </p:blipFill>
+        <p:spPr>
+          <a:xfrm>
+            <a:off x="8358788" y="2357529"/>
+            <a:ext cx="3833211" cy="2944802"/>
+          </a:xfrm>
+          <a:prstGeom prst="rect">
+            <a:avLst/>
+          </a:prstGeom>
+        </p:spPr>
+      </p:pic>
     </p:spTree>
     <p:extLst>
       <p:ext uri="{BB962C8B-B14F-4D97-AF65-F5344CB8AC3E}">
@@ -13433,7 +14032,7 @@
           <p:cNvSpPr>
             <a:extLst>
               <a:ext uri="smNativeData">
-                <pr:smNativeData xmlns:mc="http://schemas.openxmlformats.org/markup-compatibility/2006" xmlns:p14="http://schemas.microsoft.com/office/powerpoint/2010/main" xmlns:p15="http://schemas.microsoft.com/office/powerpoint/2012/main" xmlns:pr="smNativeData" xmlns="smNativeData" val="SMDATA_15_3RkyYhMAAAAlAAAAZAAAAA0AAAAAkAAAAEgAAACQAAAASAAAAAAAAAABAAAAAAAAAAEAAABQAAAAAAAAAAAA4D8AAAAAAADgPwAAAAAAAOA/AAAAAAAA4D8AAAAAAADgPwAAAAAAAOA/AAAAAAAA4D8AAAAAAADgPwAAAAAAAOA/AAAAAAAA4D8CAAAAjAAAAAEAAAAAAAAAM8zMAP///wgAAAAAAAAAAAAAAAAAAAAAAAAAAAAAAAAAAAAAeAAAAAEAAABAAAAAAAAAAAAAAABaAAAAAAAAAAAAAAAAAAAAAAAAAAAAAAAAAAAAAAAAAAAAAAAAAAAAAAAAAAAAAAAAAAAAAAAAAAAAAAAAAAAAAAAAAAAAAAAAAAAAFAAAADwAAAAAAAAAAAAAAAAAAAkUAAAAAQAAABQAAAAUAAAAFAAAAAEAAAAAAAAAZAAAAGQAAAAAAAAAZAAAAGQAAAAVAAAAYAAAAAAAAAAAAAAADwAAACADAAAAAAAAAAAAAAEAAACgMgAAVgcAAKr4//8BAAAAf39/AAEAAABkAAAAAAAAABQAAABAHwAAAAAAACYAAAAAAAAAwOD//wAAAAAmAAAAZAAAABYAAABMAAAAAAAAAAAAAAAEAAAAAAAAAAEAAADn5uYKAAAAACgAAAAoAAAAZAAAAGQAAAAAAAAAzMzMAAAAAABQAAAAUAAAAGQAAABkAAAAAAAAABcAAAAUAAAAAAAAAAAAAAD/fwAA/38AAAAAAAAJAAAABAAAAAAAAAAeAAAAaAAAAAAAAAAAAAAAAAAAAAAAAAAAAAAAECcAABAnAAAAAAAAAAAAAAAAAAAAAAAAAAAAAAAAAAAAAAAAAAAAABQAAAAAAAAAwMD/AAAAAABkAAAAMgAAAAAAAABkAAAAAAAAAH9/fwAKAAAAIgAAABgAAAAAAAAAAAAAAAAAAAAAAAAAAAAAAAAAAAAkAAAAJAAAAAAAAAAHAAAAAAAAAAAAAAAAAAAAAAAAAAAAAAAAAAAAf39/ACUAAABYAAAAAAAAAAAAAAAAAAAAAAAAAAAAAAAAAAAAAAAAAAAAAAAAAAAAAAAAAAAAAAA/AAAAAAAAAKCGAQAAAAAAAAAAAAAAAAAMAAAAAQAAAAAAAAAAAAAAAAAAAB8AAABUAAAAM8zMAP///wEAAAAAAAAAAAAAAAAAAAAAAAAAAAAAAAAAAAAAAAAAAAAAAAJ/f38A5+bmA8zMzADAwP8Af39/AAAAAAAAAAAAAAAAAAAAAAAAAAAAIQAAABgAAAAUAAAAwBIAALoJAACgQQAA9AkAABAAAAAmAAAACAAAAP//////////"/>
+                <pr:smNativeData xmlns="smNativeData" xmlns:pr="smNativeData" xmlns:p15="http://schemas.microsoft.com/office/powerpoint/2012/main" xmlns:p14="http://schemas.microsoft.com/office/powerpoint/2010/main" xmlns:mc="http://schemas.openxmlformats.org/markup-compatibility/2006" val="SMDATA_15_3RkyYhMAAAAlAAAAZAAAAA0AAAAAkAAAAEgAAACQAAAASAAAAAAAAAABAAAAAAAAAAEAAABQAAAAAAAAAAAA4D8AAAAAAADgPwAAAAAAAOA/AAAAAAAA4D8AAAAAAADgPwAAAAAAAOA/AAAAAAAA4D8AAAAAAADgPwAAAAAAAOA/AAAAAAAA4D8CAAAAjAAAAAEAAAAAAAAAM8zMAP///wgAAAAAAAAAAAAAAAAAAAAAAAAAAAAAAAAAAAAAeAAAAAEAAABAAAAAAAAAAAAAAABaAAAAAAAAAAAAAAAAAAAAAAAAAAAAAAAAAAAAAAAAAAAAAAAAAAAAAAAAAAAAAAAAAAAAAAAAAAAAAAAAAAAAAAAAAAAAAAAAAAAAFAAAADwAAAAAAAAAAAAAAAAAAAkUAAAAAQAAABQAAAAUAAAAFAAAAAEAAAAAAAAAZAAAAGQAAAAAAAAAZAAAAGQAAAAVAAAAYAAAAAAAAAAAAAAADwAAACADAAAAAAAAAAAAAAEAAACgMgAAVgcAAKr4//8BAAAAf39/AAEAAABkAAAAAAAAABQAAABAHwAAAAAAACYAAAAAAAAAwOD//wAAAAAmAAAAZAAAABYAAABMAAAAAAAAAAAAAAAEAAAAAAAAAAEAAADn5uYKAAAAACgAAAAoAAAAZAAAAGQAAAAAAAAAzMzMAAAAAABQAAAAUAAAAGQAAABkAAAAAAAAABcAAAAUAAAAAAAAAAAAAAD/fwAA/38AAAAAAAAJAAAABAAAAAAAAAAeAAAAaAAAAAAAAAAAAAAAAAAAAAAAAAAAAAAAECcAABAnAAAAAAAAAAAAAAAAAAAAAAAAAAAAAAAAAAAAAAAAAAAAABQAAAAAAAAAwMD/AAAAAABkAAAAMgAAAAAAAABkAAAAAAAAAH9/fwAKAAAAIgAAABgAAAAAAAAAAAAAAAAAAAAAAAAAAAAAAAAAAAAkAAAAJAAAAAAAAAAHAAAAAAAAAAAAAAAAAAAAAAAAAAAAAAAAAAAAf39/ACUAAABYAAAAAAAAAAAAAAAAAAAAAAAAAAAAAAAAAAAAAAAAAAAAAAAAAAAAAAAAAAAAAAA/AAAAAAAAAKCGAQAAAAAAAAAAAAAAAAAMAAAAAQAAAAAAAAAAAAAAAAAAAB8AAABUAAAAM8zMAP///wEAAAAAAAAAAAAAAAAAAAAAAAAAAAAAAAAAAAAAAAAAAAAAAAJ/f38A5+bmA8zMzADAwP8Af39/AAAAAAAAAAAAAAAAAAAAAAAAAAAAIQAAABgAAAAUAAAAwBIAALoJAACgQQAA9AkAABAAAAAmAAAACAAAAP//////////"/>
               </a:ext>
             </a:extLst>
           </p:cNvSpPr>
@@ -13479,7 +14078,7 @@
           <p:cNvSpPr>
             <a:extLst>
               <a:ext uri="smNativeData">
-                <pr:smNativeData xmlns:mc="http://schemas.openxmlformats.org/markup-compatibility/2006" xmlns:p14="http://schemas.microsoft.com/office/powerpoint/2010/main" xmlns:p15="http://schemas.microsoft.com/office/powerpoint/2012/main" xmlns:pr="smNativeData" xmlns="smNativeData" val="SMDATA_15_3RkyYhMAAAAlAAAAZAAAAA0AAAAAkAAAAEgAAACQAAAASAAAAAAAAAAAAAAAAAAAAAEAAABQAAAAAAAAAAAA4D8AAAAAAADgPwAAAAAAAOA/AAAAAAAA4D8AAAAAAADgPwAAAAAAAOA/AAAAAAAA4D8AAAAAAADgPwAAAAAAAOA/AAAAAAAA4D8CAAAAjAAAAAAAAAAAAAAARHLEDP///wgAAAAAAAAAAAAAAAAAAAAAAAAAAAAAAAAAAAAAZAAAAAEAAABAAAAAAAAAAAAAAAAAAAAAAAAAAAAAAAAAAAAAAAAAAAAAAAAAAAAAAAAAAAAAAAAAAAAAAAAAAAAAAAAAAAAAAAAAAAAAAAAAAAAAAAAAAAAAAAAAAAAAFAAAADwAAAAAAAAAAAAAAAAAAAkUAAAAAQAAABQAAAAUAAAAFAAAAAEAAAAAAAAAZAAAAGQAAAAAAAAAZAAAAGQAAAAVAAAAYAAAAAAAAAAAAAAADwAAACADAAAAAAAAAAAAAAEAAACgMgAAVgcAAKr4//8BAAAAf39/AAEAAABkAAAAAAAAABQAAABAHwAAAAAAACYAAAAAAAAAwOD//wAAAAAmAAAAZAAAABYAAABMAAAAAAAAAAAAAAAEAAAAAAAAAAEAAADn5uYKAAAAACgAAAAoAAAAZAAAAGQAAAAAAAAAzMzMAAAAAABQAAAAUAAAAGQAAABkAAAAAAAAABcAAAAUAAAAAAAAAAAAAAD/fwAA/38AAAAAAAAJAAAABAAAAAAAAAAeAAAAaAAAAAAAAAAAAAAAAAAAAAAAAAAAAAAAECcAABAnAAAAAAAAAAAAAAAAAAAAAAAAAAAAAAAAAAAAAAAAAAAAABQAAAAAAAAAwMD/AAAAAABkAAAAMgAAAAAAAABkAAAAAAAAAH9/fwAKAAAAIgAAABgAAAAAAAAAAAAAAAAAAAAAAAAAAAAAAAAAAAAkAAAAJAAAAAAAAAAHAAAAAAAAAAAAAAAAAAAAAAAAAAAAAAAAAAAAf39/ACUAAABYAAAAAAAAAAAAAAAAAAAAAAAAAAAAAAAAAAAAAAAAAAAAAAAAAAAAAAAAAAAAAAA/AAAAAAAAAKCGAQAAAAAAAAAAAAAAAAAMAAAAAQAAAAAAAAAAAAAAAAAAAB8AAABUAAAARHLEBf///wEAAAAAAAAAAAAAAAAAAAAAAAAAAAAAAAAAAAAAAAAAAAAAAAJ/f38A5+bmA8zMzADAwP8Af39/AAAAAAAAAAAAAAAAAAAAAAAAAAAAIQAAABgAAAAUAAAA8hUAAAgHAACgQQAA3wkAABAAAAAmAAAACAAAAP//////////"/>
+                <pr:smNativeData xmlns="smNativeData" xmlns:pr="smNativeData" xmlns:p15="http://schemas.microsoft.com/office/powerpoint/2012/main" xmlns:p14="http://schemas.microsoft.com/office/powerpoint/2010/main" xmlns:mc="http://schemas.openxmlformats.org/markup-compatibility/2006" val="SMDATA_15_3RkyYhMAAAAlAAAAZAAAAA0AAAAAkAAAAEgAAACQAAAASAAAAAAAAAAAAAAAAAAAAAEAAABQAAAAAAAAAAAA4D8AAAAAAADgPwAAAAAAAOA/AAAAAAAA4D8AAAAAAADgPwAAAAAAAOA/AAAAAAAA4D8AAAAAAADgPwAAAAAAAOA/AAAAAAAA4D8CAAAAjAAAAAAAAAAAAAAARHLEDP///wgAAAAAAAAAAAAAAAAAAAAAAAAAAAAAAAAAAAAAZAAAAAEAAABAAAAAAAAAAAAAAAAAAAAAAAAAAAAAAAAAAAAAAAAAAAAAAAAAAAAAAAAAAAAAAAAAAAAAAAAAAAAAAAAAAAAAAAAAAAAAAAAAAAAAAAAAAAAAAAAAAAAAFAAAADwAAAAAAAAAAAAAAAAAAAkUAAAAAQAAABQAAAAUAAAAFAAAAAEAAAAAAAAAZAAAAGQAAAAAAAAAZAAAAGQAAAAVAAAAYAAAAAAAAAAAAAAADwAAACADAAAAAAAAAAAAAAEAAACgMgAAVgcAAKr4//8BAAAAf39/AAEAAABkAAAAAAAAABQAAABAHwAAAAAAACYAAAAAAAAAwOD//wAAAAAmAAAAZAAAABYAAABMAAAAAAAAAAAAAAAEAAAAAAAAAAEAAADn5uYKAAAAACgAAAAoAAAAZAAAAGQAAAAAAAAAzMzMAAAAAABQAAAAUAAAAGQAAABkAAAAAAAAABcAAAAUAAAAAAAAAAAAAAD/fwAA/38AAAAAAAAJAAAABAAAAF8AYAAeAAAAaAAAAAAAAAAAAAAAAAAAAAAAAAAAAAAAECcAABAnAAAAAAAAAAAAAAAAAAAAAAAAAAAAAAAAAAAAAAAAAAAAABQAAAAAAAAAwMD/AAAAAABkAAAAMgAAAAAAAABkAAAAAAAAAH9/fwAKAAAAIgAAABgAAAAAAAAAAAAAAAAAAAAAAAAAAAAAAAAAAAAkAAAAJAAAAAAAAAAHAAAAAAAAAAAAAAAAAAAAAAAAAAAAAAAAAAAAf39/ACUAAABYAAAAAAAAAAAAAAAAAAAAAAAAAAAAAAAAAAAAAAAAAAAAAAAAAAAAAAAAAAAAAAA/AAAAAAAAAKCGAQAAAAAAAAAAAAAAAAAMAAAAAQAAAAAAAAAAAAAAAAAAAB8AAABUAAAARHLEBf///wEAAAAAAAAAAAAAAAAAAAAAAAAAAAAAAAAAAAAAAAAAAAAAAAJ/f38A5+bmA8zMzADAwP8Af39/AAAAAAAAAAAAAAAAAAAAAAAAAAAAIQAAABgAAAAUAAAA8hUAAAgHAACgQQAA3wkAAAAAAAAmAAAACAAAAP//////////"/>
               </a:ext>
             </a:extLst>
           </p:cNvSpPr>
@@ -13487,8 +14086,8 @@
         </p:nvSpPr>
         <p:spPr>
           <a:xfrm>
-            <a:off x="3567430" y="1143000"/>
-            <a:ext cx="7100570" cy="461645"/>
+            <a:off x="1203158" y="1061832"/>
+            <a:ext cx="9464842" cy="449427"/>
           </a:xfrm>
           <a:prstGeom prst="rect">
             <a:avLst/>
@@ -13507,7 +14106,7 @@
               <a:defRPr lang="en-us"/>
             </a:pPr>
             <a:r>
-              <a:rPr lang="en-us" sz="2400" cap="none">
+              <a:rPr lang="en-us" sz="2400" cap="none" dirty="0">
                 <a:solidFill>
                   <a:srgbClr val="FF0000"/>
                 </a:solidFill>
@@ -13515,8 +14114,14 @@
                 <a:ea typeface="Calibri" pitchFamily="2" charset="0"/>
                 <a:cs typeface="Calibri" pitchFamily="2" charset="0"/>
               </a:rPr>
-              <a:t>Summary of Literature Survey</a:t>
-            </a:r>
+              <a:t>4 - Literature Survey</a:t>
+            </a:r>
+            <a:endParaRPr lang="en-us" sz="2400" cap="none" dirty="0">
+              <a:solidFill>
+                <a:srgbClr val="FF0000"/>
+              </a:solidFill>
+              <a:latin typeface="Trebuchet MS" panose="020B0603020202020204" pitchFamily="34" charset="0"/>
+            </a:endParaRPr>
           </a:p>
         </p:txBody>
       </p:sp>
@@ -13526,7 +14131,7 @@
           <p:cNvPicPr>
             <a:extLst>
               <a:ext uri="smNativeData">
-                <pr:smNativeData xmlns:mc="http://schemas.openxmlformats.org/markup-compatibility/2006" xmlns:p14="http://schemas.microsoft.com/office/powerpoint/2010/main" xmlns:p15="http://schemas.microsoft.com/office/powerpoint/2012/main" xmlns:pr="smNativeData" xmlns="smNativeData" val="SMDATA_17_3RkyYhMAAAAlAAAAEQAAAA0AAAAAkAAAAEgAAACQAAAASAAAAAAAAAAAAAAAAAAAAAEAAABQAAAAAAAAAAAA4D8AAAAAAADgPwAAAAAAAOA/AAAAAAAA4D8AAAAAAADgPwAAAAAAAOA/AAAAAAAA4D8AAAAAAADgPwAAAAAAAOA/AAAAAAAA4D8CAAAAjAAAAAAAAAAAAAAARHLEDP///wgAAAAAAAAAAAAAAAAAAAAAAAAAAAAAAAAAAAAAZAAAAAEAAABAAAAAAAAAAAAAAAAAAAAAAAAAAAAAAAAAAAAAAAAAAAAAAAAAAAAAAAAAAAAAAAAAAAAAAAAAAAAAAAAAAAAAAAAAAAAAAAAAAAAAAAAAAAAAAAAAAAAAFAAAADwAAAAAAAAAAAAAAAAAAAkUAAAAAQAAABQAAAAUAAAAFAAAAAEAAAAAAAAAZAAAAGQAAAAAAAAAZAAAAGQAAAAVAAAAYAAAAAAAAAAAAAAADwAAACADAAAAAAAAAAAAAAEAAACgMgAAVgcAAKr4//8BAAAAf39/AAEAAABkAAAAAAAAABQAAABAHwAAAAAAACYAAAAAAAAAwOD//wAAAAAmAAAAZAAAABYAAABMAAAAAAAAAAAAAAAEAAAAAAAAAAEAAADn5uYKAAAAACgAAAAoAAAAZAAAAGQAAAAAAAAAzMzMAAAAAABQAAAAUAAAAGQAAABkAAAAAAAAAAcAAAA4AAAAAAAAAAAAAAAAAAAA////AAAAAAAAAAAAAAAAAAAAAAAAAAAAAAAAAAAAAABkAAAAZAAAAAAAAAAjAAAABAAAAGQAAAAXAAAAFAAAAAAAAAAAAAAA/38AAP9/AAAAAAAACQAAAAQAAADKApQFHgAAAGgAAAAAAAAAAAAAAAAAAAAAAAAAAAAAABAnAAAQJwAAAAAAAAAAAAAAAAAAAAAAAAAAAAAAAAAAAAAAAAAAAAAUAAAAAAAAAMDA/wAAAAAAZAAAADIAAAAAAAAAZAAAAAAAAAB/f38ACgAAACIAAAAYAAAAAAAAAAAAAAAAAAAAAAAAAAAAAAAAAAAAJAAAACQAAAAAAAAABwAAAAAAAAAAAAAAAAAAAAAAAAAAAAAAAAAAAH9/fwAlAAAAWAAAAAAAAAAAAAAAAAAAAAAAAAAAAAAAAAAAAAAAAAAAAAAAAAAAAAAAAAAAAAAAPwAAAAAAAACghgEAAAAAAAAAAAAAAAAADAAAAAEAAAAAAAAAAAAAAAAAAAAfAAAAVAAAAERyxAX///8BAAAAAAAAAAAAAAAAAAAAAAAAAAAAAAAAAAAAAAAAAAAAAAACf39/AOfm5gPMzMwAwMD/AH9/fwAAAAAAAAAAAAAAAAD///8AAAAAACEAAAAYAAAAFAAAAGVFAACIAAAAXkgAAKkFAAAQAAAAJgAAAAgAAAD//////////w=="/>
+                <pr:smNativeData xmlns="smNativeData" xmlns:pr="smNativeData" xmlns:p15="http://schemas.microsoft.com/office/powerpoint/2012/main" xmlns:p14="http://schemas.microsoft.com/office/powerpoint/2010/main" xmlns:mc="http://schemas.openxmlformats.org/markup-compatibility/2006" val="SMDATA_17_3RkyYhMAAAAlAAAAEQAAAA0AAAAAkAAAAEgAAACQAAAASAAAAAAAAAAAAAAAAAAAAAEAAABQAAAAAAAAAAAA4D8AAAAAAADgPwAAAAAAAOA/AAAAAAAA4D8AAAAAAADgPwAAAAAAAOA/AAAAAAAA4D8AAAAAAADgPwAAAAAAAOA/AAAAAAAA4D8CAAAAjAAAAAAAAAAAAAAARHLEDP///wgAAAAAAAAAAAAAAAAAAAAAAAAAAAAAAAAAAAAAZAAAAAEAAABAAAAAAAAAAAAAAAAAAAAAAAAAAAAAAAAAAAAAAAAAAAAAAAAAAAAAAAAAAAAAAAAAAAAAAAAAAAAAAAAAAAAAAAAAAAAAAAAAAAAAAAAAAAAAAAAAAAAAFAAAADwAAAAAAAAAAAAAAAAAAAkUAAAAAQAAABQAAAAUAAAAFAAAAAEAAAAAAAAAZAAAAGQAAAAAAAAAZAAAAGQAAAAVAAAAYAAAAAAAAAAAAAAADwAAACADAAAAAAAAAAAAAAEAAACgMgAAVgcAAKr4//8BAAAAf39/AAEAAABkAAAAAAAAABQAAABAHwAAAAAAACYAAAAAAAAAwOD//wAAAAAmAAAAZAAAABYAAABMAAAAAAAAAAAAAAAEAAAAAAAAAAEAAADn5uYKAAAAACgAAAAoAAAAZAAAAGQAAAAAAAAAzMzMAAAAAABQAAAAUAAAAGQAAABkAAAAAAAAAAcAAAA4AAAAAAAAAAAAAAAAAAAA////AAAAAAAAAAAAAAAAAAAAAAAAAAAAAAAAAAAAAABkAAAAZAAAAAAAAAAjAAAABAAAAGQAAAAXAAAAFAAAAAAAAAAAAAAA/38AAP9/AAAAAAAACQAAAAQAAAAAAAAAHgAAAGgAAAAAAAAAAAAAAAAAAAAAAAAAAAAAABAnAAAQJwAAAAAAAAAAAAAAAAAAAAAAAAAAAAAAAAAAAAAAAAAAAAAUAAAAAAAAAMDA/wAAAAAAZAAAADIAAAAAAAAAZAAAAAAAAAB/f38ACgAAACIAAAAYAAAAAAAAAAAAAAAAAAAAAAAAAAAAAAAAAAAAJAAAACQAAAAAAAAABwAAAAAAAAAAAAAAAAAAAAAAAAAAAAAAAAAAAH9/fwAlAAAAWAAAAAAAAAAAAAAAAAAAAAAAAAAAAAAAAAAAAAAAAAAAAAAAAAAAAAAAAAAAAAAAPwAAAAAAAACghgEAAAAAAAAAAAAAAAAADAAAAAEAAAAAAAAAAAAAAAAAAAAfAAAAVAAAAERyxAX///8BAAAAAAAAAAAAAAAAAAAAAAAAAAAAAAAAAAAAAAAAAAAAAAACf39/AOfm5gPMzMwAwMD/AH9/fwAAAAAAAAAAAAAAAAD///8AAAAAACEAAAAYAAAAFAAAAGVFAACIAAAAXkgAAKkFAAAQAAAAJgAAAAgAAAD//////////w=="/>
               </a:ext>
             </a:extLst>
           </p:cNvPicPr>
@@ -13559,7 +14164,7 @@
           <p:cNvSpPr>
             <a:extLst>
               <a:ext uri="smNativeData">
-                <pr:smNativeData xmlns:mc="http://schemas.openxmlformats.org/markup-compatibility/2006" xmlns:p14="http://schemas.microsoft.com/office/powerpoint/2010/main" xmlns:p15="http://schemas.microsoft.com/office/powerpoint/2012/main" xmlns:pr="smNativeData" xmlns="smNativeData" val="SMDATA_15_3RkyYhMAAAAlAAAAZAAAAA0AAAAAkAAAAEgAAACQAAAASAAAAAAAAAABAAAAAAAAAAEAAABQAAAAAAAAAAAA4D8AAAAAAADgPwAAAAAAAOA/AAAAAAAA4D8AAAAAAADgPwAAAAAAAOA/AAAAAAAA4D8AAAAAAADgPwAAAAAAAOA/AAAAAAAA4D8CAAAAjAAAAAAAAAAAAAAARHLEDP///wgAAAAAAAAAAAAAAAAAAAAAAAAAAAAAAAAAAAAAZAAAAAEAAABAAAAAAAAAAAAAAAAAAAAAAAAAAAAAAAAAAAAAAAAAAAAAAAAAAAAAAAAAAAAAAAAAAAAAAAAAAAAAAAAAAAAAAAAAAAAAAAAAAAAAAAAAAAAAAAAAAAAAFAAAADwAAAAAAAAAAAAAAAAAAAkUAAAAAQAAABQAAAAUAAAAFAAAAAEAAAAAAAAAZAAAAGQAAAAAAAAAZAAAAGQAAAAVAAAAYAAAAAAAAAAAAAAADwAAACADAAAAAAAAAAAAAAEAAACgMgAAVgcAAKr4//8BAAAAf39/AAEAAABkAAAAAAAAABQAAABAHwAAAAAAACYAAAAAAAAAwOD//wAAAAAmAAAAZAAAABYAAABMAAAAAAAAAAAAAAAEAAAAAAAAAAEAAADn5uYKAAAAACgAAAAoAAAAZAAAAGQAAAAAAAAAzMzMAAAAAABQAAAAUAAAAGQAAABkAAAAAAAAABcAAAAUAAAAAAAAAAAAAAD/fwAA/38AAAAAAAAJAAAABAAAAAAAAAAeAAAAaAAAAAAAAAAAAAAAAAAAAAAAAAAAAAAAECcAABAnAAAAAAAAAAAAAAAAAAAAAAAAAAAAAAAAAAAAAAAAAAAAABQAAAAAAAAAwMD/AAAAAABkAAAAMgAAAAAAAABkAAAAAAAAAH9/fwAKAAAAIgAAABgAAAAAAAAAAAAAAAAAAAAAAAAAAAAAAAAAAAAkAAAAJAAAAAAAAAAHAAAAAAAAAAAAAAAAAAAAAAAAAAAAAAAAAAAAf39/ACUAAABYAAAAAAAAAAAAAAAAAAAAAAAAAAAAAAAAAAAAAAAAAAAAAAAAAAAAAAAAAAAAAAA/AAAAAAAAAKCGAQAAAAAAAAAAAAAAAAAMAAAAAQAAAAAAAAAAAAAAAAAAAB8AAABUAAAARHLEBf///wEAAAAAAAAAAAAAAAAAAAAAAAAAAAAAAAAAAAAAAAAAAAAAAAJ/f38A5+bmA8zMzADAwP8Af39/AAAAAAAAAAAAAAAAAAAAAAAAAAAAIQAAABgAAAAUAAAAfAwAANMQAACgQQAAOicAABAAAAAmAAAACAAAAP//////////"/>
+                <pr:smNativeData xmlns="smNativeData" xmlns:pr="smNativeData" xmlns:p15="http://schemas.microsoft.com/office/powerpoint/2012/main" xmlns:p14="http://schemas.microsoft.com/office/powerpoint/2010/main" xmlns:mc="http://schemas.openxmlformats.org/markup-compatibility/2006" val="SMDATA_15_3RkyYhMAAAAlAAAAZAAAAA0AAAAAkAAAAEgAAACQAAAASAAAAAAAAAABAAAAAAAAAAEAAABQAAAAAAAAAAAA4D8AAAAAAADgPwAAAAAAAOA/AAAAAAAA4D8AAAAAAADgPwAAAAAAAOA/AAAAAAAA4D8AAAAAAADgPwAAAAAAAOA/AAAAAAAA4D8CAAAAjAAAAAAAAAAAAAAARHLEDP///wgAAAAAAAAAAAAAAAAAAAAAAAAAAAAAAAAAAAAAZAAAAAEAAABAAAAAAAAAAAAAAAAAAAAAAAAAAAAAAAAAAAAAAAAAAAAAAAAAAAAAAAAAAAAAAAAAAAAAAAAAAAAAAAAAAAAAAAAAAAAAAAAAAAAAAAAAAAAAAAAAAAAAFAAAADwAAAAAAAAAAAAAAAAAAAkUAAAAAQAAABQAAAAUAAAAFAAAAAEAAAAAAAAAZAAAAGQAAAAAAAAAZAAAAGQAAAAVAAAAYAAAAAAAAAAAAAAADwAAACADAAAAAAAAAAAAAAEAAACgMgAAVgcAAKr4//8BAAAAf39/AAEAAABkAAAAAAAAABQAAABAHwAAAAAAACYAAAAAAAAAwOD//wAAAAAmAAAAZAAAABYAAABMAAAAAAAAAAAAAAAEAAAAAAAAAAEAAADn5uYKAAAAACgAAAAoAAAAZAAAAGQAAAAAAAAAzMzMAAAAAABQAAAAUAAAAGQAAABkAAAAAAAAABcAAAAUAAAAAAAAAAAAAAD/fwAA/38AAAAAAAAJAAAABAAAAAAAAAAeAAAAaAAAAAAAAAAAAAAAAAAAAAAAAAAAAAAAECcAABAnAAAAAAAAAAAAAAAAAAAAAAAAAAAAAAAAAAAAAAAAAAAAABQAAAAAAAAAwMD/AAAAAABkAAAAMgAAAAAAAABkAAAAAAAAAH9/fwAKAAAAIgAAABgAAAAAAAAAAAAAAAAAAAAAAAAAAAAAAAAAAAAkAAAAJAAAAAAAAAAHAAAAAAAAAAAAAAAAAAAAAAAAAAAAAAAAAAAAf39/ACUAAABYAAAAAAAAAAAAAAAAAAAAAAAAAAAAAAAAAAAAAAAAAAAAAAAAAAAAAAAAAAAAAAA/AAAAAAAAAKCGAQAAAAAAAAAAAAAAAAAMAAAAAQAAAAAAAAAAAAAAAAAAAB8AAABUAAAARHLEBf///wEAAAAAAAAAAAAAAAAAAAAAAAAAAAAAAAAAAAAAAAAAAAAAAAJ/f38A5+bmA8zMzADAwP8Af39/AAAAAAAAAAAAAAAAAAAAAAAAAAAAIQAAABgAAAAUAAAAMh8AAOUJAADURQAAZigAAAAAAAAmAAAACAAAAP//////////"/>
               </a:ext>
             </a:extLst>
           </p:cNvSpPr>
@@ -13567,8 +14172,8 @@
         </p:nvSpPr>
         <p:spPr>
           <a:xfrm>
-            <a:off x="2029460" y="2734945"/>
-            <a:ext cx="8638540" cy="3641725"/>
+            <a:off x="473912" y="1757761"/>
+            <a:ext cx="10806863" cy="4958715"/>
           </a:xfrm>
           <a:prstGeom prst="rect">
             <a:avLst/>
@@ -13583,157 +14188,277 @@
           <a:bodyPr vert="horz" wrap="square" lIns="91440" tIns="45720" rIns="91440" bIns="45720" numCol="1" spcCol="215900" anchor="ctr"/>
           <a:lstStyle/>
           <a:p>
-            <a:pPr algn="just">
-              <a:buFont typeface="Wingdings" charset="2"/>
-              <a:buChar char="§"/>
-              <a:defRPr lang="en-us"/>
-            </a:pPr>
-            <a:r>
-              <a:rPr lang="en-us" sz="2400" cap="none">
+            <a:pPr marL="342900" algn="just">
+              <a:spcBef>
+                <a:spcPts val="575"/>
+              </a:spcBef>
+              <a:defRPr lang="en-us" sz="2000" cap="none">
                 <a:solidFill>
                   <a:srgbClr val="0000FF"/>
                 </a:solidFill>
                 <a:latin typeface="Trebuchet MS" pitchFamily="2" charset="0"/>
                 <a:ea typeface="Calibri" pitchFamily="2" charset="0"/>
                 <a:cs typeface="Calibri" pitchFamily="2" charset="0"/>
-              </a:rPr>
-              <a:t>A conclusion should then state clearly the main conclusions of the review and give a clear explanation of their importance and relevance.</a:t>
-            </a:r>
-          </a:p>
-          <a:p>
-            <a:pPr algn="just">
-              <a:buFont typeface="Wingdings" charset="2"/>
-              <a:buChar char="§"/>
-              <a:defRPr lang="en-us"/>
-            </a:pPr>
-            <a:endParaRPr lang="en-us" sz="2400" cap="none">
-              <a:solidFill>
-                <a:srgbClr val="0000FF"/>
-              </a:solidFill>
-              <a:latin typeface="Trebuchet MS" pitchFamily="2" charset="0"/>
-              <a:ea typeface="Calibri" pitchFamily="2" charset="0"/>
-              <a:cs typeface="Calibri" pitchFamily="2" charset="0"/>
-            </a:endParaRPr>
-          </a:p>
-          <a:p>
-            <a:pPr algn="just">
-              <a:buFont typeface="Wingdings" charset="2"/>
-              <a:buChar char="§"/>
-              <a:defRPr lang="en-us"/>
-            </a:pPr>
-            <a:r>
-              <a:rPr lang="en-us" sz="2400" cap="none">
+              </a:defRPr>
+            </a:pPr>
+            <a:endParaRPr lang="en-US" sz="2400" dirty="0"/>
+          </a:p>
+        </p:txBody>
+      </p:sp>
+      <p:sp>
+        <p:nvSpPr>
+          <p:cNvPr id="8" name="Google Shape;62;p8">
+            <a:extLst>
+              <a:ext uri="{FF2B5EF4-FFF2-40B4-BE49-F238E27FC236}">
+                <a16:creationId xmlns:a16="http://schemas.microsoft.com/office/drawing/2014/main" id="{1BE0F80C-5831-4E02-BBA5-AFE5C0C01FE6}"/>
+              </a:ext>
+            </a:extLst>
+          </p:cNvPr>
+          <p:cNvSpPr>
+            <a:extLst>
+              <a:ext uri="smNativeData">
+                <pr:smNativeData xmlns:mc="http://schemas.openxmlformats.org/markup-compatibility/2006" xmlns:p14="http://schemas.microsoft.com/office/powerpoint/2010/main" xmlns:p15="http://schemas.microsoft.com/office/powerpoint/2012/main" xmlns:pr="smNativeData" xmlns="smNativeData" val="SMDATA_15_3RkyYhMAAAAlAAAAZAAAAA0AAAAAkAAAAEgAAACQAAAASAAAAAAAAAABAAAAAAAAAAEAAABQAAAAAAAAAAAA4D8AAAAAAADgPwAAAAAAAOA/AAAAAAAA4D8AAAAAAADgPwAAAAAAAOA/AAAAAAAA4D8AAAAAAADgPwAAAAAAAOA/AAAAAAAA4D8CAAAAjAAAAAAAAAAAAAAARHLEDP///wgAAAAAAAAAAAAAAAAAAAAAAAAAAAAAAAAAAAAAZAAAAAEAAABAAAAAAAAAAAAAAAAAAAAAAAAAAAAAAAAAAAAAAAAAAAAAAAAAAAAAAAAAAAAAAAAAAAAAAAAAAAAAAAAAAAAAAAAAAAAAAAAAAAAAAAAAAAAAAAAAAAAAFAAAADwAAAAAAAAAAAAAAAAAAAkUAAAAAQAAABQAAAAUAAAAFAAAAAEAAAAAAAAAZAAAAGQAAAAAAAAAZAAAAGQAAAAVAAAAYAAAAAAAAAAAAAAADwAAACADAAAAAAAAAAAAAAEAAACgMgAAVgcAAKr4//8BAAAAf39/AAEAAABkAAAAAAAAABQAAABAHwAAAAAAACYAAAAAAAAAwOD//wAAAAAmAAAAZAAAABYAAABMAAAAAAAAAAAAAAAEAAAAAAAAAAEAAADn5uYKAAAAACgAAAAoAAAAZAAAAGQAAAAAAAAAzMzMAAAAAABQAAAAUAAAAGQAAABkAAAAAAAAABcAAAAUAAAAAAAAAAAAAAD/fwAA/38AAAAAAAAJAAAABAAAAAAAAAAeAAAAaAAAAAAAAAAAAAAAAAAAAAAAAAAAAAAAECcAABAnAAAAAAAAAAAAAAAAAAAAAAAAAAAAAAAAAAAAAAAAAAAAABQAAAAAAAAAwMD/AAAAAABkAAAAMgAAAAAAAABkAAAAAAAAAH9/fwAKAAAAIgAAABgAAAAAAAAAAAAAAAAAAAAAAAAAAAAAAAAAAAAkAAAAJAAAAAAAAAAHAAAAAAAAAAAAAAAAAAAAAAAAAAAAAAAAAAAAf39/ACUAAABYAAAAAAAAAAAAAAAAAAAAAAAAAAAAAAAAAAAAAAAAAAAAAAAAAAAAAAAAAAAAAAA/AAAAAAAAAKCGAQAAAAAAAAAAAAAAAAAMAAAAAQAAAAAAAAAAAAAAAAAAAB8AAABUAAAARHLEBf///wEAAAAAAAAAAAAAAAAAAAAAAAAAAAAAAAAAAAAAAAAAAAAAAAJ/f38A5+bmA8zMzADAwP8Af39/AAAAAAAAAAAAAAAAAAAAAAAAAAAAIQAAABgAAAAUAAAAMh8AAOUJAADURQAAZigAAAAAAAAmAAAACAAAAP//////////"/>
+              </a:ext>
+            </a:extLst>
+          </p:cNvSpPr>
+          <p:nvPr/>
+        </p:nvSpPr>
+        <p:spPr>
+          <a:xfrm>
+            <a:off x="3866042" y="1757761"/>
+            <a:ext cx="8052619" cy="2087816"/>
+          </a:xfrm>
+          <a:prstGeom prst="rect">
+            <a:avLst/>
+          </a:prstGeom>
+          <a:noFill/>
+          <a:ln>
+            <a:noFill/>
+          </a:ln>
+          <a:effectLst/>
+        </p:spPr>
+        <p:txBody>
+          <a:bodyPr vert="horz" wrap="square" lIns="91440" tIns="45720" rIns="91440" bIns="45720" numCol="1" spcCol="215900" anchor="ctr"/>
+          <a:lstStyle/>
+          <a:p>
+            <a:pPr marL="800100" indent="-457200" algn="just">
+              <a:spcBef>
+                <a:spcPts val="575"/>
+              </a:spcBef>
+              <a:buAutoNum type="alphaUcPeriod"/>
+              <a:defRPr lang="en-us" sz="2000" cap="none">
                 <a:solidFill>
                   <a:srgbClr val="0000FF"/>
                 </a:solidFill>
                 <a:latin typeface="Trebuchet MS" pitchFamily="2" charset="0"/>
                 <a:ea typeface="Calibri" pitchFamily="2" charset="0"/>
                 <a:cs typeface="Calibri" pitchFamily="2" charset="0"/>
-              </a:rPr>
-              <a:t>Give a glimpse of the proposed methodology.</a:t>
-            </a:r>
-          </a:p>
-          <a:p>
-            <a:pPr>
-              <a:buFont typeface="Wingdings" charset="2"/>
-              <a:buChar char="§"/>
-              <a:defRPr lang="en-us"/>
-            </a:pPr>
-            <a:r>
-              <a:rPr lang="en-us" sz="2400" cap="none">
+              </a:defRPr>
+            </a:pPr>
+            <a:r>
+              <a:rPr lang="en-US" sz="2000" dirty="0"/>
+              <a:t>Hand tracking by </a:t>
+            </a:r>
+            <a:r>
+              <a:rPr lang="en-US" sz="2000" dirty="0" err="1"/>
+              <a:t>mediapipe</a:t>
+            </a:r>
+            <a:r>
+              <a:rPr lang="en-US" sz="2000" dirty="0"/>
+              <a:t> </a:t>
+            </a:r>
+          </a:p>
+          <a:p>
+            <a:pPr marL="342900" algn="just">
+              <a:spcBef>
+                <a:spcPts val="575"/>
+              </a:spcBef>
+              <a:defRPr lang="en-us" sz="2000" cap="none">
                 <a:solidFill>
                   <a:srgbClr val="0000FF"/>
                 </a:solidFill>
                 <a:latin typeface="Trebuchet MS" pitchFamily="2" charset="0"/>
                 <a:ea typeface="Calibri" pitchFamily="2" charset="0"/>
                 <a:cs typeface="Calibri" pitchFamily="2" charset="0"/>
-              </a:rPr>
-              <a:t>The strengths or weaknesses in the methods of the studies reviewed should be highlighted.   </a:t>
-            </a:r>
-          </a:p>
-          <a:p>
-            <a:pPr>
-              <a:buFont typeface="Wingdings" charset="2"/>
-              <a:buChar char="§"/>
-              <a:defRPr lang="en-us"/>
-            </a:pPr>
-            <a:endParaRPr lang="en-us" sz="2400" cap="none">
-              <a:solidFill>
-                <a:srgbClr val="0000FF"/>
-              </a:solidFill>
-              <a:latin typeface="Trebuchet MS" pitchFamily="2" charset="0"/>
-              <a:ea typeface="Calibri" pitchFamily="2" charset="0"/>
-              <a:cs typeface="Calibri" pitchFamily="2" charset="0"/>
-            </a:endParaRPr>
-          </a:p>
-          <a:p>
-            <a:pPr>
-              <a:buFont typeface="Wingdings" charset="2"/>
-              <a:buChar char="§"/>
-              <a:defRPr lang="en-us"/>
-            </a:pPr>
-            <a:r>
-              <a:rPr lang="en-us" sz="2400" cap="none">
+              </a:defRPr>
+            </a:pPr>
+            <a:r>
+              <a:rPr lang="en-US" sz="2000" dirty="0"/>
+              <a:t>		Hand tracking steps are:</a:t>
+            </a:r>
+          </a:p>
+          <a:p>
+            <a:pPr marL="800100" indent="-457200" algn="just">
+              <a:spcBef>
+                <a:spcPts val="575"/>
+              </a:spcBef>
+              <a:buAutoNum type="arabicParenR"/>
+              <a:defRPr lang="en-us" sz="2000" cap="none">
                 <a:solidFill>
                   <a:srgbClr val="0000FF"/>
                 </a:solidFill>
                 <a:latin typeface="Trebuchet MS" pitchFamily="2" charset="0"/>
                 <a:ea typeface="Calibri" pitchFamily="2" charset="0"/>
                 <a:cs typeface="Calibri" pitchFamily="2" charset="0"/>
-              </a:rPr>
-              <a:t>Include the relevant similarities and differences between papers/products.</a:t>
-            </a:r>
-          </a:p>
-          <a:p>
-            <a:pPr>
-              <a:defRPr lang="en-us"/>
-            </a:pPr>
-            <a:r>
-              <a:rPr lang="en-us" sz="2400" cap="none">
+              </a:defRPr>
+            </a:pPr>
+            <a:r>
+              <a:rPr lang="en-US" sz="2000" dirty="0"/>
+              <a:t>Realtime Hand Detection: First, instead of training a hand detector, we train a palm detector because estimating bounding boxes of inflexible objects like palms and fists is much easier than recognizing hands with articulated fingers.</a:t>
+            </a:r>
+          </a:p>
+        </p:txBody>
+      </p:sp>
+      <p:pic>
+        <p:nvPicPr>
+          <p:cNvPr id="9" name="Picture 8">
+            <a:extLst>
+              <a:ext uri="{FF2B5EF4-FFF2-40B4-BE49-F238E27FC236}">
+                <a16:creationId xmlns:a16="http://schemas.microsoft.com/office/drawing/2014/main" id="{98C566FF-4E62-4F35-BC8F-DE31E9688CD8}"/>
+              </a:ext>
+            </a:extLst>
+          </p:cNvPr>
+          <p:cNvPicPr>
+            <a:picLocks noChangeAspect="1"/>
+          </p:cNvPicPr>
+          <p:nvPr/>
+        </p:nvPicPr>
+        <p:blipFill>
+          <a:blip r:embed="rId4"/>
+          <a:stretch>
+            <a:fillRect/>
+          </a:stretch>
+        </p:blipFill>
+        <p:spPr>
+          <a:xfrm>
+            <a:off x="140010" y="1687871"/>
+            <a:ext cx="3874726" cy="2157705"/>
+          </a:xfrm>
+          <a:prstGeom prst="rect">
+            <a:avLst/>
+          </a:prstGeom>
+        </p:spPr>
+      </p:pic>
+      <p:pic>
+        <p:nvPicPr>
+          <p:cNvPr id="11" name="Picture 10">
+            <a:extLst>
+              <a:ext uri="{FF2B5EF4-FFF2-40B4-BE49-F238E27FC236}">
+                <a16:creationId xmlns:a16="http://schemas.microsoft.com/office/drawing/2014/main" id="{665E6B0F-1BD8-463D-BBFC-A8CB9089E7F5}"/>
+              </a:ext>
+            </a:extLst>
+          </p:cNvPr>
+          <p:cNvPicPr>
+            <a:picLocks noChangeAspect="1"/>
+          </p:cNvPicPr>
+          <p:nvPr/>
+        </p:nvPicPr>
+        <p:blipFill>
+          <a:blip r:embed="rId5"/>
+          <a:stretch>
+            <a:fillRect/>
+          </a:stretch>
+        </p:blipFill>
+        <p:spPr>
+          <a:xfrm>
+            <a:off x="8259098" y="3923456"/>
+            <a:ext cx="3659564" cy="2952466"/>
+          </a:xfrm>
+          <a:prstGeom prst="rect">
+            <a:avLst/>
+          </a:prstGeom>
+        </p:spPr>
+      </p:pic>
+      <p:sp>
+        <p:nvSpPr>
+          <p:cNvPr id="12" name="Google Shape;62;p8">
+            <a:extLst>
+              <a:ext uri="{FF2B5EF4-FFF2-40B4-BE49-F238E27FC236}">
+                <a16:creationId xmlns:a16="http://schemas.microsoft.com/office/drawing/2014/main" id="{980E5642-76DC-4952-9EED-73FE6ACA83F2}"/>
+              </a:ext>
+            </a:extLst>
+          </p:cNvPr>
+          <p:cNvSpPr>
+            <a:extLst>
+              <a:ext uri="smNativeData">
+                <pr:smNativeData xmlns:mc="http://schemas.openxmlformats.org/markup-compatibility/2006" xmlns:p14="http://schemas.microsoft.com/office/powerpoint/2010/main" xmlns:p15="http://schemas.microsoft.com/office/powerpoint/2012/main" xmlns:pr="smNativeData" xmlns="smNativeData" val="SMDATA_15_3RkyYhMAAAAlAAAAZAAAAA0AAAAAkAAAAEgAAACQAAAASAAAAAAAAAABAAAAAAAAAAEAAABQAAAAAAAAAAAA4D8AAAAAAADgPwAAAAAAAOA/AAAAAAAA4D8AAAAAAADgPwAAAAAAAOA/AAAAAAAA4D8AAAAAAADgPwAAAAAAAOA/AAAAAAAA4D8CAAAAjAAAAAAAAAAAAAAARHLEDP///wgAAAAAAAAAAAAAAAAAAAAAAAAAAAAAAAAAAAAAZAAAAAEAAABAAAAAAAAAAAAAAAAAAAAAAAAAAAAAAAAAAAAAAAAAAAAAAAAAAAAAAAAAAAAAAAAAAAAAAAAAAAAAAAAAAAAAAAAAAAAAAAAAAAAAAAAAAAAAAAAAAAAAFAAAADwAAAAAAAAAAAAAAAAAAAkUAAAAAQAAABQAAAAUAAAAFAAAAAEAAAAAAAAAZAAAAGQAAAAAAAAAZAAAAGQAAAAVAAAAYAAAAAAAAAAAAAAADwAAACADAAAAAAAAAAAAAAEAAACgMgAAVgcAAKr4//8BAAAAf39/AAEAAABkAAAAAAAAABQAAABAHwAAAAAAACYAAAAAAAAAwOD//wAAAAAmAAAAZAAAABYAAABMAAAAAAAAAAAAAAAEAAAAAAAAAAEAAADn5uYKAAAAACgAAAAoAAAAZAAAAGQAAAAAAAAAzMzMAAAAAABQAAAAUAAAAGQAAABkAAAAAAAAABcAAAAUAAAAAAAAAAAAAAD/fwAA/38AAAAAAAAJAAAABAAAAAAAAAAeAAAAaAAAAAAAAAAAAAAAAAAAAAAAAAAAAAAAECcAABAnAAAAAAAAAAAAAAAAAAAAAAAAAAAAAAAAAAAAAAAAAAAAABQAAAAAAAAAwMD/AAAAAABkAAAAMgAAAAAAAABkAAAAAAAAAH9/fwAKAAAAIgAAABgAAAAAAAAAAAAAAAAAAAAAAAAAAAAAAAAAAAAkAAAAJAAAAAAAAAAHAAAAAAAAAAAAAAAAAAAAAAAAAAAAAAAAAAAAf39/ACUAAABYAAAAAAAAAAAAAAAAAAAAAAAAAAAAAAAAAAAAAAAAAAAAAAAAAAAAAAAAAAAAAAA/AAAAAAAAAKCGAQAAAAAAAAAAAAAAAAAMAAAAAQAAAAAAAAAAAAAAAAAAAB8AAABUAAAARHLEBf///wEAAAAAAAAAAAAAAAAAAAAAAAAAAAAAAAAAAAAAAAAAAAAAAAJ/f38A5+bmA8zMzADAwP8Af39/AAAAAAAAAAAAAAAAAAAAAAAAAAAAIQAAABgAAAAUAAAAMh8AAOUJAADURQAAZigAAAAAAAAmAAAACAAAAP//////////"/>
+              </a:ext>
+            </a:extLst>
+          </p:cNvSpPr>
+          <p:nvPr/>
+        </p:nvSpPr>
+        <p:spPr>
+          <a:xfrm>
+            <a:off x="-311851" y="3915465"/>
+            <a:ext cx="8489117" cy="2870901"/>
+          </a:xfrm>
+          <a:prstGeom prst="rect">
+            <a:avLst/>
+          </a:prstGeom>
+          <a:noFill/>
+          <a:ln>
+            <a:noFill/>
+          </a:ln>
+          <a:effectLst/>
+        </p:spPr>
+        <p:txBody>
+          <a:bodyPr vert="horz" wrap="square" lIns="91440" tIns="45720" rIns="91440" bIns="45720" numCol="1" spcCol="215900" anchor="ctr"/>
+          <a:lstStyle/>
+          <a:p>
+            <a:pPr marL="342900" algn="just">
+              <a:spcBef>
+                <a:spcPts val="575"/>
+              </a:spcBef>
+              <a:defRPr lang="en-us" sz="2000" cap="none">
                 <a:solidFill>
                   <a:srgbClr val="0000FF"/>
                 </a:solidFill>
                 <a:latin typeface="Trebuchet MS" pitchFamily="2" charset="0"/>
                 <a:ea typeface="Calibri" pitchFamily="2" charset="0"/>
                 <a:cs typeface="Calibri" pitchFamily="2" charset="0"/>
-              </a:rPr>
-              <a:t> </a:t>
-            </a:r>
-          </a:p>
-          <a:p>
-            <a:pPr algn="just">
-              <a:buFont typeface="Wingdings" charset="2"/>
-              <a:buChar char="§"/>
-              <a:defRPr lang="en-us"/>
-            </a:pPr>
-            <a:endParaRPr lang="en-us" sz="2400" cap="none">
-              <a:solidFill>
-                <a:srgbClr val="0000FF"/>
-              </a:solidFill>
-              <a:latin typeface="Trebuchet MS" pitchFamily="2" charset="0"/>
-              <a:ea typeface="Calibri" pitchFamily="2" charset="0"/>
-              <a:cs typeface="Calibri" pitchFamily="2" charset="0"/>
-            </a:endParaRPr>
-          </a:p>
-          <a:p>
-            <a:pPr>
-              <a:defRPr lang="en-us"/>
-            </a:pPr>
-            <a:r>
-              <a:rPr lang="en-us" sz="2400" cap="none">
+              </a:defRPr>
+            </a:pPr>
+            <a:r>
+              <a:rPr lang="en-US" sz="2000" dirty="0"/>
+              <a:t> 2)  Hand Landmark: Following palm detection over the entire image,                	     our next hand landmark model uses regression to accomplish     	         	     exact </a:t>
+            </a:r>
+            <a:r>
+              <a:rPr lang="en-US" sz="2000" dirty="0" err="1"/>
+              <a:t>keypoint</a:t>
+            </a:r>
+            <a:r>
+              <a:rPr lang="en-US" sz="2000" dirty="0"/>
+              <a:t> localization of 21 3D hand-knuckle coordinates 		     within the detected hand regions, i.e. direct coordinate 				     prediction.</a:t>
+            </a:r>
+          </a:p>
+          <a:p>
+            <a:pPr marL="342900" algn="just">
+              <a:spcBef>
+                <a:spcPts val="575"/>
+              </a:spcBef>
+              <a:defRPr lang="en-us" sz="2000" cap="none">
                 <a:solidFill>
                   <a:srgbClr val="0000FF"/>
                 </a:solidFill>
                 <a:latin typeface="Trebuchet MS" pitchFamily="2" charset="0"/>
                 <a:ea typeface="Calibri" pitchFamily="2" charset="0"/>
                 <a:cs typeface="Calibri" pitchFamily="2" charset="0"/>
-              </a:rPr>
-              <a:t> </a:t>
-            </a:r>
+              </a:defRPr>
+            </a:pPr>
+            <a:r>
+              <a:rPr lang="en-US" sz="2000" dirty="0"/>
+              <a:t> 3)  Gesture Classification: We generate the gestures from the  			     projected hand skeleton. In this paper they have divided 			     gestures into six categories: zero, one, two, three, four, and five	     as shown in Fig.3.</a:t>
+            </a:r>
+            <a:endParaRPr lang="en-US" sz="2400" dirty="0"/>
           </a:p>
         </p:txBody>
       </p:sp>
     </p:spTree>
+    <p:extLst>
+      <p:ext uri="{BB962C8B-B14F-4D97-AF65-F5344CB8AC3E}">
+        <p14:creationId xmlns:p14="http://schemas.microsoft.com/office/powerpoint/2010/main" val="121292889"/>
+      </p:ext>
+    </p:extLst>
   </p:cSld>
   <p:clrMapOvr>
     <a:masterClrMapping/>
@@ -13810,7 +14535,7 @@
           <p:cNvSpPr>
             <a:extLst>
               <a:ext uri="smNativeData">
-                <pr:smNativeData xmlns:mc="http://schemas.openxmlformats.org/markup-compatibility/2006" xmlns:p14="http://schemas.microsoft.com/office/powerpoint/2010/main" xmlns:p15="http://schemas.microsoft.com/office/powerpoint/2012/main" xmlns:pr="smNativeData" xmlns="smNativeData" val="SMDATA_15_3RkyYhMAAAAlAAAAZAAAAA0AAAAAkAAAAEgAAACQAAAASAAAAAAAAAAAAAAAAAAAAAEAAABQAAAAAAAAAAAA4D8AAAAAAADgPwAAAAAAAOA/AAAAAAAA4D8AAAAAAADgPwAAAAAAAOA/AAAAAAAA4D8AAAAAAADgPwAAAAAAAOA/AAAAAAAA4D8CAAAAjAAAAAAAAAAAAAAARHLEDP///wgAAAAAAAAAAAAAAAAAAAAAAAAAAAAAAAAAAAAAZAAAAAEAAABAAAAAAAAAAAAAAAAAAAAAAAAAAAAAAAAAAAAAAAAAAAAAAAAAAAAAAAAAAAAAAAAAAAAAAAAAAAAAAAAAAAAAAAAAAAAAAAAAAAAAAAAAAAAAAAAAAAAAFAAAADwAAAAAAAAAAAAAAAAAAAkUAAAAAQAAABQAAAAUAAAAFAAAAAEAAAAAAAAAZAAAAGQAAAAAAAAAZAAAAGQAAAAVAAAAYAAAAAAAAAAAAAAADwAAACADAAAAAAAAAAAAAAEAAACgMgAAVgcAAKr4//8BAAAAf39/AAEAAABkAAAAAAAAABQAAABAHwAAAAAAACYAAAAAAAAAwOD//wAAAAAmAAAAZAAAABYAAABMAAAAAAAAAAAAAAAEAAAAAAAAAAEAAADn5uYKAAAAACgAAAAoAAAAZAAAAGQAAAAAAAAAzMzMAAAAAABQAAAAUAAAAGQAAABkAAAAAAAAABcAAAAUAAAAAAAAAAAAAAD/fwAA/38AAAAAAAAJAAAABAAAAAAAAAAeAAAAaAAAAAAAAAAAAAAAAAAAAAAAAAAAAAAAECcAABAnAAAAAAAAAAAAAAAAAAAAAAAAAAAAAAAAAAAAAAAAAAAAABQAAAAAAAAAwMD/AAAAAABkAAAAMgAAAAAAAABkAAAAAAAAAH9/fwAKAAAAIgAAABgAAAAAAAAAAAAAAAAAAAAAAAAAAAAAAAAAAAAkAAAAJAAAAAAAAAAHAAAAAAAAAAAAAAAAAAAAAAAAAAAAAAAAAAAAf39/ACUAAABYAAAAAAAAAAAAAAAAAAAAAAAAAAAAAAAAAAAAAAAAAAAAAAAAAAAAAAAAAAAAAAA/AAAAAAAAAKCGAQAAAAAAAAAAAAAAAAAMAAAAAQAAAAAAAAAAAAAAAAAAAB8AAABUAAAARHLEBf///wEAAAAAAAAAAAAAAAAAAAAAAAAAAAAAAAAAAAAAAAAAAAAAAAJ/f38A5+bmA8zMzADAwP8Af39/AAAAAAAAAAAAAAAAAAAAAAAAAAAAIQAAABgAAAAUAAAA8hUAAAgHAACgQQAA3wkAABAAAAAmAAAACAAAAP//////////"/>
+                <pr:smNativeData xmlns:mc="http://schemas.openxmlformats.org/markup-compatibility/2006" xmlns:p14="http://schemas.microsoft.com/office/powerpoint/2010/main" xmlns:p15="http://schemas.microsoft.com/office/powerpoint/2012/main" xmlns:pr="smNativeData" xmlns="smNativeData" val="SMDATA_15_3RkyYhMAAAAlAAAAZAAAAA0AAAAAkAAAAEgAAACQAAAASAAAAAAAAAAAAAAAAAAAAAEAAABQAAAAAAAAAAAA4D8AAAAAAADgPwAAAAAAAOA/AAAAAAAA4D8AAAAAAADgPwAAAAAAAOA/AAAAAAAA4D8AAAAAAADgPwAAAAAAAOA/AAAAAAAA4D8CAAAAjAAAAAAAAAAAAAAARHLEDP///wgAAAAAAAAAAAAAAAAAAAAAAAAAAAAAAAAAAAAAZAAAAAEAAABAAAAAAAAAAAAAAAAAAAAAAAAAAAAAAAAAAAAAAAAAAAAAAAAAAAAAAAAAAAAAAAAAAAAAAAAAAAAAAAAAAAAAAAAAAAAAAAAAAAAAAAAAAAAAAAAAAAAAFAAAADwAAAAAAAAAAAAAAAAAAAkUAAAAAQAAABQAAAAUAAAAFAAAAAEAAAAAAAAAZAAAAGQAAAAAAAAAZAAAAGQAAAAVAAAAYAAAAAAAAAAAAAAADwAAACADAAAAAAAAAAAAAAEAAACgMgAAVgcAAKr4//8BAAAAf39/AAEAAABkAAAAAAAAABQAAABAHwAAAAAAACYAAAAAAAAAwOD//wAAAAAmAAAAZAAAABYAAABMAAAAAAAAAAAAAAAEAAAAAAAAAAEAAADn5uYKAAAAACgAAAAoAAAAZAAAAGQAAAAAAAAAzMzMAAAAAABQAAAAUAAAAGQAAABkAAAAAAAAABcAAAAUAAAAAAAAAAAAAAD/fwAA/38AAAAAAAAJAAAABAAAAF8AYAAeAAAAaAAAAAAAAAAAAAAAAAAAAAAAAAAAAAAAECcAABAnAAAAAAAAAAAAAAAAAAAAAAAAAAAAAAAAAAAAAAAAAAAAABQAAAAAAAAAwMD/AAAAAABkAAAAMgAAAAAAAABkAAAAAAAAAH9/fwAKAAAAIgAAABgAAAAAAAAAAAAAAAAAAAAAAAAAAAAAAAAAAAAkAAAAJAAAAAAAAAAHAAAAAAAAAAAAAAAAAAAAAAAAAAAAAAAAAAAAf39/ACUAAABYAAAAAAAAAAAAAAAAAAAAAAAAAAAAAAAAAAAAAAAAAAAAAAAAAAAAAAAAAAAAAAA/AAAAAAAAAKCGAQAAAAAAAAAAAAAAAAAMAAAAAQAAAAAAAAAAAAAAAAAAAB8AAABUAAAARHLEBf///wEAAAAAAAAAAAAAAAAAAAAAAAAAAAAAAAAAAAAAAAAAAAAAAAJ/f38A5+bmA8zMzADAwP8Af39/AAAAAAAAAAAAAAAAAAAAAAAAAAAAIQAAABgAAAAUAAAA8hUAAAgHAACgQQAA3wkAAAAAAAAmAAAACAAAAP//////////"/>
               </a:ext>
             </a:extLst>
           </p:cNvSpPr>
@@ -13818,8 +14543,8 @@
         </p:nvSpPr>
         <p:spPr>
           <a:xfrm>
-            <a:off x="3567430" y="1143000"/>
-            <a:ext cx="7100570" cy="461645"/>
+            <a:off x="1203158" y="1061832"/>
+            <a:ext cx="9464842" cy="449427"/>
           </a:xfrm>
           <a:prstGeom prst="rect">
             <a:avLst/>
@@ -13838,7 +14563,7 @@
               <a:defRPr lang="en-us"/>
             </a:pPr>
             <a:r>
-              <a:rPr lang="en-us" sz="2400" cap="none">
+              <a:rPr lang="en-us" sz="2400" cap="none" dirty="0">
                 <a:solidFill>
                   <a:srgbClr val="FF0000"/>
                 </a:solidFill>
@@ -13846,8 +14571,14 @@
                 <a:ea typeface="Calibri" pitchFamily="2" charset="0"/>
                 <a:cs typeface="Calibri" pitchFamily="2" charset="0"/>
               </a:rPr>
-              <a:t>Any other information</a:t>
-            </a:r>
+              <a:t>4 - Literature Survey</a:t>
+            </a:r>
+            <a:endParaRPr lang="en-us" sz="2400" cap="none" dirty="0">
+              <a:solidFill>
+                <a:srgbClr val="FF0000"/>
+              </a:solidFill>
+              <a:latin typeface="Trebuchet MS" panose="020B0603020202020204" pitchFamily="34" charset="0"/>
+            </a:endParaRPr>
           </a:p>
         </p:txBody>
       </p:sp>
@@ -13857,7 +14588,7 @@
           <p:cNvPicPr>
             <a:extLst>
               <a:ext uri="smNativeData">
-                <pr:smNativeData xmlns:mc="http://schemas.openxmlformats.org/markup-compatibility/2006" xmlns:p14="http://schemas.microsoft.com/office/powerpoint/2010/main" xmlns:p15="http://schemas.microsoft.com/office/powerpoint/2012/main" xmlns:pr="smNativeData" xmlns="smNativeData" val="SMDATA_17_3RkyYhMAAAAlAAAAEQAAAA0AAAAAkAAAAEgAAACQAAAASAAAAAAAAAAAAAAAAAAAAAEAAABQAAAAAAAAAAAA4D8AAAAAAADgPwAAAAAAAOA/AAAAAAAA4D8AAAAAAADgPwAAAAAAAOA/AAAAAAAA4D8AAAAAAADgPwAAAAAAAOA/AAAAAAAA4D8CAAAAjAAAAAAAAAAAAAAARHLEDP///wgAAAAAAAAAAAAAAAAAAAAAAAAAAAAAAAAAAAAAZAAAAAEAAABAAAAAAAAAAAAAAAAAAAAAAAAAAAAAAAAAAAAAAAAAAAAAAAAAAAAAAAAAAAAAAAAAAAAAAAAAAAAAAAAAAAAAAAAAAAAAAAAAAAAAAAAAAAAAAAAAAAAAFAAAADwAAAAAAAAAAAAAAAAAAAkUAAAAAQAAABQAAAAUAAAAFAAAAAEAAAAAAAAAZAAAAGQAAAAAAAAAZAAAAGQAAAAVAAAAYAAAAAAAAAAAAAAADwAAACADAAAAAAAAAAAAAAEAAACgMgAAVgcAAKr4//8BAAAAf39/AAEAAABkAAAAAAAAABQAAABAHwAAAAAAACYAAAAAAAAAwOD//wAAAAAmAAAAZAAAABYAAABMAAAAAAAAAAAAAAAEAAAAAAAAAAEAAADn5uYKAAAAACgAAAAoAAAAZAAAAGQAAAAAAAAAzMzMAAAAAABQAAAAUAAAAGQAAABkAAAAAAAAAAcAAAA4AAAAAAAAAAAAAAAAAAAA////AAAAAAAAAAAAAAAAAAAAAAAAAAAAAAAAAAAAAABkAAAAZAAAAAAAAAAjAAAABAAAAGQAAAAXAAAAFAAAAAAAAAAAAAAA/38AAP9/AAAAAAAACQAAAAQAAABjuy94HgAAAGgAAAAAAAAAAAAAAAAAAAAAAAAAAAAAABAnAAAQJwAAAAAAAAAAAAAAAAAAAAAAAAAAAAAAAAAAAAAAAAAAAAAUAAAAAAAAAMDA/wAAAAAAZAAAADIAAAAAAAAAZAAAAAAAAAB/f38ACgAAACIAAAAYAAAAAAAAAAAAAAAAAAAAAAAAAAAAAAAAAAAAJAAAACQAAAAAAAAABwAAAAAAAAAAAAAAAAAAAAAAAAAAAAAAAAAAAH9/fwAlAAAAWAAAAAAAAAAAAAAAAAAAAAAAAAAAAAAAAAAAAAAAAAAAAAAAAAAAAAAAAAAAAAAAPwAAAAAAAACghgEAAAAAAAAAAAAAAAAADAAAAAEAAAAAAAAAAAAAAAAAAAAfAAAAVAAAAERyxAX///8BAAAAAAAAAAAAAAAAAAAAAAAAAAAAAAAAAAAAAAAAAAAAAAACf39/AOfm5gPMzMwAwMD/AH9/fwAAAAAAAAAAAAAAAAD///8AAAAAACEAAAAYAAAAFAAAAGVFAACIAAAAXkgAAKkFAAAQAAAAJgAAAAgAAAD//////////w=="/>
+                <pr:smNativeData xmlns:mc="http://schemas.openxmlformats.org/markup-compatibility/2006" xmlns:p14="http://schemas.microsoft.com/office/powerpoint/2010/main" xmlns:p15="http://schemas.microsoft.com/office/powerpoint/2012/main" xmlns:pr="smNativeData" xmlns="smNativeData" val="SMDATA_17_3RkyYhMAAAAlAAAAEQAAAA0AAAAAkAAAAEgAAACQAAAASAAAAAAAAAAAAAAAAAAAAAEAAABQAAAAAAAAAAAA4D8AAAAAAADgPwAAAAAAAOA/AAAAAAAA4D8AAAAAAADgPwAAAAAAAOA/AAAAAAAA4D8AAAAAAADgPwAAAAAAAOA/AAAAAAAA4D8CAAAAjAAAAAAAAAAAAAAARHLEDP///wgAAAAAAAAAAAAAAAAAAAAAAAAAAAAAAAAAAAAAZAAAAAEAAABAAAAAAAAAAAAAAAAAAAAAAAAAAAAAAAAAAAAAAAAAAAAAAAAAAAAAAAAAAAAAAAAAAAAAAAAAAAAAAAAAAAAAAAAAAAAAAAAAAAAAAAAAAAAAAAAAAAAAFAAAADwAAAAAAAAAAAAAAAAAAAkUAAAAAQAAABQAAAAUAAAAFAAAAAEAAAAAAAAAZAAAAGQAAAAAAAAAZAAAAGQAAAAVAAAAYAAAAAAAAAAAAAAADwAAACADAAAAAAAAAAAAAAEAAACgMgAAVgcAAKr4//8BAAAAf39/AAEAAABkAAAAAAAAABQAAABAHwAAAAAAACYAAAAAAAAAwOD//wAAAAAmAAAAZAAAABYAAABMAAAAAAAAAAAAAAAEAAAAAAAAAAEAAADn5uYKAAAAACgAAAAoAAAAZAAAAGQAAAAAAAAAzMzMAAAAAABQAAAAUAAAAGQAAABkAAAAAAAAAAcAAAA4AAAAAAAAAAAAAAAAAAAA////AAAAAAAAAAAAAAAAAAAAAAAAAAAAAAAAAAAAAABkAAAAZAAAAAAAAAAjAAAABAAAAGQAAAAXAAAAFAAAAAAAAAAAAAAA/38AAP9/AAAAAAAACQAAAAQAAAAAAAAAHgAAAGgAAAAAAAAAAAAAAAAAAAAAAAAAAAAAABAnAAAQJwAAAAAAAAAAAAAAAAAAAAAAAAAAAAAAAAAAAAAAAAAAAAAUAAAAAAAAAMDA/wAAAAAAZAAAADIAAAAAAAAAZAAAAAAAAAB/f38ACgAAACIAAAAYAAAAAAAAAAAAAAAAAAAAAAAAAAAAAAAAAAAAJAAAACQAAAAAAAAABwAAAAAAAAAAAAAAAAAAAAAAAAAAAAAAAAAAAH9/fwAlAAAAWAAAAAAAAAAAAAAAAAAAAAAAAAAAAAAAAAAAAAAAAAAAAAAAAAAAAAAAAAAAAAAAPwAAAAAAAACghgEAAAAAAAAAAAAAAAAADAAAAAEAAAAAAAAAAAAAAAAAAAAfAAAAVAAAAERyxAX///8BAAAAAAAAAAAAAAAAAAAAAAAAAAAAAAAAAAAAAAAAAAAAAAACf39/AOfm5gPMzMwAwMD/AH9/fwAAAAAAAAAAAAAAAAD///8AAAAAACEAAAAYAAAAFAAAAGVFAACIAAAAXkgAAKkFAAAQAAAAJgAAAAgAAAD//////////w=="/>
               </a:ext>
             </a:extLst>
           </p:cNvPicPr>
@@ -13890,7 +14621,7 @@
           <p:cNvSpPr>
             <a:extLst>
               <a:ext uri="smNativeData">
-                <pr:smNativeData xmlns:mc="http://schemas.openxmlformats.org/markup-compatibility/2006" xmlns:p14="http://schemas.microsoft.com/office/powerpoint/2010/main" xmlns:p15="http://schemas.microsoft.com/office/powerpoint/2012/main" xmlns:pr="smNativeData" xmlns="smNativeData" val="SMDATA_15_3RkyYhMAAAAlAAAAZAAAAA0AAAAAkAAAAEgAAACQAAAASAAAAAAAAAABAAAAAAAAAAEAAABQAAAAAAAAAAAA4D8AAAAAAADgPwAAAAAAAOA/AAAAAAAA4D8AAAAAAADgPwAAAAAAAOA/AAAAAAAA4D8AAAAAAADgPwAAAAAAAOA/AAAAAAAA4D8CAAAAjAAAAAAAAAAAAAAARHLEDP///wgAAAAAAAAAAAAAAAAAAAAAAAAAAAAAAAAAAAAAZAAAAAEAAABAAAAAAAAAAAAAAAAAAAAAAAAAAAAAAAAAAAAAAAAAAAAAAAAAAAAAAAAAAAAAAAAAAAAAAAAAAAAAAAAAAAAAAAAAAAAAAAAAAAAAAAAAAAAAAAAAAAAAFAAAADwAAAAAAAAAAAAAAAAAAAkUAAAAAQAAABQAAAAUAAAAFAAAAAEAAAAAAAAAZAAAAGQAAAAAAAAAZAAAAGQAAAAVAAAAYAAAAAAAAAAAAAAADwAAACADAAAAAAAAAAAAAAEAAACgMgAAVgcAAKr4//8BAAAAf39/AAEAAABkAAAAAAAAABQAAABAHwAAAAAAACYAAAAAAAAAwOD//wAAAAAmAAAAZAAAABYAAABMAAAAAAAAAAAAAAAEAAAAAAAAAAEAAADn5uYKAAAAACgAAAAoAAAAZAAAAGQAAAAAAAAAzMzMAAAAAABQAAAAUAAAAGQAAABkAAAAAAAAABcAAAAUAAAAAAAAAAAAAAD/fwAA/38AAAAAAAAJAAAABAAAAAAAAAAeAAAAaAAAAAAAAAAAAAAAAAAAAAAAAAAAAAAAECcAABAnAAAAAAAAAAAAAAAAAAAAAAAAAAAAAAAAAAAAAAAAAAAAABQAAAAAAAAAwMD/AAAAAABkAAAAMgAAAAAAAABkAAAAAAAAAH9/fwAKAAAAIgAAABgAAAAAAAAAAAAAAAAAAAAAAAAAAAAAAAAAAAAkAAAAJAAAAAAAAAAHAAAAAAAAAAAAAAAAAAAAAAAAAAAAAAAAAAAAf39/ACUAAABYAAAAAAAAAAAAAAAAAAAAAAAAAAAAAAAAAAAAAAAAAAAAAAAAAAAAAAAAAAAAAAA/AAAAAAAAAKCGAQAAAAAAAAAAAAAAAAAMAAAAAQAAAAAAAAAAAAAAAAAAAB8AAABUAAAARHLEBf///wEAAAAAAAAAAAAAAAAAAAAAAAAAAAAAAAAAAAAAAAAAAAAAAAJ/f38A5+bmA8zMzADAwP8Af39/AAAAAAAAAAAAAAAAAAAAAAAAAAAAIQAAABgAAAAUAAAAfAwAAPQJAACgQQAAzSEAABAAAAAmAAAACAAAAP//////////"/>
+                <pr:smNativeData xmlns:mc="http://schemas.openxmlformats.org/markup-compatibility/2006" xmlns:p14="http://schemas.microsoft.com/office/powerpoint/2010/main" xmlns:p15="http://schemas.microsoft.com/office/powerpoint/2012/main" xmlns:pr="smNativeData" xmlns="smNativeData" val="SMDATA_15_3RkyYhMAAAAlAAAAZAAAAA0AAAAAkAAAAEgAAACQAAAASAAAAAAAAAABAAAAAAAAAAEAAABQAAAAAAAAAAAA4D8AAAAAAADgPwAAAAAAAOA/AAAAAAAA4D8AAAAAAADgPwAAAAAAAOA/AAAAAAAA4D8AAAAAAADgPwAAAAAAAOA/AAAAAAAA4D8CAAAAjAAAAAAAAAAAAAAARHLEDP///wgAAAAAAAAAAAAAAAAAAAAAAAAAAAAAAAAAAAAAZAAAAAEAAABAAAAAAAAAAAAAAAAAAAAAAAAAAAAAAAAAAAAAAAAAAAAAAAAAAAAAAAAAAAAAAAAAAAAAAAAAAAAAAAAAAAAAAAAAAAAAAAAAAAAAAAAAAAAAAAAAAAAAFAAAADwAAAAAAAAAAAAAAAAAAAkUAAAAAQAAABQAAAAUAAAAFAAAAAEAAAAAAAAAZAAAAGQAAAAAAAAAZAAAAGQAAAAVAAAAYAAAAAAAAAAAAAAADwAAACADAAAAAAAAAAAAAAEAAACgMgAAVgcAAKr4//8BAAAAf39/AAEAAABkAAAAAAAAABQAAABAHwAAAAAAACYAAAAAAAAAwOD//wAAAAAmAAAAZAAAABYAAABMAAAAAAAAAAAAAAAEAAAAAAAAAAEAAADn5uYKAAAAACgAAAAoAAAAZAAAAGQAAAAAAAAAzMzMAAAAAABQAAAAUAAAAGQAAABkAAAAAAAAABcAAAAUAAAAAAAAAAAAAAD/fwAA/38AAAAAAAAJAAAABAAAAAAAAAAeAAAAaAAAAAAAAAAAAAAAAAAAAAAAAAAAAAAAECcAABAnAAAAAAAAAAAAAAAAAAAAAAAAAAAAAAAAAAAAAAAAAAAAABQAAAAAAAAAwMD/AAAAAABkAAAAMgAAAAAAAABkAAAAAAAAAH9/fwAKAAAAIgAAABgAAAAAAAAAAAAAAAAAAAAAAAAAAAAAAAAAAAAkAAAAJAAAAAAAAAAHAAAAAAAAAAAAAAAAAAAAAAAAAAAAAAAAAAAAf39/ACUAAABYAAAAAAAAAAAAAAAAAAAAAAAAAAAAAAAAAAAAAAAAAAAAAAAAAAAAAAAAAAAAAAA/AAAAAAAAAKCGAQAAAAAAAAAAAAAAAAAMAAAAAQAAAAAAAAAAAAAAAAAAAB8AAABUAAAARHLEBf///wEAAAAAAAAAAAAAAAAAAAAAAAAAAAAAAAAAAAAAAAAAAAAAAAJ/f38A5+bmA8zMzADAwP8Af39/AAAAAAAAAAAAAAAAAAAAAAAAAAAAIQAAABgAAAAUAAAAMh8AAOUJAADURQAAZigAAAAAAAAmAAAACAAAAP//////////"/>
               </a:ext>
             </a:extLst>
           </p:cNvSpPr>
@@ -13898,8 +14629,8 @@
         </p:nvSpPr>
         <p:spPr>
           <a:xfrm>
-            <a:off x="2029460" y="1617980"/>
-            <a:ext cx="8638540" cy="3876675"/>
+            <a:off x="473912" y="1757761"/>
+            <a:ext cx="10806863" cy="4958715"/>
           </a:xfrm>
           <a:prstGeom prst="rect">
             <a:avLst/>
@@ -13914,86 +14645,206 @@
           <a:bodyPr vert="horz" wrap="square" lIns="91440" tIns="45720" rIns="91440" bIns="45720" numCol="1" spcCol="215900" anchor="ctr"/>
           <a:lstStyle/>
           <a:p>
-            <a:pPr marL="342900" indent="12700" algn="just">
+            <a:pPr marL="342900" algn="just">
               <a:spcBef>
                 <a:spcPts val="575"/>
               </a:spcBef>
-              <a:defRPr lang="en-us"/>
-            </a:pPr>
-            <a:r>
-              <a:rPr lang="en-in" sz="2400" cap="none">
+              <a:defRPr lang="en-us" sz="2000" cap="none">
                 <a:solidFill>
                   <a:srgbClr val="0000FF"/>
                 </a:solidFill>
                 <a:latin typeface="Trebuchet MS" pitchFamily="2" charset="0"/>
                 <a:ea typeface="Calibri" pitchFamily="2" charset="0"/>
                 <a:cs typeface="Calibri" pitchFamily="2" charset="0"/>
-              </a:rPr>
-              <a:t>Provide any other information you wish to add on.</a:t>
-            </a:r>
-          </a:p>
-          <a:p>
-            <a:pPr marL="342900" indent="12700" algn="just">
+              </a:defRPr>
+            </a:pPr>
+            <a:endParaRPr lang="en-US" sz="2400" dirty="0"/>
+          </a:p>
+        </p:txBody>
+      </p:sp>
+      <p:sp>
+        <p:nvSpPr>
+          <p:cNvPr id="8" name="Google Shape;62;p8">
+            <a:extLst>
+              <a:ext uri="{FF2B5EF4-FFF2-40B4-BE49-F238E27FC236}">
+                <a16:creationId xmlns:a16="http://schemas.microsoft.com/office/drawing/2014/main" id="{1BE0F80C-5831-4E02-BBA5-AFE5C0C01FE6}"/>
+              </a:ext>
+            </a:extLst>
+          </p:cNvPr>
+          <p:cNvSpPr>
+            <a:extLst>
+              <a:ext uri="smNativeData">
+                <pr:smNativeData xmlns="smNativeData" xmlns:pr="smNativeData" xmlns:p15="http://schemas.microsoft.com/office/powerpoint/2012/main" xmlns:p14="http://schemas.microsoft.com/office/powerpoint/2010/main" xmlns:mc="http://schemas.openxmlformats.org/markup-compatibility/2006" val="SMDATA_15_3RkyYhMAAAAlAAAAZAAAAA0AAAAAkAAAAEgAAACQAAAASAAAAAAAAAABAAAAAAAAAAEAAABQAAAAAAAAAAAA4D8AAAAAAADgPwAAAAAAAOA/AAAAAAAA4D8AAAAAAADgPwAAAAAAAOA/AAAAAAAA4D8AAAAAAADgPwAAAAAAAOA/AAAAAAAA4D8CAAAAjAAAAAAAAAAAAAAARHLEDP///wgAAAAAAAAAAAAAAAAAAAAAAAAAAAAAAAAAAAAAZAAAAAEAAABAAAAAAAAAAAAAAAAAAAAAAAAAAAAAAAAAAAAAAAAAAAAAAAAAAAAAAAAAAAAAAAAAAAAAAAAAAAAAAAAAAAAAAAAAAAAAAAAAAAAAAAAAAAAAAAAAAAAAFAAAADwAAAAAAAAAAAAAAAAAAAkUAAAAAQAAABQAAAAUAAAAFAAAAAEAAAAAAAAAZAAAAGQAAAAAAAAAZAAAAGQAAAAVAAAAYAAAAAAAAAAAAAAADwAAACADAAAAAAAAAAAAAAEAAACgMgAAVgcAAKr4//8BAAAAf39/AAEAAABkAAAAAAAAABQAAABAHwAAAAAAACYAAAAAAAAAwOD//wAAAAAmAAAAZAAAABYAAABMAAAAAAAAAAAAAAAEAAAAAAAAAAEAAADn5uYKAAAAACgAAAAoAAAAZAAAAGQAAAAAAAAAzMzMAAAAAABQAAAAUAAAAGQAAABkAAAAAAAAABcAAAAUAAAAAAAAAAAAAAD/fwAA/38AAAAAAAAJAAAABAAAAAAAAAAeAAAAaAAAAAAAAAAAAAAAAAAAAAAAAAAAAAAAECcAABAnAAAAAAAAAAAAAAAAAAAAAAAAAAAAAAAAAAAAAAAAAAAAABQAAAAAAAAAwMD/AAAAAABkAAAAMgAAAAAAAABkAAAAAAAAAH9/fwAKAAAAIgAAABgAAAAAAAAAAAAAAAAAAAAAAAAAAAAAAAAAAAAkAAAAJAAAAAAAAAAHAAAAAAAAAAAAAAAAAAAAAAAAAAAAAAAAAAAAf39/ACUAAABYAAAAAAAAAAAAAAAAAAAAAAAAAAAAAAAAAAAAAAAAAAAAAAAAAAAAAAAAAAAAAAA/AAAAAAAAAKCGAQAAAAAAAAAAAAAAAAAMAAAAAQAAAAAAAAAAAAAAAAAAAB8AAABUAAAARHLEBf///wEAAAAAAAAAAAAAAAAAAAAAAAAAAAAAAAAAAAAAAAAAAAAAAAJ/f38A5+bmA8zMzADAwP8Af39/AAAAAAAAAAAAAAAAAAAAAAAAAAAAIQAAABgAAAAUAAAAMh8AAOUJAADURQAAZigAAAAAAAAmAAAACAAAAP//////////"/>
+              </a:ext>
+            </a:extLst>
+          </p:cNvSpPr>
+          <p:nvPr/>
+        </p:nvSpPr>
+        <p:spPr>
+          <a:xfrm>
+            <a:off x="1358816" y="1687871"/>
+            <a:ext cx="8699584" cy="4958715"/>
+          </a:xfrm>
+          <a:prstGeom prst="rect">
+            <a:avLst/>
+          </a:prstGeom>
+          <a:noFill/>
+          <a:ln>
+            <a:noFill/>
+          </a:ln>
+          <a:effectLst/>
+        </p:spPr>
+        <p:txBody>
+          <a:bodyPr vert="horz" wrap="square" lIns="91440" tIns="45720" rIns="91440" bIns="45720" numCol="1" spcCol="215900" anchor="ctr"/>
+          <a:lstStyle/>
+          <a:p>
+            <a:pPr marL="342900" algn="just">
               <a:spcBef>
                 <a:spcPts val="575"/>
               </a:spcBef>
-              <a:defRPr lang="en-us"/>
-            </a:pPr>
-            <a:r>
-              <a:rPr lang="en-in" sz="2400" cap="none">
+              <a:defRPr lang="en-us" sz="2000" cap="none">
                 <a:solidFill>
                   <a:srgbClr val="0000FF"/>
                 </a:solidFill>
                 <a:latin typeface="Trebuchet MS" pitchFamily="2" charset="0"/>
                 <a:ea typeface="Calibri" pitchFamily="2" charset="0"/>
                 <a:cs typeface="Calibri" pitchFamily="2" charset="0"/>
-              </a:rPr>
+              </a:defRPr>
+            </a:pPr>
+            <a:r>
+              <a:rPr lang="en-US" dirty="0"/>
+              <a:t>B.   </a:t>
+            </a:r>
+            <a:r>
+              <a:rPr lang="en-US" dirty="0" err="1"/>
+              <a:t>Mediapipe</a:t>
+            </a:r>
+            <a:r>
+              <a:rPr lang="en-US" dirty="0"/>
               <a:t> </a:t>
             </a:r>
           </a:p>
           <a:p>
-            <a:pPr marL="342900" indent="12700" algn="just">
+            <a:pPr marL="1143000" lvl="1" indent="-342900" algn="just">
               <a:spcBef>
                 <a:spcPts val="575"/>
               </a:spcBef>
-              <a:defRPr lang="en-us"/>
-            </a:pPr>
-            <a:endParaRPr lang="en-in" sz="2400" cap="none">
-              <a:solidFill>
-                <a:srgbClr val="0000FF"/>
-              </a:solidFill>
-              <a:latin typeface="Trebuchet MS" pitchFamily="2" charset="0"/>
-              <a:ea typeface="Calibri" pitchFamily="2" charset="0"/>
-              <a:cs typeface="Calibri" pitchFamily="2" charset="0"/>
-            </a:endParaRPr>
-          </a:p>
-          <a:p>
-            <a:pPr marL="342900" indent="12700" algn="just">
+              <a:buFont typeface="Wingdings" panose="05000000000000000000" pitchFamily="2" charset="2"/>
+              <a:buChar char="§"/>
+              <a:defRPr lang="en-us" sz="2000" cap="none">
+                <a:solidFill>
+                  <a:srgbClr val="0000FF"/>
+                </a:solidFill>
+                <a:latin typeface="Trebuchet MS" pitchFamily="2" charset="0"/>
+                <a:ea typeface="Calibri" pitchFamily="2" charset="0"/>
+                <a:cs typeface="Calibri" pitchFamily="2" charset="0"/>
+              </a:defRPr>
+            </a:pPr>
+            <a:r>
+              <a:rPr lang="en-US" dirty="0"/>
+              <a:t>Google’s </a:t>
+            </a:r>
+            <a:r>
+              <a:rPr lang="en-US" dirty="0" err="1"/>
+              <a:t>Mediapipe</a:t>
+            </a:r>
+            <a:r>
+              <a:rPr lang="en-US" dirty="0"/>
+              <a:t> is a cross-platform library that delivers great ready-to-use machine learning solutions for computer vision workloads. </a:t>
+            </a:r>
+          </a:p>
+          <a:p>
+            <a:pPr marL="1143000" lvl="1" indent="-342900" algn="just">
               <a:spcBef>
                 <a:spcPts val="575"/>
               </a:spcBef>
-              <a:defRPr lang="en-us"/>
-            </a:pPr>
-            <a:r>
-              <a:rPr lang="en-in" sz="2400" cap="none">
+              <a:buFont typeface="Wingdings" panose="05000000000000000000" pitchFamily="2" charset="2"/>
+              <a:buChar char="§"/>
+              <a:defRPr lang="en-us" sz="2000" cap="none">
                 <a:solidFill>
                   <a:srgbClr val="0000FF"/>
                 </a:solidFill>
                 <a:latin typeface="Trebuchet MS" pitchFamily="2" charset="0"/>
                 <a:ea typeface="Calibri" pitchFamily="2" charset="0"/>
                 <a:cs typeface="Calibri" pitchFamily="2" charset="0"/>
-              </a:rPr>
-              <a:t>Note: Changes can be made in the template, with the consent of the guide for inclusion of any other information.</a:t>
-            </a:r>
-            <a:endParaRPr lang="en-in" sz="2400" cap="none">
-              <a:latin typeface="Trebuchet MS" pitchFamily="2" charset="0"/>
-              <a:ea typeface="Calibri" pitchFamily="2" charset="0"/>
-              <a:cs typeface="Calibri" pitchFamily="2" charset="0"/>
-            </a:endParaRPr>
+              </a:defRPr>
+            </a:pPr>
+            <a:r>
+              <a:rPr lang="en-US" dirty="0" err="1"/>
+              <a:t>MediaPipe</a:t>
+            </a:r>
+            <a:r>
+              <a:rPr lang="en-US" dirty="0"/>
+              <a:t> is a structure that allows developers to create cross-platform multimodal (video, audio, and any time series data) applied machine learning pipelines. </a:t>
+            </a:r>
+          </a:p>
+          <a:p>
+            <a:pPr marL="1143000" lvl="1" indent="-342900" algn="just">
+              <a:spcBef>
+                <a:spcPts val="575"/>
+              </a:spcBef>
+              <a:buFont typeface="Wingdings" panose="05000000000000000000" pitchFamily="2" charset="2"/>
+              <a:buChar char="§"/>
+              <a:defRPr lang="en-us" sz="2000" cap="none">
+                <a:solidFill>
+                  <a:srgbClr val="0000FF"/>
+                </a:solidFill>
+                <a:latin typeface="Trebuchet MS" pitchFamily="2" charset="0"/>
+                <a:ea typeface="Calibri" pitchFamily="2" charset="0"/>
+                <a:cs typeface="Calibri" pitchFamily="2" charset="0"/>
+              </a:defRPr>
+            </a:pPr>
+            <a:r>
+              <a:rPr lang="en-US" dirty="0"/>
+              <a:t>Human body detection and tracking models from </a:t>
+            </a:r>
+            <a:r>
+              <a:rPr lang="en-US" dirty="0" err="1"/>
+              <a:t>MediaPipe</a:t>
+            </a:r>
+            <a:r>
+              <a:rPr lang="en-US" dirty="0"/>
+              <a:t> have been trained using Google’s enormous and diverse dataset. They track critical spots on different regions of the body as a skeleton of nodes, edges, and landmarks. </a:t>
+            </a:r>
+          </a:p>
+          <a:p>
+            <a:pPr marL="1143000" lvl="1" indent="-342900" algn="just">
+              <a:spcBef>
+                <a:spcPts val="575"/>
+              </a:spcBef>
+              <a:buFont typeface="Wingdings" panose="05000000000000000000" pitchFamily="2" charset="2"/>
+              <a:buChar char="§"/>
+              <a:defRPr lang="en-us" sz="2000" cap="none">
+                <a:solidFill>
+                  <a:srgbClr val="0000FF"/>
+                </a:solidFill>
+                <a:latin typeface="Trebuchet MS" pitchFamily="2" charset="0"/>
+                <a:ea typeface="Calibri" pitchFamily="2" charset="0"/>
+                <a:cs typeface="Calibri" pitchFamily="2" charset="0"/>
+              </a:defRPr>
+            </a:pPr>
+            <a:r>
+              <a:rPr lang="en-US" dirty="0"/>
+              <a:t>Three dimension normalization is applied to all coordinate points. The flow of information is easily adaptable and adjustable via graphs. The training and classification of hand gestures is done using </a:t>
+            </a:r>
+            <a:r>
+              <a:rPr lang="en-US" dirty="0" err="1"/>
+              <a:t>MediaPipe</a:t>
+            </a:r>
+            <a:r>
+              <a:rPr lang="en-US" dirty="0"/>
+              <a:t>.</a:t>
+            </a:r>
+            <a:endParaRPr lang="en-US" sz="2000" dirty="0"/>
           </a:p>
         </p:txBody>
       </p:sp>
     </p:spTree>
+    <p:extLst>
+      <p:ext uri="{BB962C8B-B14F-4D97-AF65-F5344CB8AC3E}">
+        <p14:creationId xmlns:p14="http://schemas.microsoft.com/office/powerpoint/2010/main" val="2544170566"/>
+      </p:ext>
+    </p:extLst>
   </p:cSld>
   <p:clrMapOvr>
     <a:masterClrMapping/>
@@ -14024,7 +14875,7 @@
           <p:cNvSpPr>
             <a:extLst>
               <a:ext uri="smNativeData">
-                <pr:smNativeData xmlns:mc="http://schemas.openxmlformats.org/markup-compatibility/2006" xmlns:p14="http://schemas.microsoft.com/office/powerpoint/2010/main" xmlns:p15="http://schemas.microsoft.com/office/powerpoint/2012/main" xmlns:pr="smNativeData" xmlns="smNativeData" val="SMDATA_15_3RkyYhMAAAAlAAAAZAAAAA0AAAAAkAAAAEgAAACQAAAASAAAAAAAAAABAAAAAAAAAAEAAABQAAAAAAAAAAAA4D8AAAAAAADgPwAAAAAAAOA/AAAAAAAA4D8AAAAAAADgPwAAAAAAAOA/AAAAAAAA4D8AAAAAAADgPwAAAAAAAOA/AAAAAAAA4D8CAAAAjAAAAAEAAAAAAAAAM8zMAP///wgAAAAAAAAAAAAAAAAAAAAAAAAAAAAAAAAAAAAAeAAAAAEAAABAAAAAAAAAAAAAAABaAAAAAAAAAAAAAAAAAAAAAAAAAAAAAAAAAAAAAAAAAAAAAAAAAAAAAAAAAAAAAAAAAAAAAAAAAAAAAAAAAAAAAAAAAAAAAAAAAAAAFAAAADwAAAAAAAAAAAAAAAAAAAkUAAAAAQAAABQAAAAUAAAAFAAAAAEAAAAAAAAAZAAAAGQAAAAAAAAAZAAAAGQAAAAVAAAAYAAAAAAAAAAAAAAADwAAACADAAAAAAAAAAAAAAEAAACgMgAAVgcAAKr4//8BAAAAf39/AAEAAABkAAAAAAAAABQAAABAHwAAAAAAACYAAAAAAAAAwOD//wAAAAAmAAAAZAAAABYAAABMAAAAAAAAAAAAAAAEAAAAAAAAAAEAAADn5uYKAAAAACgAAAAoAAAAZAAAAGQAAAAAAAAAzMzMAAAAAABQAAAAUAAAAGQAAABkAAAAAAAAABcAAAAUAAAAAAAAAAAAAAD/fwAA/38AAAAAAAAJAAAABAAAAAAAAAAeAAAAaAAAAAAAAAAAAAAAAAAAAAAAAAAAAAAAECcAABAnAAAAAAAAAAAAAAAAAAAAAAAAAAAAAAAAAAAAAAAAAAAAABQAAAAAAAAAwMD/AAAAAABkAAAAMgAAAAAAAABkAAAAAAAAAH9/fwAKAAAAIgAAABgAAAAAAAAAAAAAAAAAAAAAAAAAAAAAAAAAAAAkAAAAJAAAAAAAAAAHAAAAAAAAAAAAAAAAAAAAAAAAAAAAAAAAAAAAf39/ACUAAABYAAAAAAAAAAAAAAAAAAAAAAAAAAAAAAAAAAAAAAAAAAAAAAAAAAAAAAAAAAAAAAA/AAAAAAAAAKCGAQAAAAAAAAAAAAAAAAAMAAAAAQAAAAAAAAAAAAAAAAAAAB8AAABUAAAAM8zMAP///wEAAAAAAAAAAAAAAAAAAAAAAAAAAAAAAAAAAAAAAAAAAAAAAAJ/f38A5+bmA8zMzADAwP8Af39/AAAAAAAAAAAAAAAAAAAAAAAAAAAAIQAAABgAAAAUAAAAwBIAALoJAACgQQAA9AkAABAAAAAmAAAACAAAAP//////////"/>
+                <pr:smNativeData xmlns="smNativeData" xmlns:pr="smNativeData" xmlns:p15="http://schemas.microsoft.com/office/powerpoint/2012/main" xmlns:p14="http://schemas.microsoft.com/office/powerpoint/2010/main" xmlns:mc="http://schemas.openxmlformats.org/markup-compatibility/2006" val="SMDATA_15_3RkyYhMAAAAlAAAAZAAAAA0AAAAAkAAAAEgAAACQAAAASAAAAAAAAAABAAAAAAAAAAEAAABQAAAAAAAAAAAA4D8AAAAAAADgPwAAAAAAAOA/AAAAAAAA4D8AAAAAAADgPwAAAAAAAOA/AAAAAAAA4D8AAAAAAADgPwAAAAAAAOA/AAAAAAAA4D8CAAAAjAAAAAEAAAAAAAAAM8zMAP///wgAAAAAAAAAAAAAAAAAAAAAAAAAAAAAAAAAAAAAeAAAAAEAAABAAAAAAAAAAAAAAABaAAAAAAAAAAAAAAAAAAAAAAAAAAAAAAAAAAAAAAAAAAAAAAAAAAAAAAAAAAAAAAAAAAAAAAAAAAAAAAAAAAAAAAAAAAAAAAAAAAAAFAAAADwAAAAAAAAAAAAAAAAAAAkUAAAAAQAAABQAAAAUAAAAFAAAAAEAAAAAAAAAZAAAAGQAAAAAAAAAZAAAAGQAAAAVAAAAYAAAAAAAAAAAAAAADwAAACADAAAAAAAAAAAAAAEAAACgMgAAVgcAAKr4//8BAAAAf39/AAEAAABkAAAAAAAAABQAAABAHwAAAAAAACYAAAAAAAAAwOD//wAAAAAmAAAAZAAAABYAAABMAAAAAAAAAAAAAAAEAAAAAAAAAAEAAADn5uYKAAAAACgAAAAoAAAAZAAAAGQAAAAAAAAAzMzMAAAAAABQAAAAUAAAAGQAAABkAAAAAAAAABcAAAAUAAAAAAAAAAAAAAD/fwAA/38AAAAAAAAJAAAABAAAAAAAAAAeAAAAaAAAAAAAAAAAAAAAAAAAAAAAAAAAAAAAECcAABAnAAAAAAAAAAAAAAAAAAAAAAAAAAAAAAAAAAAAAAAAAAAAABQAAAAAAAAAwMD/AAAAAABkAAAAMgAAAAAAAABkAAAAAAAAAH9/fwAKAAAAIgAAABgAAAAAAAAAAAAAAAAAAAAAAAAAAAAAAAAAAAAkAAAAJAAAAAAAAAAHAAAAAAAAAAAAAAAAAAAAAAAAAAAAAAAAAAAAf39/ACUAAABYAAAAAAAAAAAAAAAAAAAAAAAAAAAAAAAAAAAAAAAAAAAAAAAAAAAAAAAAAAAAAAA/AAAAAAAAAKCGAQAAAAAAAAAAAAAAAAAMAAAAAQAAAAAAAAAAAAAAAAAAAB8AAABUAAAAM8zMAP///wEAAAAAAAAAAAAAAAAAAAAAAAAAAAAAAAAAAAAAAAAAAAAAAAJ/f38A5+bmA8zMzADAwP8Af39/AAAAAAAAAAAAAAAAAAAAAAAAAAAAIQAAABgAAAAUAAAAwBIAALoJAACgQQAA9AkAABAAAAAmAAAACAAAAP//////////"/>
               </a:ext>
             </a:extLst>
           </p:cNvSpPr>
@@ -14070,7 +14921,7 @@
           <p:cNvSpPr>
             <a:extLst>
               <a:ext uri="smNativeData">
-                <pr:smNativeData xmlns:mc="http://schemas.openxmlformats.org/markup-compatibility/2006" xmlns:p14="http://schemas.microsoft.com/office/powerpoint/2010/main" xmlns:p15="http://schemas.microsoft.com/office/powerpoint/2012/main" xmlns:pr="smNativeData" xmlns="smNativeData" val="SMDATA_15_3RkyYhMAAAAlAAAAZAAAAA0AAAAAkAAAAEgAAACQAAAASAAAAAAAAAAAAAAAAAAAAAEAAABQAAAAAAAAAAAA4D8AAAAAAADgPwAAAAAAAOA/AAAAAAAA4D8AAAAAAADgPwAAAAAAAOA/AAAAAAAA4D8AAAAAAADgPwAAAAAAAOA/AAAAAAAA4D8CAAAAjAAAAAAAAAAAAAAARHLEDP///wgAAAAAAAAAAAAAAAAAAAAAAAAAAAAAAAAAAAAAZAAAAAEAAABAAAAAAAAAAAAAAAAAAAAAAAAAAAAAAAAAAAAAAAAAAAAAAAAAAAAAAAAAAAAAAAAAAAAAAAAAAAAAAAAAAAAAAAAAAAAAAAAAAAAAAAAAAAAAAAAAAAAAFAAAADwAAAAAAAAAAAAAAAAAAAkUAAAAAQAAABQAAAAUAAAAFAAAAAEAAAAAAAAAZAAAAGQAAAAAAAAAZAAAAGQAAAAVAAAAYAAAAAAAAAAAAAAADwAAACADAAAAAAAAAAAAAAEAAACgMgAAVgcAAKr4//8BAAAAf39/AAEAAABkAAAAAAAAABQAAABAHwAAAAAAACYAAAAAAAAAwOD//wAAAAAmAAAAZAAAABYAAABMAAAAAAAAAAAAAAAEAAAAAAAAAAEAAADn5uYKAAAAACgAAAAoAAAAZAAAAGQAAAAAAAAAzMzMAAAAAABQAAAAUAAAAGQAAABkAAAAAAAAABcAAAAUAAAAAAAAAAAAAAD/fwAA/38AAAAAAAAJAAAABAAAAPX///8eAAAAaAAAAAAAAAAAAAAAAAAAAAAAAAAAAAAAECcAABAnAAAAAAAAAAAAAAAAAAAAAAAAAAAAAAAAAAAAAAAAAAAAABQAAAAAAAAAwMD/AAAAAABkAAAAMgAAAAAAAABkAAAAAAAAAH9/fwAKAAAAIgAAABgAAAAAAAAAAAAAAAAAAAAAAAAAAAAAAAAAAAAkAAAAJAAAAAAAAAAHAAAAAAAAAAAAAAAAAAAAAAAAAAAAAAAAAAAAf39/ACUAAABYAAAAAAAAAAAAAAAAAAAAAAAAAAAAAAAAAAAAAAAAAAAAAAAAAAAAAAAAAAAAAAA/AAAAAAAAAKCGAQAAAAAAAAAAAAAAAAAMAAAAAQAAAAAAAAAAAAAAAAAAAB8AAABUAAAARHLEBf///wEAAAAAAAAAAAAAAAAAAAAAAAAAAAAAAAAAAAAAAAAAAAAAAAJ/f38A5+bmA8zMzADAwP8Af39/AAAAAAAAAAAAAAAAAAAAAAAAAAAAIQAAABgAAAAUAAAA8hUAAAgHAACgQQAA3wkAABAAAAAmAAAACAAAAP//////////"/>
+                <pr:smNativeData xmlns="smNativeData" xmlns:pr="smNativeData" xmlns:p15="http://schemas.microsoft.com/office/powerpoint/2012/main" xmlns:p14="http://schemas.microsoft.com/office/powerpoint/2010/main" xmlns:mc="http://schemas.openxmlformats.org/markup-compatibility/2006" val="SMDATA_15_3RkyYhMAAAAlAAAAZAAAAA0AAAAAkAAAAEgAAACQAAAASAAAAAAAAAAAAAAAAAAAAAEAAABQAAAAAAAAAAAA4D8AAAAAAADgPwAAAAAAAOA/AAAAAAAA4D8AAAAAAADgPwAAAAAAAOA/AAAAAAAA4D8AAAAAAADgPwAAAAAAAOA/AAAAAAAA4D8CAAAAjAAAAAAAAAAAAAAARHLEDP///wgAAAAAAAAAAAAAAAAAAAAAAAAAAAAAAAAAAAAAZAAAAAEAAABAAAAAAAAAAAAAAAAAAAAAAAAAAAAAAAAAAAAAAAAAAAAAAAAAAAAAAAAAAAAAAAAAAAAAAAAAAAAAAAAAAAAAAAAAAAAAAAAAAAAAAAAAAAAAAAAAAAAAFAAAADwAAAAAAAAAAAAAAAAAAAkUAAAAAQAAABQAAAAUAAAAFAAAAAEAAAAAAAAAZAAAAGQAAAAAAAAAZAAAAGQAAAAVAAAAYAAAAAAAAAAAAAAADwAAACADAAAAAAAAAAAAAAEAAACgMgAAVgcAAKr4//8BAAAAf39/AAEAAABkAAAAAAAAABQAAABAHwAAAAAAACYAAAAAAAAAwOD//wAAAAAmAAAAZAAAABYAAABMAAAAAAAAAAAAAAAEAAAAAAAAAAEAAADn5uYKAAAAACgAAAAoAAAAZAAAAGQAAAAAAAAAzMzMAAAAAABQAAAAUAAAAGQAAABkAAAAAAAAABcAAAAUAAAAAAAAAAAAAAD/fwAA/38AAAAAAAAJAAAABAAAAF8AYAAeAAAAaAAAAAAAAAAAAAAAAAAAAAAAAAAAAAAAECcAABAnAAAAAAAAAAAAAAAAAAAAAAAAAAAAAAAAAAAAAAAAAAAAABQAAAAAAAAAwMD/AAAAAABkAAAAMgAAAAAAAABkAAAAAAAAAH9/fwAKAAAAIgAAABgAAAAAAAAAAAAAAAAAAAAAAAAAAAAAAAAAAAAkAAAAJAAAAAAAAAAHAAAAAAAAAAAAAAAAAAAAAAAAAAAAAAAAAAAAf39/ACUAAABYAAAAAAAAAAAAAAAAAAAAAAAAAAAAAAAAAAAAAAAAAAAAAAAAAAAAAAAAAAAAAAA/AAAAAAAAAKCGAQAAAAAAAAAAAAAAAAAMAAAAAQAAAAAAAAAAAAAAAAAAAB8AAABUAAAARHLEBf///wEAAAAAAAAAAAAAAAAAAAAAAAAAAAAAAAAAAAAAAAAAAAAAAAJ/f38A5+bmA8zMzADAwP8Af39/AAAAAAAAAAAAAAAAAAAAAAAAAAAAIQAAABgAAAAUAAAA8hUAAAgHAACgQQAA3wkAAAAAAAAmAAAACAAAAP//////////"/>
               </a:ext>
             </a:extLst>
           </p:cNvSpPr>
@@ -14078,8 +14929,8 @@
         </p:nvSpPr>
         <p:spPr>
           <a:xfrm>
-            <a:off x="3567430" y="1143000"/>
-            <a:ext cx="7100570" cy="461645"/>
+            <a:off x="1203158" y="1061832"/>
+            <a:ext cx="9464842" cy="449427"/>
           </a:xfrm>
           <a:prstGeom prst="rect">
             <a:avLst/>
@@ -14098,7 +14949,7 @@
               <a:defRPr lang="en-us"/>
             </a:pPr>
             <a:r>
-              <a:rPr lang="en-us" sz="2400" cap="none">
+              <a:rPr lang="en-us" sz="2400" cap="none" dirty="0">
                 <a:solidFill>
                   <a:srgbClr val="FF0000"/>
                 </a:solidFill>
@@ -14106,8 +14957,14 @@
                 <a:ea typeface="Calibri" pitchFamily="2" charset="0"/>
                 <a:cs typeface="Calibri" pitchFamily="2" charset="0"/>
               </a:rPr>
-              <a:t>Conclusion</a:t>
-            </a:r>
+              <a:t>4 - Literature Survey</a:t>
+            </a:r>
+            <a:endParaRPr lang="en-us" sz="2400" cap="none" dirty="0">
+              <a:solidFill>
+                <a:srgbClr val="FF0000"/>
+              </a:solidFill>
+              <a:latin typeface="Trebuchet MS" panose="020B0603020202020204" pitchFamily="34" charset="0"/>
+            </a:endParaRPr>
           </a:p>
         </p:txBody>
       </p:sp>
@@ -14117,7 +14974,7 @@
           <p:cNvPicPr>
             <a:extLst>
               <a:ext uri="smNativeData">
-                <pr:smNativeData xmlns:mc="http://schemas.openxmlformats.org/markup-compatibility/2006" xmlns:p14="http://schemas.microsoft.com/office/powerpoint/2010/main" xmlns:p15="http://schemas.microsoft.com/office/powerpoint/2012/main" xmlns:pr="smNativeData" xmlns="smNativeData" val="SMDATA_17_3RkyYhMAAAAlAAAAEQAAAA0AAAAAkAAAAEgAAACQAAAASAAAAAAAAAAAAAAAAAAAAAEAAABQAAAAAAAAAAAA4D8AAAAAAADgPwAAAAAAAOA/AAAAAAAA4D8AAAAAAADgPwAAAAAAAOA/AAAAAAAA4D8AAAAAAADgPwAAAAAAAOA/AAAAAAAA4D8CAAAAjAAAAAAAAAAAAAAARHLEDP///wgAAAAAAAAAAAAAAAAAAAAAAAAAAAAAAAAAAAAAZAAAAAEAAABAAAAAAAAAAAAAAAAAAAAAAAAAAAAAAAAAAAAAAAAAAAAAAAAAAAAAAAAAAAAAAAAAAAAAAAAAAAAAAAAAAAAAAAAAAAAAAAAAAAAAAAAAAAAAAAAAAAAAFAAAADwAAAAAAAAAAAAAAAAAAAkUAAAAAQAAABQAAAAUAAAAFAAAAAEAAAAAAAAAZAAAAGQAAAAAAAAAZAAAAGQAAAAVAAAAYAAAAAAAAAAAAAAADwAAACADAAAAAAAAAAAAAAEAAACgMgAAVgcAAKr4//8BAAAAf39/AAEAAABkAAAAAAAAABQAAABAHwAAAAAAACYAAAAAAAAAwOD//wAAAAAmAAAAZAAAABYAAABMAAAAAAAAAAAAAAAEAAAAAAAAAAEAAADn5uYKAAAAACgAAAAoAAAAZAAAAGQAAAAAAAAAzMzMAAAAAABQAAAAUAAAAGQAAABkAAAAAAAAAAcAAAA4AAAAAAAAAAAAAAAAAAAA////AAAAAAAAAAAAAAAAAAAAAAAAAAAAAAAAAAAAAABkAAAAZAAAAAAAAAAjAAAABAAAAGQAAAAXAAAAFAAAAAAAAAAAAAAA/38AAP9/AAAAAAAACQAAAAQAAAAa0QtzHgAAAGgAAAAAAAAAAAAAAAAAAAAAAAAAAAAAABAnAAAQJwAAAAAAAAAAAAAAAAAAAAAAAAAAAAAAAAAAAAAAAAAAAAAUAAAAAAAAAMDA/wAAAAAAZAAAADIAAAAAAAAAZAAAAAAAAAB/f38ACgAAACIAAAAYAAAAAAAAAAAAAAAAAAAAAAAAAAAAAAAAAAAAJAAAACQAAAAAAAAABwAAAAAAAAAAAAAAAAAAAAAAAAAAAAAAAAAAAH9/fwAlAAAAWAAAAAAAAAAAAAAAAAAAAAAAAAAAAAAAAAAAAAAAAAAAAAAAAAAAAAAAAAAAAAAAPwAAAAAAAACghgEAAAAAAAAAAAAAAAAADAAAAAEAAAAAAAAAAAAAAAAAAAAfAAAAVAAAAERyxAX///8BAAAAAAAAAAAAAAAAAAAAAAAAAAAAAAAAAAAAAAAAAAAAAAACf39/AOfm5gPMzMwAwMD/AH9/fwAAAAAAAAAAAAAAAAD///8AAAAAACEAAAAYAAAAFAAAAGVFAACIAAAAXkgAAKkFAAAQAAAAJgAAAAgAAAD//////////w=="/>
+                <pr:smNativeData xmlns="smNativeData" xmlns:pr="smNativeData" xmlns:p15="http://schemas.microsoft.com/office/powerpoint/2012/main" xmlns:p14="http://schemas.microsoft.com/office/powerpoint/2010/main" xmlns:mc="http://schemas.openxmlformats.org/markup-compatibility/2006" val="SMDATA_17_3RkyYhMAAAAlAAAAEQAAAA0AAAAAkAAAAEgAAACQAAAASAAAAAAAAAAAAAAAAAAAAAEAAABQAAAAAAAAAAAA4D8AAAAAAADgPwAAAAAAAOA/AAAAAAAA4D8AAAAAAADgPwAAAAAAAOA/AAAAAAAA4D8AAAAAAADgPwAAAAAAAOA/AAAAAAAA4D8CAAAAjAAAAAAAAAAAAAAARHLEDP///wgAAAAAAAAAAAAAAAAAAAAAAAAAAAAAAAAAAAAAZAAAAAEAAABAAAAAAAAAAAAAAAAAAAAAAAAAAAAAAAAAAAAAAAAAAAAAAAAAAAAAAAAAAAAAAAAAAAAAAAAAAAAAAAAAAAAAAAAAAAAAAAAAAAAAAAAAAAAAAAAAAAAAFAAAADwAAAAAAAAAAAAAAAAAAAkUAAAAAQAAABQAAAAUAAAAFAAAAAEAAAAAAAAAZAAAAGQAAAAAAAAAZAAAAGQAAAAVAAAAYAAAAAAAAAAAAAAADwAAACADAAAAAAAAAAAAAAEAAACgMgAAVgcAAKr4//8BAAAAf39/AAEAAABkAAAAAAAAABQAAABAHwAAAAAAACYAAAAAAAAAwOD//wAAAAAmAAAAZAAAABYAAABMAAAAAAAAAAAAAAAEAAAAAAAAAAEAAADn5uYKAAAAACgAAAAoAAAAZAAAAGQAAAAAAAAAzMzMAAAAAABQAAAAUAAAAGQAAABkAAAAAAAAAAcAAAA4AAAAAAAAAAAAAAAAAAAA////AAAAAAAAAAAAAAAAAAAAAAAAAAAAAAAAAAAAAABkAAAAZAAAAAAAAAAjAAAABAAAAGQAAAAXAAAAFAAAAAAAAAAAAAAA/38AAP9/AAAAAAAACQAAAAQAAAAAAAAAHgAAAGgAAAAAAAAAAAAAAAAAAAAAAAAAAAAAABAnAAAQJwAAAAAAAAAAAAAAAAAAAAAAAAAAAAAAAAAAAAAAAAAAAAAUAAAAAAAAAMDA/wAAAAAAZAAAADIAAAAAAAAAZAAAAAAAAAB/f38ACgAAACIAAAAYAAAAAAAAAAAAAAAAAAAAAAAAAAAAAAAAAAAAJAAAACQAAAAAAAAABwAAAAAAAAAAAAAAAAAAAAAAAAAAAAAAAAAAAH9/fwAlAAAAWAAAAAAAAAAAAAAAAAAAAAAAAAAAAAAAAAAAAAAAAAAAAAAAAAAAAAAAAAAAAAAAPwAAAAAAAACghgEAAAAAAAAAAAAAAAAADAAAAAEAAAAAAAAAAAAAAAAAAAAfAAAAVAAAAERyxAX///8BAAAAAAAAAAAAAAAAAAAAAAAAAAAAAAAAAAAAAAAAAAAAAAACf39/AOfm5gPMzMwAwMD/AH9/fwAAAAAAAAAAAAAAAAD///8AAAAAACEAAAAYAAAAFAAAAGVFAACIAAAAXkgAAKkFAAAQAAAAJgAAAAgAAAD//////////w=="/>
               </a:ext>
             </a:extLst>
           </p:cNvPicPr>
@@ -14146,11 +15003,17 @@
       </p:pic>
       <p:sp>
         <p:nvSpPr>
-          <p:cNvPr id="5" name="Google Shape;62;p8"/>
-          <p:cNvSpPr>
-            <a:extLst>
-              <a:ext uri="smNativeData">
-                <pr:smNativeData xmlns:mc="http://schemas.openxmlformats.org/markup-compatibility/2006" xmlns:p14="http://schemas.microsoft.com/office/powerpoint/2010/main" xmlns:p15="http://schemas.microsoft.com/office/powerpoint/2012/main" xmlns:pr="smNativeData" xmlns="smNativeData" val="SMDATA_15_3RkyYhMAAAAlAAAAZAAAAA0AAAAAkAAAAEgAAACQAAAASAAAAAAAAAABAAAAAAAAAAEAAABQAAAAAAAAAAAA4D8AAAAAAADgPwAAAAAAAOA/AAAAAAAA4D8AAAAAAADgPwAAAAAAAOA/AAAAAAAA4D8AAAAAAADgPwAAAAAAAOA/AAAAAAAA4D8CAAAAjAAAAAAAAAAAAAAARHLEDP///wgAAAAAAAAAAAAAAAAAAAAAAAAAAAAAAAAAAAAAZAAAAAEAAABAAAAAAAAAAAAAAAAAAAAAAAAAAAAAAAAAAAAAAAAAAAAAAAAAAAAAAAAAAAAAAAAAAAAAAAAAAAAAAAAAAAAAAAAAAAAAAAAAAAAAAAAAAAAAAAAAAAAAFAAAADwAAAAAAAAAAAAAAAAAAAkUAAAAAQAAABQAAAAUAAAAFAAAAAEAAAAAAAAAZAAAAGQAAAAAAAAAZAAAAGQAAAAVAAAAYAAAAAAAAAAAAAAADwAAACADAAAAAAAAAAAAAAEAAACgMgAAVgcAAKr4//8BAAAAf39/AAEAAABkAAAAAAAAABQAAABAHwAAAAAAACYAAAAAAAAAwOD//wAAAAAmAAAAZAAAABYAAABMAAAAAAAAAAAAAAAEAAAAAAAAAAEAAADn5uYKAAAAACgAAAAoAAAAZAAAAGQAAAAAAAAAzMzMAAAAAABQAAAAUAAAAGQAAABkAAAAAAAAABcAAAAUAAAAAAAAAAAAAAD/fwAA/38AAAAAAAAJAAAABAAAAAQAAAAeAAAAaAAAAAAAAAAAAAAAAAAAAAAAAAAAAAAAECcAABAnAAAAAAAAAAAAAAAAAAAAAAAAAAAAAAAAAAAAAAAAAAAAABQAAAAAAAAAwMD/AAAAAABkAAAAMgAAAAAAAABkAAAAAAAAAH9/fwAKAAAAIgAAABgAAAAAAAAAAAAAAAAAAAAAAAAAAAAAAAAAAAAkAAAAJAAAAAAAAAAHAAAAAAAAAAAAAAAAAAAAAAAAAAAAAAAAAAAAf39/ACUAAABYAAAAAAAAAAAAAAAAAAAAAAAAAAAAAAAAAAAAAAAAAAAAAAAAAAAAAAAAAAAAAAA/AAAAAAAAAKCGAQAAAAAAAAAAAAAAAAAMAAAAAQAAAAAAAAAAAAAAAAAAAB8AAABUAAAARHLEBf///wEAAAAAAAAAAAAAAAAAAAAAAAAAAAAAAAAAAAAAAAAAAAAAAAJ/f38A5+bmA8zMzADAwP8Af39/AAAAAAAAAAAAAAAAAAAAAAAAAAAAIQAAABgAAAAUAAAA+xEAAPQJAACgQQAAZR8AABAAAAAmAAAACAAAAP//////////"/>
+          <p:cNvPr id="8" name="Google Shape;62;p8">
+            <a:extLst>
+              <a:ext uri="{FF2B5EF4-FFF2-40B4-BE49-F238E27FC236}">
+                <a16:creationId xmlns:a16="http://schemas.microsoft.com/office/drawing/2014/main" id="{1BE0F80C-5831-4E02-BBA5-AFE5C0C01FE6}"/>
+              </a:ext>
+            </a:extLst>
+          </p:cNvPr>
+          <p:cNvSpPr>
+            <a:extLst>
+              <a:ext uri="smNativeData">
+                <pr:smNativeData xmlns:mc="http://schemas.openxmlformats.org/markup-compatibility/2006" xmlns:p14="http://schemas.microsoft.com/office/powerpoint/2010/main" xmlns:p15="http://schemas.microsoft.com/office/powerpoint/2012/main" xmlns:pr="smNativeData" xmlns="smNativeData" val="SMDATA_15_3RkyYhMAAAAlAAAAZAAAAA0AAAAAkAAAAEgAAACQAAAASAAAAAAAAAABAAAAAAAAAAEAAABQAAAAAAAAAAAA4D8AAAAAAADgPwAAAAAAAOA/AAAAAAAA4D8AAAAAAADgPwAAAAAAAOA/AAAAAAAA4D8AAAAAAADgPwAAAAAAAOA/AAAAAAAA4D8CAAAAjAAAAAAAAAAAAAAARHLEDP///wgAAAAAAAAAAAAAAAAAAAAAAAAAAAAAAAAAAAAAZAAAAAEAAABAAAAAAAAAAAAAAAAAAAAAAAAAAAAAAAAAAAAAAAAAAAAAAAAAAAAAAAAAAAAAAAAAAAAAAAAAAAAAAAAAAAAAAAAAAAAAAAAAAAAAAAAAAAAAAAAAAAAAFAAAADwAAAAAAAAAAAAAAAAAAAkUAAAAAQAAABQAAAAUAAAAFAAAAAEAAAAAAAAAZAAAAGQAAAAAAAAAZAAAAGQAAAAVAAAAYAAAAAAAAAAAAAAADwAAACADAAAAAAAAAAAAAAEAAACgMgAAVgcAAKr4//8BAAAAf39/AAEAAABkAAAAAAAAABQAAABAHwAAAAAAACYAAAAAAAAAwOD//wAAAAAmAAAAZAAAABYAAABMAAAAAAAAAAAAAAAEAAAAAAAAAAEAAADn5uYKAAAAACgAAAAoAAAAZAAAAGQAAAAAAAAAzMzMAAAAAABQAAAAUAAAAGQAAABkAAAAAAAAABcAAAAUAAAAAAAAAAAAAAD/fwAA/38AAAAAAAAJAAAABAAAAAAAAAAeAAAAaAAAAAAAAAAAAAAAAAAAAAAAAAAAAAAAECcAABAnAAAAAAAAAAAAAAAAAAAAAAAAAAAAAAAAAAAAAAAAAAAAABQAAAAAAAAAwMD/AAAAAABkAAAAMgAAAAAAAABkAAAAAAAAAH9/fwAKAAAAIgAAABgAAAAAAAAAAAAAAAAAAAAAAAAAAAAAAAAAAAAkAAAAJAAAAAAAAAAHAAAAAAAAAAAAAAAAAAAAAAAAAAAAAAAAAAAAf39/ACUAAABYAAAAAAAAAAAAAAAAAAAAAAAAAAAAAAAAAAAAAAAAAAAAAAAAAAAAAAAAAAAAAAA/AAAAAAAAAKCGAQAAAAAAAAAAAAAAAAAMAAAAAQAAAAAAAAAAAAAAAAAAAB8AAABUAAAARHLEBf///wEAAAAAAAAAAAAAAAAAAAAAAAAAAAAAAAAAAAAAAAAAAAAAAAJ/f38A5+bmA8zMzADAwP8Af39/AAAAAAAAAAAAAAAAAAAAAAAAAAAAIQAAABgAAAAUAAAAMh8AAOUJAADURQAAZigAAAAAAAAmAAAACAAAAP//////////"/>
               </a:ext>
             </a:extLst>
           </p:cNvSpPr>
@@ -14158,8 +15021,8 @@
         </p:nvSpPr>
         <p:spPr>
           <a:xfrm>
-            <a:off x="2922905" y="1617980"/>
-            <a:ext cx="7745095" cy="3485515"/>
+            <a:off x="1014687" y="1586656"/>
+            <a:ext cx="8699584" cy="1246466"/>
           </a:xfrm>
           <a:prstGeom prst="rect">
             <a:avLst/>
@@ -14174,35 +15037,158 @@
           <a:bodyPr vert="horz" wrap="square" lIns="91440" tIns="45720" rIns="91440" bIns="45720" numCol="1" spcCol="215900" anchor="ctr"/>
           <a:lstStyle/>
           <a:p>
-            <a:pPr marL="342900" indent="12700" algn="just">
+            <a:pPr marL="342900" algn="just">
               <a:spcBef>
                 <a:spcPts val="575"/>
               </a:spcBef>
-              <a:spcAft>
-                <a:spcPts val="0"/>
-              </a:spcAft>
-              <a:defRPr lang="en-us"/>
-            </a:pPr>
-            <a:r>
-              <a:rPr lang="en-in" sz="2400" cap="none">
+              <a:defRPr lang="en-us" sz="2000" cap="none">
                 <a:solidFill>
                   <a:srgbClr val="0000FF"/>
                 </a:solidFill>
                 <a:latin typeface="Trebuchet MS" pitchFamily="2" charset="0"/>
                 <a:ea typeface="Calibri" pitchFamily="2" charset="0"/>
                 <a:cs typeface="Calibri" pitchFamily="2" charset="0"/>
-              </a:rPr>
-              <a:t>State the conclusion of your work.</a:t>
-            </a:r>
-            <a:endParaRPr lang="en-in" sz="2000" cap="none">
-              <a:latin typeface="Trebuchet MS" pitchFamily="2" charset="0"/>
-              <a:ea typeface="Calibri" pitchFamily="2" charset="0"/>
-              <a:cs typeface="Calibri" pitchFamily="2" charset="0"/>
-            </a:endParaRPr>
+              </a:defRPr>
+            </a:pPr>
+            <a:r>
+              <a:rPr lang="en-US" dirty="0"/>
+              <a:t>C. Human Computer Interaction </a:t>
+            </a:r>
+          </a:p>
+          <a:p>
+            <a:pPr marL="342900" algn="just">
+              <a:spcBef>
+                <a:spcPts val="575"/>
+              </a:spcBef>
+              <a:defRPr lang="en-us" sz="2000" cap="none">
+                <a:solidFill>
+                  <a:srgbClr val="0000FF"/>
+                </a:solidFill>
+                <a:latin typeface="Trebuchet MS" pitchFamily="2" charset="0"/>
+                <a:ea typeface="Calibri" pitchFamily="2" charset="0"/>
+                <a:cs typeface="Calibri" pitchFamily="2" charset="0"/>
+              </a:defRPr>
+            </a:pPr>
+            <a:r>
+              <a:rPr lang="en-US" dirty="0"/>
+              <a:t>The block diagram of the human computer interaction (HCI) is shown</a:t>
+            </a:r>
+            <a:endParaRPr lang="en-US" sz="2000" dirty="0"/>
+          </a:p>
+        </p:txBody>
+      </p:sp>
+      <p:pic>
+        <p:nvPicPr>
+          <p:cNvPr id="7" name="Picture 6">
+            <a:extLst>
+              <a:ext uri="{FF2B5EF4-FFF2-40B4-BE49-F238E27FC236}">
+                <a16:creationId xmlns:a16="http://schemas.microsoft.com/office/drawing/2014/main" id="{4AA07A68-3C3E-48CB-8882-DC73284ACAEF}"/>
+              </a:ext>
+            </a:extLst>
+          </p:cNvPr>
+          <p:cNvPicPr>
+            <a:picLocks noChangeAspect="1"/>
+          </p:cNvPicPr>
+          <p:nvPr/>
+        </p:nvPicPr>
+        <p:blipFill>
+          <a:blip r:embed="rId4"/>
+          <a:stretch>
+            <a:fillRect/>
+          </a:stretch>
+        </p:blipFill>
+        <p:spPr>
+          <a:xfrm>
+            <a:off x="2477729" y="2662017"/>
+            <a:ext cx="7148052" cy="2470422"/>
+          </a:xfrm>
+          <a:prstGeom prst="rect">
+            <a:avLst/>
+          </a:prstGeom>
+        </p:spPr>
+      </p:pic>
+      <p:sp>
+        <p:nvSpPr>
+          <p:cNvPr id="9" name="Google Shape;62;p8">
+            <a:extLst>
+              <a:ext uri="{FF2B5EF4-FFF2-40B4-BE49-F238E27FC236}">
+                <a16:creationId xmlns:a16="http://schemas.microsoft.com/office/drawing/2014/main" id="{04552D0E-816A-4FBA-8142-1029B36BC572}"/>
+              </a:ext>
+            </a:extLst>
+          </p:cNvPr>
+          <p:cNvSpPr>
+            <a:extLst>
+              <a:ext uri="smNativeData">
+                <pr:smNativeData xmlns:mc="http://schemas.openxmlformats.org/markup-compatibility/2006" xmlns:p14="http://schemas.microsoft.com/office/powerpoint/2010/main" xmlns:p15="http://schemas.microsoft.com/office/powerpoint/2012/main" xmlns:pr="smNativeData" xmlns="smNativeData" val="SMDATA_15_3RkyYhMAAAAlAAAAZAAAAA0AAAAAkAAAAEgAAACQAAAASAAAAAAAAAABAAAAAAAAAAEAAABQAAAAAAAAAAAA4D8AAAAAAADgPwAAAAAAAOA/AAAAAAAA4D8AAAAAAADgPwAAAAAAAOA/AAAAAAAA4D8AAAAAAADgPwAAAAAAAOA/AAAAAAAA4D8CAAAAjAAAAAAAAAAAAAAARHLEDP///wgAAAAAAAAAAAAAAAAAAAAAAAAAAAAAAAAAAAAAZAAAAAEAAABAAAAAAAAAAAAAAAAAAAAAAAAAAAAAAAAAAAAAAAAAAAAAAAAAAAAAAAAAAAAAAAAAAAAAAAAAAAAAAAAAAAAAAAAAAAAAAAAAAAAAAAAAAAAAAAAAAAAAFAAAADwAAAAAAAAAAAAAAAAAAAkUAAAAAQAAABQAAAAUAAAAFAAAAAEAAAAAAAAAZAAAAGQAAAAAAAAAZAAAAGQAAAAVAAAAYAAAAAAAAAAAAAAADwAAACADAAAAAAAAAAAAAAEAAACgMgAAVgcAAKr4//8BAAAAf39/AAEAAABkAAAAAAAAABQAAABAHwAAAAAAACYAAAAAAAAAwOD//wAAAAAmAAAAZAAAABYAAABMAAAAAAAAAAAAAAAEAAAAAAAAAAEAAADn5uYKAAAAACgAAAAoAAAAZAAAAGQAAAAAAAAAzMzMAAAAAABQAAAAUAAAAGQAAABkAAAAAAAAABcAAAAUAAAAAAAAAAAAAAD/fwAA/38AAAAAAAAJAAAABAAAAAAAAAAeAAAAaAAAAAAAAAAAAAAAAAAAAAAAAAAAAAAAECcAABAnAAAAAAAAAAAAAAAAAAAAAAAAAAAAAAAAAAAAAAAAAAAAABQAAAAAAAAAwMD/AAAAAABkAAAAMgAAAAAAAABkAAAAAAAAAH9/fwAKAAAAIgAAABgAAAAAAAAAAAAAAAAAAAAAAAAAAAAAAAAAAAAkAAAAJAAAAAAAAAAHAAAAAAAAAAAAAAAAAAAAAAAAAAAAAAAAAAAAf39/ACUAAABYAAAAAAAAAAAAAAAAAAAAAAAAAAAAAAAAAAAAAAAAAAAAAAAAAAAAAAAAAAAAAAA/AAAAAAAAAKCGAQAAAAAAAAAAAAAAAAAMAAAAAQAAAAAAAAAAAAAAAAAAAB8AAABUAAAARHLEBf///wEAAAAAAAAAAAAAAAAAAAAAAAAAAAAAAAAAAAAAAAAAAAAAAAJ/f38A5+bmA8zMzADAwP8Af39/AAAAAAAAAAAAAAAAAAAAAAAAAAAAIQAAABgAAAAUAAAAMh8AAOUJAADURQAAZigAAAAAAAAmAAAACAAAAP//////////"/>
+              </a:ext>
+            </a:extLst>
+          </p:cNvSpPr>
+          <p:nvPr/>
+        </p:nvSpPr>
+        <p:spPr>
+          <a:xfrm>
+            <a:off x="1014687" y="5172935"/>
+            <a:ext cx="8699584" cy="1246466"/>
+          </a:xfrm>
+          <a:prstGeom prst="rect">
+            <a:avLst/>
+          </a:prstGeom>
+          <a:noFill/>
+          <a:ln>
+            <a:noFill/>
+          </a:ln>
+          <a:effectLst/>
+        </p:spPr>
+        <p:txBody>
+          <a:bodyPr vert="horz" wrap="square" lIns="91440" tIns="45720" rIns="91440" bIns="45720" numCol="1" spcCol="215900" anchor="ctr"/>
+          <a:lstStyle/>
+          <a:p>
+            <a:pPr marL="342900" algn="just">
+              <a:spcBef>
+                <a:spcPts val="575"/>
+              </a:spcBef>
+              <a:defRPr lang="en-us" sz="2000" cap="none">
+                <a:solidFill>
+                  <a:srgbClr val="0000FF"/>
+                </a:solidFill>
+                <a:latin typeface="Trebuchet MS" pitchFamily="2" charset="0"/>
+                <a:ea typeface="Calibri" pitchFamily="2" charset="0"/>
+                <a:cs typeface="Calibri" pitchFamily="2" charset="0"/>
+              </a:defRPr>
+            </a:pPr>
+            <a:r>
+              <a:rPr lang="en-US" dirty="0"/>
+              <a:t>D. Unity3D </a:t>
+            </a:r>
+          </a:p>
+          <a:p>
+            <a:pPr marL="342900" algn="just">
+              <a:spcBef>
+                <a:spcPts val="575"/>
+              </a:spcBef>
+              <a:defRPr lang="en-us" sz="2000" cap="none">
+                <a:solidFill>
+                  <a:srgbClr val="0000FF"/>
+                </a:solidFill>
+                <a:latin typeface="Trebuchet MS" pitchFamily="2" charset="0"/>
+                <a:ea typeface="Calibri" pitchFamily="2" charset="0"/>
+                <a:cs typeface="Calibri" pitchFamily="2" charset="0"/>
+              </a:defRPr>
+            </a:pPr>
+            <a:r>
+              <a:rPr lang="en-US" dirty="0"/>
+              <a:t>Unity is the most popular platform for developing and managing real-time 3D content in the world. Unity3D is used to create virtual objects and these virtual objects are manipulated use hand gestures.</a:t>
+            </a:r>
+            <a:endParaRPr lang="en-US" sz="2000" dirty="0"/>
           </a:p>
         </p:txBody>
       </p:sp>
     </p:spTree>
+    <p:extLst>
+      <p:ext uri="{BB962C8B-B14F-4D97-AF65-F5344CB8AC3E}">
+        <p14:creationId xmlns:p14="http://schemas.microsoft.com/office/powerpoint/2010/main" val="3425661181"/>
+      </p:ext>
+    </p:extLst>
   </p:cSld>
   <p:clrMapOvr>
     <a:masterClrMapping/>
@@ -14233,7 +15219,7 @@
           <p:cNvSpPr>
             <a:extLst>
               <a:ext uri="smNativeData">
-                <pr:smNativeData xmlns:mc="http://schemas.openxmlformats.org/markup-compatibility/2006" xmlns:p14="http://schemas.microsoft.com/office/powerpoint/2010/main" xmlns:p15="http://schemas.microsoft.com/office/powerpoint/2012/main" xmlns:pr="smNativeData" xmlns="smNativeData" val="SMDATA_15_3RkyYhMAAAAlAAAAZAAAAA0AAAAAkAAAAEgAAACQAAAASAAAAAAAAAABAAAAAAAAAAEAAABQAAAAAAAAAAAA4D8AAAAAAADgPwAAAAAAAOA/AAAAAAAA4D8AAAAAAADgPwAAAAAAAOA/AAAAAAAA4D8AAAAAAADgPwAAAAAAAOA/AAAAAAAA4D8CAAAAjAAAAAEAAAAAAAAAM8zMAP///wgAAAAAAAAAAAAAAAAAAAAAAAAAAAAAAAAAAAAAeAAAAAEAAABAAAAAAAAAAAAAAABaAAAAAAAAAAAAAAAAAAAAAAAAAAAAAAAAAAAAAAAAAAAAAAAAAAAAAAAAAAAAAAAAAAAAAAAAAAAAAAAAAAAAAAAAAAAAAAAAAAAAFAAAADwAAAAAAAAAAAAAAAAAAAkUAAAAAQAAABQAAAAUAAAAFAAAAAEAAAAAAAAAZAAAAGQAAAAAAAAAZAAAAGQAAAAVAAAAYAAAAAAAAAAAAAAADwAAACADAAAAAAAAAAAAAAEAAACgMgAAVgcAAKr4//8BAAAAf39/AAEAAABkAAAAAAAAABQAAABAHwAAAAAAACYAAAAAAAAAwOD//wAAAAAmAAAAZAAAABYAAABMAAAAAAAAAAAAAAAEAAAAAAAAAAEAAADn5uYKAAAAACgAAAAoAAAAZAAAAGQAAAAAAAAAzMzMAAAAAABQAAAAUAAAAGQAAABkAAAAAAAAABcAAAAUAAAAAAAAAAAAAAD/fwAA/38AAAAAAAAJAAAABAAAAPr///8eAAAAaAAAAAAAAAAAAAAAAAAAAAAAAAAAAAAAECcAABAnAAAAAAAAAAAAAAAAAAAAAAAAAAAAAAAAAAAAAAAAAAAAABQAAAAAAAAAwMD/AAAAAABkAAAAMgAAAAAAAABkAAAAAAAAAH9/fwAKAAAAIgAAABgAAAAAAAAAAAAAAAAAAAAAAAAAAAAAAAAAAAAkAAAAJAAAAAAAAAAHAAAAAAAAAAAAAAAAAAAAAAAAAAAAAAAAAAAAf39/ACUAAABYAAAAAAAAAAAAAAAAAAAAAAAAAAAAAAAAAAAAAAAAAAAAAAAAAAAAAAAAAAAAAAA/AAAAAAAAAKCGAQAAAAAAAAAAAAAAAAAMAAAAAQAAAAAAAAAAAAAAAAAAAB8AAABUAAAAM8zMAP///wEAAAAAAAAAAAAAAAAAAAAAAAAAAAAAAAAAAAAAAAAAAAAAAAJ/f38A5+bmA8zMzADAwP8Af39/AAAAAAAAAAAAAAAAAAAAAAAAAAAAIQAAABgAAAAUAAAAwBIAALoJAACgQQAA9AkAABAAAAAmAAAACAAAAP//////////"/>
+                <pr:smNativeData xmlns:mc="http://schemas.openxmlformats.org/markup-compatibility/2006" xmlns:p14="http://schemas.microsoft.com/office/powerpoint/2010/main" xmlns:p15="http://schemas.microsoft.com/office/powerpoint/2012/main" xmlns:pr="smNativeData" xmlns="smNativeData" val="SMDATA_15_3RkyYhMAAAAlAAAAZAAAAA0AAAAAkAAAAEgAAACQAAAASAAAAAAAAAABAAAAAAAAAAEAAABQAAAAAAAAAAAA4D8AAAAAAADgPwAAAAAAAOA/AAAAAAAA4D8AAAAAAADgPwAAAAAAAOA/AAAAAAAA4D8AAAAAAADgPwAAAAAAAOA/AAAAAAAA4D8CAAAAjAAAAAEAAAAAAAAAM8zMAP///wgAAAAAAAAAAAAAAAAAAAAAAAAAAAAAAAAAAAAAeAAAAAEAAABAAAAAAAAAAAAAAABaAAAAAAAAAAAAAAAAAAAAAAAAAAAAAAAAAAAAAAAAAAAAAAAAAAAAAAAAAAAAAAAAAAAAAAAAAAAAAAAAAAAAAAAAAAAAAAAAAAAAFAAAADwAAAAAAAAAAAAAAAAAAAkUAAAAAQAAABQAAAAUAAAAFAAAAAEAAAAAAAAAZAAAAGQAAAAAAAAAZAAAAGQAAAAVAAAAYAAAAAAAAAAAAAAADwAAACADAAAAAAAAAAAAAAEAAACgMgAAVgcAAKr4//8BAAAAf39/AAEAAABkAAAAAAAAABQAAABAHwAAAAAAACYAAAAAAAAAwOD//wAAAAAmAAAAZAAAABYAAABMAAAAAAAAAAAAAAAEAAAAAAAAAAEAAADn5uYKAAAAACgAAAAoAAAAZAAAAGQAAAAAAAAAzMzMAAAAAABQAAAAUAAAAGQAAABkAAAAAAAAABcAAAAUAAAAAAAAAAAAAAD/fwAA/38AAAAAAAAJAAAABAAAAAAAAAAeAAAAaAAAAAAAAAAAAAAAAAAAAAAAAAAAAAAAECcAABAnAAAAAAAAAAAAAAAAAAAAAAAAAAAAAAAAAAAAAAAAAAAAABQAAAAAAAAAwMD/AAAAAABkAAAAMgAAAAAAAABkAAAAAAAAAH9/fwAKAAAAIgAAABgAAAAAAAAAAAAAAAAAAAAAAAAAAAAAAAAAAAAkAAAAJAAAAAAAAAAHAAAAAAAAAAAAAAAAAAAAAAAAAAAAAAAAAAAAf39/ACUAAABYAAAAAAAAAAAAAAAAAAAAAAAAAAAAAAAAAAAAAAAAAAAAAAAAAAAAAAAAAAAAAAA/AAAAAAAAAKCGAQAAAAAAAAAAAAAAAAAMAAAAAQAAAAAAAAAAAAAAAAAAAB8AAABUAAAAM8zMAP///wEAAAAAAAAAAAAAAAAAAAAAAAAAAAAAAAAAAAAAAAAAAAAAAAJ/f38A5+bmA8zMzADAwP8Af39/AAAAAAAAAAAAAAAAAAAAAAAAAAAAIQAAABgAAAAUAAAAwBIAALoJAACgQQAA9AkAABAAAAAmAAAACAAAAP//////////"/>
               </a:ext>
             </a:extLst>
           </p:cNvSpPr>
@@ -14279,7 +15265,7 @@
           <p:cNvSpPr>
             <a:extLst>
               <a:ext uri="smNativeData">
-                <pr:smNativeData xmlns:mc="http://schemas.openxmlformats.org/markup-compatibility/2006" xmlns:p14="http://schemas.microsoft.com/office/powerpoint/2010/main" xmlns:p15="http://schemas.microsoft.com/office/powerpoint/2012/main" xmlns:pr="smNativeData" xmlns="smNativeData" val="SMDATA_15_3RkyYhMAAAAlAAAAZAAAAA0AAAAAkAAAAEgAAACQAAAASAAAAAAAAAAAAAAAAAAAAAEAAABQAAAAAAAAAAAA4D8AAAAAAADgPwAAAAAAAOA/AAAAAAAA4D8AAAAAAADgPwAAAAAAAOA/AAAAAAAA4D8AAAAAAADgPwAAAAAAAOA/AAAAAAAA4D8CAAAAjAAAAAAAAAAAAAAARHLEDP///wgAAAAAAAAAAAAAAAAAAAAAAAAAAAAAAAAAAAAAZAAAAAEAAABAAAAAAAAAAAAAAAAAAAAAAAAAAAAAAAAAAAAAAAAAAAAAAAAAAAAAAAAAAAAAAAAAAAAAAAAAAAAAAAAAAAAAAAAAAAAAAAAAAAAAAAAAAAAAAAAAAAAAFAAAADwAAAAAAAAAAAAAAAAAAAkUAAAAAQAAABQAAAAUAAAAFAAAAAEAAAAAAAAAZAAAAGQAAAAAAAAAZAAAAGQAAAAVAAAAYAAAAAAAAAAAAAAADwAAACADAAAAAAAAAAAAAAEAAACgMgAAVgcAAKr4//8BAAAAf39/AAEAAABkAAAAAAAAABQAAABAHwAAAAAAACYAAAAAAAAAwOD//wAAAAAmAAAAZAAAABYAAABMAAAAAAAAAAAAAAAEAAAAAAAAAAEAAADn5uYKAAAAACgAAAAoAAAAZAAAAGQAAAAAAAAAzMzMAAAAAABQAAAAUAAAAGQAAABkAAAAAAAAABcAAAAUAAAAAAAAAAAAAAD/fwAA/38AAAAAAAAJAAAABAAAAO////8eAAAAaAAAAAAAAAAAAAAAAAAAAAAAAAAAAAAAECcAABAnAAAAAAAAAAAAAAAAAAAAAAAAAAAAAAAAAAAAAAAAAAAAABQAAAAAAAAAwMD/AAAAAABkAAAAMgAAAAAAAABkAAAAAAAAAH9/fwAKAAAAIgAAABgAAAAAAAAAAAAAAAAAAAAAAAAAAAAAAAAAAAAkAAAAJAAAAAAAAAAHAAAAAAAAAAAAAAAAAAAAAAAAAAAAAAAAAAAAf39/ACUAAABYAAAAAAAAAAAAAAAAAAAAAAAAAAAAAAAAAAAAAAAAAAAAAAAAAAAAAAAAAAAAAAA/AAAAAAAAAKCGAQAAAAAAAAAAAAAAAAAMAAAAAQAAAAAAAAAAAAAAAAAAAB8AAABUAAAARHLEBf///wEAAAAAAAAAAAAAAAAAAAAAAAAAAAAAAAAAAAAAAAAAAAAAAAJ/f38A5+bmA8zMzADAwP8Af39/AAAAAAAAAAAAAAAAAAAAAAAAAAAAIQAAABgAAAAUAAAA8hUAAAgHAACgQQAA3wkAABAAAAAmAAAACAAAAP//////////"/>
+                <pr:smNativeData xmlns:mc="http://schemas.openxmlformats.org/markup-compatibility/2006" xmlns:p14="http://schemas.microsoft.com/office/powerpoint/2010/main" xmlns:p15="http://schemas.microsoft.com/office/powerpoint/2012/main" xmlns:pr="smNativeData" xmlns="smNativeData" val="SMDATA_15_3RkyYhMAAAAlAAAAZAAAAA0AAAAAkAAAAEgAAACQAAAASAAAAAAAAAAAAAAAAAAAAAEAAABQAAAAAAAAAAAA4D8AAAAAAADgPwAAAAAAAOA/AAAAAAAA4D8AAAAAAADgPwAAAAAAAOA/AAAAAAAA4D8AAAAAAADgPwAAAAAAAOA/AAAAAAAA4D8CAAAAjAAAAAAAAAAAAAAARHLEDP///wgAAAAAAAAAAAAAAAAAAAAAAAAAAAAAAAAAAAAAZAAAAAEAAABAAAAAAAAAAAAAAAAAAAAAAAAAAAAAAAAAAAAAAAAAAAAAAAAAAAAAAAAAAAAAAAAAAAAAAAAAAAAAAAAAAAAAAAAAAAAAAAAAAAAAAAAAAAAAAAAAAAAAFAAAADwAAAAAAAAAAAAAAAAAAAkUAAAAAQAAABQAAAAUAAAAFAAAAAEAAAAAAAAAZAAAAGQAAAAAAAAAZAAAAGQAAAAVAAAAYAAAAAAAAAAAAAAADwAAACADAAAAAAAAAAAAAAEAAACgMgAAVgcAAKr4//8BAAAAf39/AAEAAABkAAAAAAAAABQAAABAHwAAAAAAACYAAAAAAAAAwOD//wAAAAAmAAAAZAAAABYAAABMAAAAAAAAAAAAAAAEAAAAAAAAAAEAAADn5uYKAAAAACgAAAAoAAAAZAAAAGQAAAAAAAAAzMzMAAAAAABQAAAAUAAAAGQAAABkAAAAAAAAABcAAAAUAAAAAAAAAAAAAAD/fwAA/38AAAAAAAAJAAAABAAAAAAAAAAeAAAAaAAAAAAAAAAAAAAAAAAAAAAAAAAAAAAAECcAABAnAAAAAAAAAAAAAAAAAAAAAAAAAAAAAAAAAAAAAAAAAAAAABQAAAAAAAAAwMD/AAAAAABkAAAAMgAAAAAAAABkAAAAAAAAAH9/fwAKAAAAIgAAABgAAAAAAAAAAAAAAAAAAAAAAAAAAAAAAAAAAAAkAAAAJAAAAAAAAAAHAAAAAAAAAAAAAAAAAAAAAAAAAAAAAAAAAAAAf39/ACUAAABYAAAAAAAAAAAAAAAAAAAAAAAAAAAAAAAAAAAAAAAAAAAAAAAAAAAAAAAAAAAAAAA/AAAAAAAAAKCGAQAAAAAAAAAAAAAAAAAMAAAAAQAAAAAAAAAAAAAAAAAAAB8AAABUAAAARHLEBf///wEAAAAAAAAAAAAAAAAAAAAAAAAAAAAAAAAAAAAAAAAAAAAAAAJ/f38A5+bmA8zMzADAwP8Af39/AAAAAAAAAAAAAAAAAAAAAAAAAAAAIQAAABgAAAAUAAAA8hUAAAgHAACgQQAA3wkAABAAAAAmAAAACAAAAP//////////"/>
               </a:ext>
             </a:extLst>
           </p:cNvSpPr>
@@ -14315,7 +15301,7 @@
                 <a:ea typeface="Calibri" pitchFamily="2" charset="0"/>
                 <a:cs typeface="Calibri" pitchFamily="2" charset="0"/>
               </a:rPr>
-              <a:t>References</a:t>
+              <a:t>Summary of Literature Survey</a:t>
             </a:r>
           </a:p>
         </p:txBody>
@@ -14326,7 +15312,7 @@
           <p:cNvPicPr>
             <a:extLst>
               <a:ext uri="smNativeData">
-                <pr:smNativeData xmlns:mc="http://schemas.openxmlformats.org/markup-compatibility/2006" xmlns:p14="http://schemas.microsoft.com/office/powerpoint/2010/main" xmlns:p15="http://schemas.microsoft.com/office/powerpoint/2012/main" xmlns:pr="smNativeData" xmlns="smNativeData" val="SMDATA_17_3RkyYhMAAAAlAAAAEQAAAA0AAAAAkAAAAEgAAACQAAAASAAAAAAAAAAAAAAAAAAAAAEAAABQAAAAAAAAAAAA4D8AAAAAAADgPwAAAAAAAOA/AAAAAAAA4D8AAAAAAADgPwAAAAAAAOA/AAAAAAAA4D8AAAAAAADgPwAAAAAAAOA/AAAAAAAA4D8CAAAAjAAAAAAAAAAAAAAARHLEDP///wgAAAAAAAAAAAAAAAAAAAAAAAAAAAAAAAAAAAAAZAAAAAEAAABAAAAAAAAAAAAAAAAAAAAAAAAAAAAAAAAAAAAAAAAAAAAAAAAAAAAAAAAAAAAAAAAAAAAAAAAAAAAAAAAAAAAAAAAAAAAAAAAAAAAAAAAAAAAAAAAAAAAAFAAAADwAAAAAAAAAAAAAAAAAAAkUAAAAAQAAABQAAAAUAAAAFAAAAAEAAAAAAAAAZAAAAGQAAAAAAAAAZAAAAGQAAAAVAAAAYAAAAAAAAAAAAAAADwAAACADAAAAAAAAAAAAAAEAAACgMgAAVgcAAKr4//8BAAAAf39/AAEAAABkAAAAAAAAABQAAABAHwAAAAAAACYAAAAAAAAAwOD//wAAAAAmAAAAZAAAABYAAABMAAAAAAAAAAAAAAAEAAAAAAAAAAEAAADn5uYKAAAAACgAAAAoAAAAZAAAAGQAAAAAAAAAzMzMAAAAAABQAAAAUAAAAGQAAABkAAAAAAAAAAcAAAA4AAAAAAAAAAAAAAAAAAAA////AAAAAAAAAAAAAAAAAAAAAAAAAAAAAAAAAAAAAABkAAAAZAAAAAAAAAAjAAAABAAAAGQAAAAXAAAAFAAAAAAAAAAAAAAA/38AAP9/AAAAAAAACQAAAAQAAAAAZQHKHgAAAGgAAAAAAAAAAAAAAAAAAAAAAAAAAAAAABAnAAAQJwAAAAAAAAAAAAAAAAAAAAAAAAAAAAAAAAAAAAAAAAAAAAAUAAAAAAAAAMDA/wAAAAAAZAAAADIAAAAAAAAAZAAAAAAAAAB/f38ACgAAACIAAAAYAAAAAAAAAAAAAAAAAAAAAAAAAAAAAAAAAAAAJAAAACQAAAAAAAAABwAAAAAAAAAAAAAAAAAAAAAAAAAAAAAAAAAAAH9/fwAlAAAAWAAAAAAAAAAAAAAAAAAAAAAAAAAAAAAAAAAAAAAAAAAAAAAAAAAAAAAAAAAAAAAAPwAAAAAAAACghgEAAAAAAAAAAAAAAAAADAAAAAEAAAAAAAAAAAAAAAAAAAAfAAAAVAAAAERyxAX///8BAAAAAAAAAAAAAAAAAAAAAAAAAAAAAAAAAAAAAAAAAAAAAAACf39/AOfm5gPMzMwAwMD/AH9/fwAAAAAAAAAAAAAAAAD///8AAAAAACEAAAAYAAAAFAAAAGVFAACIAAAAXkgAAKkFAAAQAAAAJgAAAAgAAAD//////////w=="/>
+                <pr:smNativeData xmlns:mc="http://schemas.openxmlformats.org/markup-compatibility/2006" xmlns:p14="http://schemas.microsoft.com/office/powerpoint/2010/main" xmlns:p15="http://schemas.microsoft.com/office/powerpoint/2012/main" xmlns:pr="smNativeData" xmlns="smNativeData" val="SMDATA_17_3RkyYhMAAAAlAAAAEQAAAA0AAAAAkAAAAEgAAACQAAAASAAAAAAAAAAAAAAAAAAAAAEAAABQAAAAAAAAAAAA4D8AAAAAAADgPwAAAAAAAOA/AAAAAAAA4D8AAAAAAADgPwAAAAAAAOA/AAAAAAAA4D8AAAAAAADgPwAAAAAAAOA/AAAAAAAA4D8CAAAAjAAAAAAAAAAAAAAARHLEDP///wgAAAAAAAAAAAAAAAAAAAAAAAAAAAAAAAAAAAAAZAAAAAEAAABAAAAAAAAAAAAAAAAAAAAAAAAAAAAAAAAAAAAAAAAAAAAAAAAAAAAAAAAAAAAAAAAAAAAAAAAAAAAAAAAAAAAAAAAAAAAAAAAAAAAAAAAAAAAAAAAAAAAAFAAAADwAAAAAAAAAAAAAAAAAAAkUAAAAAQAAABQAAAAUAAAAFAAAAAEAAAAAAAAAZAAAAGQAAAAAAAAAZAAAAGQAAAAVAAAAYAAAAAAAAAAAAAAADwAAACADAAAAAAAAAAAAAAEAAACgMgAAVgcAAKr4//8BAAAAf39/AAEAAABkAAAAAAAAABQAAABAHwAAAAAAACYAAAAAAAAAwOD//wAAAAAmAAAAZAAAABYAAABMAAAAAAAAAAAAAAAEAAAAAAAAAAEAAADn5uYKAAAAACgAAAAoAAAAZAAAAGQAAAAAAAAAzMzMAAAAAABQAAAAUAAAAGQAAABkAAAAAAAAAAcAAAA4AAAAAAAAAAAAAAAAAAAA////AAAAAAAAAAAAAAAAAAAAAAAAAAAAAAAAAAAAAABkAAAAZAAAAAAAAAAjAAAABAAAAGQAAAAXAAAAFAAAAAAAAAAAAAAA/38AAP9/AAAAAAAACQAAAAQAAADKApQFHgAAAGgAAAAAAAAAAAAAAAAAAAAAAAAAAAAAABAnAAAQJwAAAAAAAAAAAAAAAAAAAAAAAAAAAAAAAAAAAAAAAAAAAAAUAAAAAAAAAMDA/wAAAAAAZAAAADIAAAAAAAAAZAAAAAAAAAB/f38ACgAAACIAAAAYAAAAAAAAAAAAAAAAAAAAAAAAAAAAAAAAAAAAJAAAACQAAAAAAAAABwAAAAAAAAAAAAAAAAAAAAAAAAAAAAAAAAAAAH9/fwAlAAAAWAAAAAAAAAAAAAAAAAAAAAAAAAAAAAAAAAAAAAAAAAAAAAAAAAAAAAAAAAAAAAAAPwAAAAAAAACghgEAAAAAAAAAAAAAAAAADAAAAAEAAAAAAAAAAAAAAAAAAAAfAAAAVAAAAERyxAX///8BAAAAAAAAAAAAAAAAAAAAAAAAAAAAAAAAAAAAAAAAAAAAAAACf39/AOfm5gPMzMwAwMD/AH9/fwAAAAAAAAAAAAAAAAD///8AAAAAACEAAAAYAAAAFAAAAGVFAACIAAAAXkgAAKkFAAAQAAAAJgAAAAgAAAD//////////w=="/>
               </a:ext>
             </a:extLst>
           </p:cNvPicPr>
@@ -14359,7 +15345,7 @@
           <p:cNvSpPr>
             <a:extLst>
               <a:ext uri="smNativeData">
-                <pr:smNativeData xmlns:mc="http://schemas.openxmlformats.org/markup-compatibility/2006" xmlns:p14="http://schemas.microsoft.com/office/powerpoint/2010/main" xmlns:p15="http://schemas.microsoft.com/office/powerpoint/2012/main" xmlns:pr="smNativeData" xmlns="smNativeData" val="SMDATA_15_3RkyYhMAAAAlAAAAZAAAAA0AAAAAkAAAAEgAAACQAAAASAAAAAAAAAABAAAAAAAAAAEAAABQAAAAAAAAAAAA4D8AAAAAAADgPwAAAAAAAOA/AAAAAAAA4D8AAAAAAADgPwAAAAAAAOA/AAAAAAAA4D8AAAAAAADgPwAAAAAAAOA/AAAAAAAA4D8CAAAAjAAAAAAAAAAAAAAARHLEDP///wgAAAAAAAAAAAAAAAAAAAAAAAAAAAAAAAAAAAAAZAAAAAEAAABAAAAAAAAAAAAAAAAAAAAAAAAAAAAAAAAAAAAAAAAAAAAAAAAAAAAAAAAAAAAAAAAAAAAAAAAAAAAAAAAAAAAAAAAAAAAAAAAAAAAAAAAAAAAAAAAAAAAAFAAAADwAAAAAAAAAAAAAAAAAAAkUAAAAAQAAABQAAAAUAAAAFAAAAAEAAAAAAAAAZAAAAGQAAAAAAAAAZAAAAGQAAAAVAAAAYAAAAAAAAAAAAAAADwAAACADAAAAAAAAAAAAAAEAAACgMgAAVgcAAKr4//8BAAAAf39/AAEAAABkAAAAAAAAABQAAABAHwAAAAAAACYAAAAAAAAAwOD//wAAAAAmAAAAZAAAABYAAABMAAAAAAAAAAAAAAAEAAAAAAAAAAEAAADn5uYKAAAAACgAAAAoAAAAZAAAAGQAAAAAAAAAzMzMAAAAAABQAAAAUAAAAGQAAABkAAAAAAAAABcAAAAUAAAAAAAAAAAAAAD/fwAA/38AAAAAAAAJAAAABAAAAPr///8eAAAAaAAAAAAAAAAAAAAAAAAAAAAAAAAAAAAAECcAABAnAAAAAAAAAAAAAAAAAAAAAAAAAAAAAAAAAAAAAAAAAAAAABQAAAAAAAAAwMD/AAAAAABkAAAAMgAAAAAAAABkAAAAAAAAAH9/fwAKAAAAIgAAABgAAAAAAAAAAAAAAAAAAAAAAAAAAAAAAAAAAAAkAAAAJAAAAAAAAAAHAAAAAAAAAAAAAAAAAAAAAAAAAAAAAAAAAAAAf39/ACUAAABYAAAAAAAAAAAAAAAAAAAAAAAAAAAAAAAAAAAAAAAAAAAAAAAAAAAAAAAAAAAAAAA/AAAAAAAAAKCGAQAAAAAAAAAAAAAAAAAMAAAAAQAAAAAAAAAAAAAAAAAAAB8AAABUAAAARHLEBf///wEAAAAAAAAAAAAAAAAAAAAAAAAAAAAAAAAAAAAAAAAAAAAAAAJ/f38A5+bmA8zMzADAwP8Af39/AAAAAAAAAAAAAAAAAAAAAAAAAAAAIQAAABgAAAAUAAAAYAkAAPQJAACgQQAAOicAABAAAAAmAAAACAAAAP//////////"/>
+                <pr:smNativeData xmlns:mc="http://schemas.openxmlformats.org/markup-compatibility/2006" xmlns:p14="http://schemas.microsoft.com/office/powerpoint/2010/main" xmlns:p15="http://schemas.microsoft.com/office/powerpoint/2012/main" xmlns:pr="smNativeData" xmlns="smNativeData" val="SMDATA_15_3RkyYhMAAAAlAAAAZAAAAA0AAAAAkAAAAEgAAACQAAAASAAAAAAAAAABAAAAAAAAAAEAAABQAAAAAAAAAAAA4D8AAAAAAADgPwAAAAAAAOA/AAAAAAAA4D8AAAAAAADgPwAAAAAAAOA/AAAAAAAA4D8AAAAAAADgPwAAAAAAAOA/AAAAAAAA4D8CAAAAjAAAAAAAAAAAAAAARHLEDP///wgAAAAAAAAAAAAAAAAAAAAAAAAAAAAAAAAAAAAAZAAAAAEAAABAAAAAAAAAAAAAAAAAAAAAAAAAAAAAAAAAAAAAAAAAAAAAAAAAAAAAAAAAAAAAAAAAAAAAAAAAAAAAAAAAAAAAAAAAAAAAAAAAAAAAAAAAAAAAAAAAAAAAFAAAADwAAAAAAAAAAAAAAAAAAAkUAAAAAQAAABQAAAAUAAAAFAAAAAEAAAAAAAAAZAAAAGQAAAAAAAAAZAAAAGQAAAAVAAAAYAAAAAAAAAAAAAAADwAAACADAAAAAAAAAAAAAAEAAACgMgAAVgcAAKr4//8BAAAAf39/AAEAAABkAAAAAAAAABQAAABAHwAAAAAAACYAAAAAAAAAwOD//wAAAAAmAAAAZAAAABYAAABMAAAAAAAAAAAAAAAEAAAAAAAAAAEAAADn5uYKAAAAACgAAAAoAAAAZAAAAGQAAAAAAAAAzMzMAAAAAABQAAAAUAAAAGQAAABkAAAAAAAAABcAAAAUAAAAAAAAAAAAAAD/fwAA/38AAAAAAAAJAAAABAAAAAAAAAAeAAAAaAAAAAAAAAAAAAAAAAAAAAAAAAAAAAAAECcAABAnAAAAAAAAAAAAAAAAAAAAAAAAAAAAAAAAAAAAAAAAAAAAABQAAAAAAAAAwMD/AAAAAABkAAAAMgAAAAAAAABkAAAAAAAAAH9/fwAKAAAAIgAAABgAAAAAAAAAAAAAAAAAAAAAAAAAAAAAAAAAAAAkAAAAJAAAAAAAAAAHAAAAAAAAAAAAAAAAAAAAAAAAAAAAAAAAAAAAf39/ACUAAABYAAAAAAAAAAAAAAAAAAAAAAAAAAAAAAAAAAAAAAAAAAAAAAAAAAAAAAAAAAAAAAA/AAAAAAAAAKCGAQAAAAAAAAAAAAAAAAAMAAAAAQAAAAAAAAAAAAAAAAAAAB8AAABUAAAARHLEBf///wEAAAAAAAAAAAAAAAAAAAAAAAAAAAAAAAAAAAAAAAAAAAAAAAJ/f38A5+bmA8zMzADAwP8Af39/AAAAAAAAAAAAAAAAAAAAAAAAAAAAIQAAABgAAAAUAAAAfAwAANMQAACgQQAAOicAABAAAAAmAAAACAAAAP//////////"/>
               </a:ext>
             </a:extLst>
           </p:cNvSpPr>
@@ -14367,8 +15353,8 @@
         </p:nvSpPr>
         <p:spPr>
           <a:xfrm>
-            <a:off x="1524000" y="1617980"/>
-            <a:ext cx="9144000" cy="4758690"/>
+            <a:off x="2029460" y="2734945"/>
+            <a:ext cx="8638540" cy="3641725"/>
           </a:xfrm>
           <a:prstGeom prst="rect">
             <a:avLst/>
@@ -14383,14 +15369,13 @@
           <a:bodyPr vert="horz" wrap="square" lIns="91440" tIns="45720" rIns="91440" bIns="45720" numCol="1" spcCol="215900" anchor="ctr"/>
           <a:lstStyle/>
           <a:p>
-            <a:pPr marL="342900" indent="12700" algn="just">
-              <a:spcBef>
-                <a:spcPts val="575"/>
-              </a:spcBef>
-              <a:defRPr lang="en-us"/>
-            </a:pPr>
-            <a:r>
-              <a:rPr lang="en-in" sz="2400" cap="none">
+            <a:pPr algn="just">
+              <a:buFont typeface="Wingdings" charset="2"/>
+              <a:buChar char="§"/>
+              <a:defRPr lang="en-us"/>
+            </a:pPr>
+            <a:r>
+              <a:rPr lang="en-us" sz="2400" cap="none">
                 <a:solidFill>
                   <a:srgbClr val="0000FF"/>
                 </a:solidFill>
@@ -14398,17 +15383,16 @@
                 <a:ea typeface="Calibri" pitchFamily="2" charset="0"/>
                 <a:cs typeface="Calibri" pitchFamily="2" charset="0"/>
               </a:rPr>
-              <a:t>Provide references pertaining to your research according to IEEE format.</a:t>
-            </a:r>
-          </a:p>
-          <a:p>
-            <a:pPr marL="342900" indent="12700" algn="just">
-              <a:spcBef>
-                <a:spcPts val="575"/>
-              </a:spcBef>
-              <a:defRPr lang="en-us"/>
-            </a:pPr>
-            <a:endParaRPr lang="en-in" sz="2400" cap="none">
+              <a:t>A conclusion should then state clearly the main conclusions of the review and give a clear explanation of their importance and relevance.</a:t>
+            </a:r>
+          </a:p>
+          <a:p>
+            <a:pPr algn="just">
+              <a:buFont typeface="Wingdings" charset="2"/>
+              <a:buChar char="§"/>
+              <a:defRPr lang="en-us"/>
+            </a:pPr>
+            <a:endParaRPr lang="en-us" sz="2400" cap="none">
               <a:solidFill>
                 <a:srgbClr val="0000FF"/>
               </a:solidFill>
@@ -14418,14 +15402,13 @@
             </a:endParaRPr>
           </a:p>
           <a:p>
-            <a:pPr marL="342900" indent="12700" algn="just">
-              <a:spcBef>
-                <a:spcPts val="575"/>
-              </a:spcBef>
-              <a:defRPr lang="en-us"/>
-            </a:pPr>
-            <a:r>
-              <a:rPr lang="en-in" sz="2400" cap="none">
+            <a:pPr algn="just">
+              <a:buFont typeface="Wingdings" charset="2"/>
+              <a:buChar char="§"/>
+              <a:defRPr lang="en-us"/>
+            </a:pPr>
+            <a:r>
+              <a:rPr lang="en-us" sz="2400" cap="none">
                 <a:solidFill>
                   <a:srgbClr val="0000FF"/>
                 </a:solidFill>
@@ -14433,26 +15416,105 @@
                 <a:ea typeface="Calibri" pitchFamily="2" charset="0"/>
                 <a:cs typeface="Calibri" pitchFamily="2" charset="0"/>
               </a:rPr>
-              <a:t>Example:</a:t>
-            </a:r>
-          </a:p>
-          <a:p>
-            <a:pPr marL="342900" indent="12700" algn="just">
-              <a:spcBef>
-                <a:spcPts val="575"/>
-              </a:spcBef>
+              <a:t>Give a glimpse of the proposed methodology.</a:t>
+            </a:r>
+          </a:p>
+          <a:p>
+            <a:pPr>
+              <a:buFont typeface="Wingdings" charset="2"/>
+              <a:buChar char="§"/>
               <a:defRPr lang="en-us"/>
             </a:pPr>
             <a:r>
               <a:rPr lang="en-us" sz="2400" cap="none">
                 <a:solidFill>
-                  <a:schemeClr val="accent2"/>
+                  <a:srgbClr val="0000FF"/>
                 </a:solidFill>
                 <a:latin typeface="Trebuchet MS" pitchFamily="2" charset="0"/>
                 <a:ea typeface="Calibri" pitchFamily="2" charset="0"/>
                 <a:cs typeface="Calibri" pitchFamily="2" charset="0"/>
               </a:rPr>
-              <a:t>G. Eason, B. Noble, and I. N. Sneddon, “On certain integrals of Lipschitz-Hankel type involving products of Bessel functions,” Phil. Trans. Roy. Soc. London, vol. A247, pp. 529–551, April 1955. (references)</a:t>
+              <a:t>The strengths or weaknesses in the methods of the studies reviewed should be highlighted.   </a:t>
+            </a:r>
+          </a:p>
+          <a:p>
+            <a:pPr>
+              <a:buFont typeface="Wingdings" charset="2"/>
+              <a:buChar char="§"/>
+              <a:defRPr lang="en-us"/>
+            </a:pPr>
+            <a:endParaRPr lang="en-us" sz="2400" cap="none">
+              <a:solidFill>
+                <a:srgbClr val="0000FF"/>
+              </a:solidFill>
+              <a:latin typeface="Trebuchet MS" pitchFamily="2" charset="0"/>
+              <a:ea typeface="Calibri" pitchFamily="2" charset="0"/>
+              <a:cs typeface="Calibri" pitchFamily="2" charset="0"/>
+            </a:endParaRPr>
+          </a:p>
+          <a:p>
+            <a:pPr>
+              <a:buFont typeface="Wingdings" charset="2"/>
+              <a:buChar char="§"/>
+              <a:defRPr lang="en-us"/>
+            </a:pPr>
+            <a:r>
+              <a:rPr lang="en-us" sz="2400" cap="none">
+                <a:solidFill>
+                  <a:srgbClr val="0000FF"/>
+                </a:solidFill>
+                <a:latin typeface="Trebuchet MS" pitchFamily="2" charset="0"/>
+                <a:ea typeface="Calibri" pitchFamily="2" charset="0"/>
+                <a:cs typeface="Calibri" pitchFamily="2" charset="0"/>
+              </a:rPr>
+              <a:t>Include the relevant similarities and differences between papers/products.</a:t>
+            </a:r>
+          </a:p>
+          <a:p>
+            <a:pPr>
+              <a:defRPr lang="en-us"/>
+            </a:pPr>
+            <a:r>
+              <a:rPr lang="en-us" sz="2400" cap="none">
+                <a:solidFill>
+                  <a:srgbClr val="0000FF"/>
+                </a:solidFill>
+                <a:latin typeface="Trebuchet MS" pitchFamily="2" charset="0"/>
+                <a:ea typeface="Calibri" pitchFamily="2" charset="0"/>
+                <a:cs typeface="Calibri" pitchFamily="2" charset="0"/>
+              </a:rPr>
+              <a:t> </a:t>
+            </a:r>
+          </a:p>
+          <a:p>
+            <a:pPr algn="just">
+              <a:buFont typeface="Wingdings" charset="2"/>
+              <a:buChar char="§"/>
+              <a:defRPr lang="en-us"/>
+            </a:pPr>
+            <a:endParaRPr lang="en-us" sz="2400" cap="none">
+              <a:solidFill>
+                <a:srgbClr val="0000FF"/>
+              </a:solidFill>
+              <a:latin typeface="Trebuchet MS" pitchFamily="2" charset="0"/>
+              <a:ea typeface="Calibri" pitchFamily="2" charset="0"/>
+              <a:cs typeface="Calibri" pitchFamily="2" charset="0"/>
+            </a:endParaRPr>
+          </a:p>
+          <a:p>
+            <a:pPr>
+              <a:defRPr lang="en-us"/>
+            </a:pPr>
+            <a:r>
+              <a:rPr lang="en-us" sz="2400" cap="none">
+                <a:solidFill>
+                  <a:srgbClr val="0000FF"/>
+                </a:solidFill>
+                <a:latin typeface="Trebuchet MS" pitchFamily="2" charset="0"/>
+                <a:ea typeface="Calibri" pitchFamily="2" charset="0"/>
+                <a:cs typeface="Calibri" pitchFamily="2" charset="0"/>
+              </a:rPr>
+              <a:t> </a:t>
             </a:r>
           </a:p>
         </p:txBody>
@@ -14484,11 +15546,11 @@
       </p:grpSpPr>
       <p:sp>
         <p:nvSpPr>
-          <p:cNvPr id="2" name="Google Shape;91;p12"/>
-          <p:cNvSpPr>
-            <a:extLst>
-              <a:ext uri="smNativeData">
-                <pr:smNativeData xmlns:mc="http://schemas.openxmlformats.org/markup-compatibility/2006" xmlns:p14="http://schemas.microsoft.com/office/powerpoint/2010/main" xmlns:p15="http://schemas.microsoft.com/office/powerpoint/2012/main" xmlns:pr="smNativeData" xmlns="smNativeData" val="SMDATA_15_3RkyYhMAAAAlAAAAZAAAAA0AAAAAkAAAAEgAAACQAAAASAAAAAAAAAAAAAAAAAAAAAEAAABQAAAAAAAAAAAA4D8AAAAAAADgPwAAAAAAAOA/AAAAAAAA4D8AAAAAAADgPwAAAAAAAOA/AAAAAAAA4D8AAAAAAADgPwAAAAAAAOA/AAAAAAAA4D8CAAAAjAAAAAAAAAAAAAAARHLEDP///wgAAAAAAAAAAAAAAAAAAAAAAAAAAAAAAAAAAAAAZAAAAAEAAABAAAAAAAAAAAAAAAAAAAAAAAAAAAAAAAAAAAAAAAAAAAAAAAAAAAAAAAAAAAAAAAAAAAAAAAAAAAAAAAAAAAAAAAAAAAAAAAAAAAAAAAAAAAAAAAAAAAAAFAAAADwAAAAAAAAAAAAAAAAAAAkUAAAAAQAAABQAAAAUAAAAFAAAAAEAAAAAAAAAZAAAAGQAAAAAAAAAZAAAAGQAAAAVAAAAYAAAAAAAAAAAAAAADwAAACADAAAAAAAAAAAAAAEAAACgMgAAVgcAAKr4//8BAAAAf39/AAEAAABkAAAAAAAAABQAAABAHwAAAAAAACYAAAAAAAAAwOD//wAAAAAmAAAAZAAAABYAAABMAAAAAAAAAAAAAAAEAAAAAAAAAAEAAADn5uYKAAAAACgAAAAoAAAAZAAAAGQAAAAAAAAAzMzMAAAAAABQAAAAUAAAAGQAAABkAAAAAAAAABcAAAAUAAAAAAAAAAAAAAD/fwAA/38AAAAAAAAJAAAABAAAAO////8eAAAAaAAAAAAAAAAAAAAAAAAAAAAAAAAAAAAAECcAABAnAAAAAAAAAAAAAAAAAAAAAAAAAAAAAAAAAAAAAAAAAAAAABQAAAAAAAAAwMD/AAAAAABkAAAAMgAAAAAAAABkAAAAAAAAAH9/fwAKAAAAIgAAABgAAAAAAAAAAAAAAAAAAAAAAAAAAAAAAAAAAAAkAAAAJAAAAAAAAAAHAAAAAAAAAAAAAAAAAAAAAAAAAAAAAAAAAAAAf39/ACUAAABYAAAAAAAAAAAAAAAAAAAAAAAAAAAAAAAAAAAAAAAAAAAAAAAAAAAAAAAAAAAAAAA/AAAAAAAAAKCGAQAAAAAAAAAAAAAAAAAMAAAAAQAAAAAAAAAAAAAAAAAAAB8AAABUAAAARHLEBf///wEAAAAAAAAAAAAAAAAAAAAAAAAAAAAAAAAAAAAAAAAAAAAAAAJ/f38A5+bmA8zMzADAwP8Af39/AAAAAAAAAAAAAAAAAAAAAAAAAAAAIQAAABgAAAAUAAAA5BoAAKAUAADhLAAA+xgAABAAAAAmAAAACAAAAP//////////"/>
+          <p:cNvPr id="2" name="Google Shape;38;p5"/>
+          <p:cNvSpPr>
+            <a:extLst>
+              <a:ext uri="smNativeData">
+                <pr:smNativeData xmlns:mc="http://schemas.openxmlformats.org/markup-compatibility/2006" xmlns:p14="http://schemas.microsoft.com/office/powerpoint/2010/main" xmlns:p15="http://schemas.microsoft.com/office/powerpoint/2012/main" xmlns:pr="smNativeData" xmlns="smNativeData" val="SMDATA_15_3RkyYhMAAAAlAAAAZAAAAA0AAAAAkAAAAEgAAACQAAAASAAAAAAAAAABAAAAAAAAAAEAAABQAAAAAAAAAAAA4D8AAAAAAADgPwAAAAAAAOA/AAAAAAAA4D8AAAAAAADgPwAAAAAAAOA/AAAAAAAA4D8AAAAAAADgPwAAAAAAAOA/AAAAAAAA4D8CAAAAjAAAAAEAAAAAAAAAM8zMAP///wgAAAAAAAAAAAAAAAAAAAAAAAAAAAAAAAAAAAAAeAAAAAEAAABAAAAAAAAAAAAAAABaAAAAAAAAAAAAAAAAAAAAAAAAAAAAAAAAAAAAAAAAAAAAAAAAAAAAAAAAAAAAAAAAAAAAAAAAAAAAAAAAAAAAAAAAAAAAAAAAAAAAFAAAADwAAAAAAAAAAAAAAAAAAAkUAAAAAQAAABQAAAAUAAAAFAAAAAEAAAAAAAAAZAAAAGQAAAAAAAAAZAAAAGQAAAAVAAAAYAAAAAAAAAAAAAAADwAAACADAAAAAAAAAAAAAAEAAACgMgAAVgcAAKr4//8BAAAAf39/AAEAAABkAAAAAAAAABQAAABAHwAAAAAAACYAAAAAAAAAwOD//wAAAAAmAAAAZAAAABYAAABMAAAAAAAAAAAAAAAEAAAAAAAAAAEAAADn5uYKAAAAACgAAAAoAAAAZAAAAGQAAAAAAAAAzMzMAAAAAABQAAAAUAAAAGQAAABkAAAAAAAAABcAAAAUAAAAAAAAAAAAAAD/fwAA/38AAAAAAAAJAAAABAAAAAAAAAAeAAAAaAAAAAAAAAAAAAAAAAAAAAAAAAAAAAAAECcAABAnAAAAAAAAAAAAAAAAAAAAAAAAAAAAAAAAAAAAAAAAAAAAABQAAAAAAAAAwMD/AAAAAABkAAAAMgAAAAAAAABkAAAAAAAAAH9/fwAKAAAAIgAAABgAAAAAAAAAAAAAAAAAAAAAAAAAAAAAAAAAAAAkAAAAJAAAAAAAAAAHAAAAAAAAAAAAAAAAAAAAAAAAAAAAAAAAAAAAf39/ACUAAABYAAAAAAAAAAAAAAAAAAAAAAAAAAAAAAAAAAAAAAAAAAAAAAAAAAAAAAAAAAAAAAA/AAAAAAAAAKCGAQAAAAAAAAAAAAAAAAAMAAAAAQAAAAAAAAAAAAAAAAAAAB8AAABUAAAAM8zMAP///wEAAAAAAAAAAAAAAAAAAAAAAAAAAAAAAAAAAAAAAAAAAAAAAAJ/f38A5+bmA8zMzADAwP8Af39/AAAAAAAAAAAAAAAAAAAAAAAAAAAAIQAAABgAAAAUAAAAwBIAALoJAACgQQAA9AkAABAAAAAmAAAACAAAAP//////////"/>
               </a:ext>
             </a:extLst>
           </p:cNvSpPr>
@@ -14496,37 +15558,28 @@
         </p:nvSpPr>
         <p:spPr>
           <a:xfrm>
-            <a:off x="4371340" y="3352800"/>
-            <a:ext cx="2924175" cy="708025"/>
+            <a:off x="3048000" y="1581150"/>
+            <a:ext cx="7620000" cy="36830"/>
           </a:xfrm>
           <a:prstGeom prst="rect">
             <a:avLst/>
           </a:prstGeom>
-          <a:noFill/>
+          <a:solidFill>
+            <a:srgbClr val="33CCCC"/>
+          </a:solidFill>
           <a:ln>
             <a:noFill/>
           </a:ln>
           <a:effectLst/>
         </p:spPr>
         <p:txBody>
-          <a:bodyPr vert="horz" wrap="square" lIns="91440" tIns="45720" rIns="91440" bIns="45720" numCol="1" spcCol="215900" anchor="t"/>
+          <a:bodyPr vert="horz" wrap="square" lIns="91440" tIns="45720" rIns="91440" bIns="45720" numCol="1" spcCol="215900" anchor="ctr"/>
           <a:lstStyle/>
           <a:p>
-            <a:pPr algn="ctr">
-              <a:defRPr lang="en-us"/>
-            </a:pPr>
-            <a:r>
-              <a:rPr lang="en-us" sz="4000" cap="none">
-                <a:solidFill>
-                  <a:srgbClr val="FF0000"/>
-                </a:solidFill>
-                <a:latin typeface="Trebuchet MS" pitchFamily="2" charset="0"/>
-                <a:ea typeface="Trebuchet MS" pitchFamily="2" charset="0"/>
-                <a:cs typeface="Trebuchet MS" pitchFamily="2" charset="0"/>
-              </a:rPr>
-              <a:t>Thank You</a:t>
-            </a:r>
-            <a:endParaRPr lang="en-us" sz="1400" cap="none">
+            <a:pPr>
+              <a:defRPr lang="en-us"/>
+            </a:pPr>
+            <a:endParaRPr lang="en-us" cap="none">
               <a:solidFill>
                 <a:srgbClr val="000000"/>
               </a:solidFill>
@@ -14537,13 +15590,60 @@
           </a:p>
         </p:txBody>
       </p:sp>
+      <p:sp>
+        <p:nvSpPr>
+          <p:cNvPr id="3" name="Google Shape;39;p5"/>
+          <p:cNvSpPr>
+            <a:extLst>
+              <a:ext uri="smNativeData">
+                <pr:smNativeData xmlns:mc="http://schemas.openxmlformats.org/markup-compatibility/2006" xmlns:p14="http://schemas.microsoft.com/office/powerpoint/2010/main" xmlns:p15="http://schemas.microsoft.com/office/powerpoint/2012/main" xmlns:pr="smNativeData" xmlns="smNativeData" val="SMDATA_15_3RkyYhMAAAAlAAAAZAAAAA0AAAAAkAAAAEgAAACQAAAASAAAAAAAAAAAAAAAAAAAAAEAAABQAAAAAAAAAAAA4D8AAAAAAADgPwAAAAAAAOA/AAAAAAAA4D8AAAAAAADgPwAAAAAAAOA/AAAAAAAA4D8AAAAAAADgPwAAAAAAAOA/AAAAAAAA4D8CAAAAjAAAAAAAAAAAAAAARHLEDP///wgAAAAAAAAAAAAAAAAAAAAAAAAAAAAAAAAAAAAAZAAAAAEAAABAAAAAAAAAAAAAAAAAAAAAAAAAAAAAAAAAAAAAAAAAAAAAAAAAAAAAAAAAAAAAAAAAAAAAAAAAAAAAAAAAAAAAAAAAAAAAAAAAAAAAAAAAAAAAAAAAAAAAFAAAADwAAAAAAAAAAAAAAAAAAAkUAAAAAQAAABQAAAAUAAAAFAAAAAEAAAAAAAAAZAAAAGQAAAAAAAAAZAAAAGQAAAAVAAAAYAAAAAAAAAAAAAAADwAAACADAAAAAAAAAAAAAAEAAACgMgAAVgcAAKr4//8BAAAAf39/AAEAAABkAAAAAAAAABQAAABAHwAAAAAAACYAAAAAAAAAwOD//wAAAAAmAAAAZAAAABYAAABMAAAAAAAAAAAAAAAEAAAAAAAAAAEAAADn5uYKAAAAACgAAAAoAAAAZAAAAGQAAAAAAAAAzMzMAAAAAABQAAAAUAAAAGQAAABkAAAAAAAAABcAAAAUAAAAAAAAAAAAAAD/fwAA/38AAAAAAAAJAAAABAAAAAAAAAAeAAAAaAAAAAAAAAAAAAAAAAAAAAAAAAAAAAAAECcAABAnAAAAAAAAAAAAAAAAAAAAAAAAAAAAAAAAAAAAAAAAAAAAABQAAAAAAAAAwMD/AAAAAABkAAAAMgAAAAAAAABkAAAAAAAAAH9/fwAKAAAAIgAAABgAAAAAAAAAAAAAAAAAAAAAAAAAAAAAAAAAAAAkAAAAJAAAAAAAAAAHAAAAAAAAAAAAAAAAAAAAAAAAAAAAAAAAAAAAf39/ACUAAABYAAAAAAAAAAAAAAAAAAAAAAAAAAAAAAAAAAAAAAAAAAAAAAAAAAAAAAAAAAAAAAA/AAAAAAAAAKCGAQAAAAAAAAAAAAAAAAAMAAAAAQAAAAAAAAAAAAAAAAAAAB8AAABUAAAARHLEBf///wEAAAAAAAAAAAAAAAAAAAAAAAAAAAAAAAAAAAAAAAAAAAAAAAJ/f38A5+bmA8zMzADAwP8Af39/AAAAAAAAAAAAAAAAAAAAAAAAAAAAIQAAABgAAAAUAAAA8hUAAAgHAACgQQAA3wkAABAAAAAmAAAACAAAAP//////////"/>
+              </a:ext>
+            </a:extLst>
+          </p:cNvSpPr>
+          <p:nvPr/>
+        </p:nvSpPr>
+        <p:spPr>
+          <a:xfrm>
+            <a:off x="3567430" y="1143000"/>
+            <a:ext cx="7100570" cy="461645"/>
+          </a:xfrm>
+          <a:prstGeom prst="rect">
+            <a:avLst/>
+          </a:prstGeom>
+          <a:noFill/>
+          <a:ln>
+            <a:noFill/>
+          </a:ln>
+          <a:effectLst/>
+        </p:spPr>
+        <p:txBody>
+          <a:bodyPr vert="horz" wrap="square" lIns="91440" tIns="45720" rIns="91440" bIns="45720" numCol="1" spcCol="215900" anchor="t"/>
+          <a:lstStyle/>
+          <a:p>
+            <a:pPr marL="342900" indent="-342900" algn="r">
+              <a:defRPr lang="en-us"/>
+            </a:pPr>
+            <a:r>
+              <a:rPr lang="en-us" sz="2400" cap="none">
+                <a:solidFill>
+                  <a:srgbClr val="FF0000"/>
+                </a:solidFill>
+                <a:latin typeface="Trebuchet MS" pitchFamily="2" charset="0"/>
+                <a:ea typeface="Calibri" pitchFamily="2" charset="0"/>
+                <a:cs typeface="Calibri" pitchFamily="2" charset="0"/>
+              </a:rPr>
+              <a:t>Any other information</a:t>
+            </a:r>
+          </a:p>
+        </p:txBody>
+      </p:sp>
       <p:pic>
         <p:nvPicPr>
-          <p:cNvPr id="3" name="Picture"/>
+          <p:cNvPr id="4" name="Picture"/>
           <p:cNvPicPr>
             <a:extLst>
               <a:ext uri="smNativeData">
-                <pr:smNativeData xmlns:mc="http://schemas.openxmlformats.org/markup-compatibility/2006" xmlns:p14="http://schemas.microsoft.com/office/powerpoint/2010/main" xmlns:p15="http://schemas.microsoft.com/office/powerpoint/2012/main" xmlns:pr="smNativeData" xmlns="smNativeData" val="SMDATA_17_3RkyYhMAAAAlAAAAEQAAAA0AAAAAkAAAAEgAAACQAAAASAAAAAAAAAAAAAAAAAAAAAEAAABQAAAAAAAAAAAA4D8AAAAAAADgPwAAAAAAAOA/AAAAAAAA4D8AAAAAAADgPwAAAAAAAOA/AAAAAAAA4D8AAAAAAADgPwAAAAAAAOA/AAAAAAAA4D8CAAAAjAAAAAAAAAAAAAAARHLEDP///wgAAAAAAAAAAAAAAAAAAAAAAAAAAAAAAAAAAAAAZAAAAAEAAABAAAAAAAAAAAAAAAAAAAAAAAAAAAAAAAAAAAAAAAAAAAAAAAAAAAAAAAAAAAAAAAAAAAAAAAAAAAAAAAAAAAAAAAAAAAAAAAAAAAAAAAAAAAAAAAAAAAAAFAAAADwAAAAAAAAAAAAAAAAAAAkUAAAAAQAAABQAAAAUAAAAFAAAAAEAAAAAAAAAZAAAAGQAAAAAAAAAZAAAAGQAAAAVAAAAYAAAAAAAAAAAAAAADwAAACADAAAAAAAAAAAAAAEAAACgMgAAVgcAAKr4//8BAAAAf39/AAEAAABkAAAAAAAAABQAAABAHwAAAAAAACYAAAAAAAAAwOD//wAAAAAmAAAAZAAAABYAAABMAAAAAAAAAAAAAAAEAAAAAAAAAAEAAADn5uYKAAAAACgAAAAoAAAAZAAAAGQAAAAAAAAAzMzMAAAAAABQAAAAUAAAAGQAAABkAAAAAAAAAAcAAAA4AAAAAAAAAAAAAAAAAAAA////AAAAAAAAAAAAAAAAAAAAAAAAAAAAAAAAAAAAAABkAAAAZAAAAAAAAAAjAAAABAAAAGQAAAAXAAAAFAAAAAAAAAAAAAAA/38AAP9/AAAAAAAACQAAAAQAAAADAAAAHgAAAGgAAAAAAAAAAAAAAAAAAAAAAAAAAAAAABAnAAAQJwAAAAAAAAAAAAAAAAAAAAAAAAAAAAAAAAAAAAAAAAAAAAAUAAAAAAAAAMDA/wAAAAAAZAAAADIAAAAAAAAAZAAAAAAAAAB/f38ACgAAACIAAAAYAAAAAAAAAAAAAAAAAAAAAAAAAAAAAAAAAAAAJAAAACQAAAAAAAAABwAAAAAAAAAAAAAAAAAAAAAAAAAAAAAAAAAAAH9/fwAlAAAAWAAAAAAAAAAAAAAAAAAAAAAAAAAAAAAAAAAAAAAAAAAAAAAAAAAAAAAAAAAAAAAAPwAAAAAAAACghgEAAAAAAAAAAAAAAAAADAAAAAEAAAAAAAAAAAAAAAAAAAAfAAAAVAAAAERyxAX///8BAAAAAAAAAAAAAAAAAAAAAAAAAAAAAAAAAAAAAAAAAAAAAAACf39/AOfm5gPMzMwAwMD/AH9/fwAAAAAAAAAAAAAAAAD///8AAAAAACEAAAAYAAAAFAAAAGVFAACIAAAAXkgAAKkFAAAQAAAAJgAAAAgAAAD//////////w=="/>
+                <pr:smNativeData xmlns:mc="http://schemas.openxmlformats.org/markup-compatibility/2006" xmlns:p14="http://schemas.microsoft.com/office/powerpoint/2010/main" xmlns:p15="http://schemas.microsoft.com/office/powerpoint/2012/main" xmlns:pr="smNativeData" xmlns="smNativeData" val="SMDATA_17_3RkyYhMAAAAlAAAAEQAAAA0AAAAAkAAAAEgAAACQAAAASAAAAAAAAAAAAAAAAAAAAAEAAABQAAAAAAAAAAAA4D8AAAAAAADgPwAAAAAAAOA/AAAAAAAA4D8AAAAAAADgPwAAAAAAAOA/AAAAAAAA4D8AAAAAAADgPwAAAAAAAOA/AAAAAAAA4D8CAAAAjAAAAAAAAAAAAAAARHLEDP///wgAAAAAAAAAAAAAAAAAAAAAAAAAAAAAAAAAAAAAZAAAAAEAAABAAAAAAAAAAAAAAAAAAAAAAAAAAAAAAAAAAAAAAAAAAAAAAAAAAAAAAAAAAAAAAAAAAAAAAAAAAAAAAAAAAAAAAAAAAAAAAAAAAAAAAAAAAAAAAAAAAAAAFAAAADwAAAAAAAAAAAAAAAAAAAkUAAAAAQAAABQAAAAUAAAAFAAAAAEAAAAAAAAAZAAAAGQAAAAAAAAAZAAAAGQAAAAVAAAAYAAAAAAAAAAAAAAADwAAACADAAAAAAAAAAAAAAEAAACgMgAAVgcAAKr4//8BAAAAf39/AAEAAABkAAAAAAAAABQAAABAHwAAAAAAACYAAAAAAAAAwOD//wAAAAAmAAAAZAAAABYAAABMAAAAAAAAAAAAAAAEAAAAAAAAAAEAAADn5uYKAAAAACgAAAAoAAAAZAAAAGQAAAAAAAAAzMzMAAAAAABQAAAAUAAAAGQAAABkAAAAAAAAAAcAAAA4AAAAAAAAAAAAAAAAAAAA////AAAAAAAAAAAAAAAAAAAAAAAAAAAAAAAAAAAAAABkAAAAZAAAAAAAAAAjAAAABAAAAGQAAAAXAAAAFAAAAAAAAAAAAAAA/38AAP9/AAAAAAAACQAAAAQAAABjuy94HgAAAGgAAAAAAAAAAAAAAAAAAAAAAAAAAAAAABAnAAAQJwAAAAAAAAAAAAAAAAAAAAAAAAAAAAAAAAAAAAAAAAAAAAAUAAAAAAAAAMDA/wAAAAAAZAAAADIAAAAAAAAAZAAAAAAAAAB/f38ACgAAACIAAAAYAAAAAAAAAAAAAAAAAAAAAAAAAAAAAAAAAAAAJAAAACQAAAAAAAAABwAAAAAAAAAAAAAAAAAAAAAAAAAAAAAAAAAAAH9/fwAlAAAAWAAAAAAAAAAAAAAAAAAAAAAAAAAAAAAAAAAAAAAAAAAAAAAAAAAAAAAAAAAAAAAAPwAAAAAAAACghgEAAAAAAAAAAAAAAAAADAAAAAEAAAAAAAAAAAAAAAAAAAAfAAAAVAAAAERyxAX///8BAAAAAAAAAAAAAAAAAAAAAAAAAAAAAAAAAAAAAAAAAAAAAAACf39/AOfm5gPMzMwAwMD/AH9/fwAAAAAAAAAAAAAAAAD///8AAAAAACEAAAAYAAAAFAAAAGVFAACIAAAAXkgAAKkFAAAQAAAAJgAAAAgAAAD//////////w=="/>
               </a:ext>
             </a:extLst>
           </p:cNvPicPr>
@@ -14570,6 +15670,579 @@
           <a:effectLst/>
         </p:spPr>
       </p:pic>
+      <p:sp>
+        <p:nvSpPr>
+          <p:cNvPr id="5" name="Google Shape;62;p8"/>
+          <p:cNvSpPr>
+            <a:extLst>
+              <a:ext uri="smNativeData">
+                <pr:smNativeData xmlns:mc="http://schemas.openxmlformats.org/markup-compatibility/2006" xmlns:p14="http://schemas.microsoft.com/office/powerpoint/2010/main" xmlns:p15="http://schemas.microsoft.com/office/powerpoint/2012/main" xmlns:pr="smNativeData" xmlns="smNativeData" val="SMDATA_15_3RkyYhMAAAAlAAAAZAAAAA0AAAAAkAAAAEgAAACQAAAASAAAAAAAAAABAAAAAAAAAAEAAABQAAAAAAAAAAAA4D8AAAAAAADgPwAAAAAAAOA/AAAAAAAA4D8AAAAAAADgPwAAAAAAAOA/AAAAAAAA4D8AAAAAAADgPwAAAAAAAOA/AAAAAAAA4D8CAAAAjAAAAAAAAAAAAAAARHLEDP///wgAAAAAAAAAAAAAAAAAAAAAAAAAAAAAAAAAAAAAZAAAAAEAAABAAAAAAAAAAAAAAAAAAAAAAAAAAAAAAAAAAAAAAAAAAAAAAAAAAAAAAAAAAAAAAAAAAAAAAAAAAAAAAAAAAAAAAAAAAAAAAAAAAAAAAAAAAAAAAAAAAAAAFAAAADwAAAAAAAAAAAAAAAAAAAkUAAAAAQAAABQAAAAUAAAAFAAAAAEAAAAAAAAAZAAAAGQAAAAAAAAAZAAAAGQAAAAVAAAAYAAAAAAAAAAAAAAADwAAACADAAAAAAAAAAAAAAEAAACgMgAAVgcAAKr4//8BAAAAf39/AAEAAABkAAAAAAAAABQAAABAHwAAAAAAACYAAAAAAAAAwOD//wAAAAAmAAAAZAAAABYAAABMAAAAAAAAAAAAAAAEAAAAAAAAAAEAAADn5uYKAAAAACgAAAAoAAAAZAAAAGQAAAAAAAAAzMzMAAAAAABQAAAAUAAAAGQAAABkAAAAAAAAABcAAAAUAAAAAAAAAAAAAAD/fwAA/38AAAAAAAAJAAAABAAAAAAAAAAeAAAAaAAAAAAAAAAAAAAAAAAAAAAAAAAAAAAAECcAABAnAAAAAAAAAAAAAAAAAAAAAAAAAAAAAAAAAAAAAAAAAAAAABQAAAAAAAAAwMD/AAAAAABkAAAAMgAAAAAAAABkAAAAAAAAAH9/fwAKAAAAIgAAABgAAAAAAAAAAAAAAAAAAAAAAAAAAAAAAAAAAAAkAAAAJAAAAAAAAAAHAAAAAAAAAAAAAAAAAAAAAAAAAAAAAAAAAAAAf39/ACUAAABYAAAAAAAAAAAAAAAAAAAAAAAAAAAAAAAAAAAAAAAAAAAAAAAAAAAAAAAAAAAAAAA/AAAAAAAAAKCGAQAAAAAAAAAAAAAAAAAMAAAAAQAAAAAAAAAAAAAAAAAAAB8AAABUAAAARHLEBf///wEAAAAAAAAAAAAAAAAAAAAAAAAAAAAAAAAAAAAAAAAAAAAAAAJ/f38A5+bmA8zMzADAwP8Af39/AAAAAAAAAAAAAAAAAAAAAAAAAAAAIQAAABgAAAAUAAAAfAwAAPQJAACgQQAAzSEAABAAAAAmAAAACAAAAP//////////"/>
+              </a:ext>
+            </a:extLst>
+          </p:cNvSpPr>
+          <p:nvPr/>
+        </p:nvSpPr>
+        <p:spPr>
+          <a:xfrm>
+            <a:off x="2029460" y="1617980"/>
+            <a:ext cx="8638540" cy="3876675"/>
+          </a:xfrm>
+          <a:prstGeom prst="rect">
+            <a:avLst/>
+          </a:prstGeom>
+          <a:noFill/>
+          <a:ln>
+            <a:noFill/>
+          </a:ln>
+          <a:effectLst/>
+        </p:spPr>
+        <p:txBody>
+          <a:bodyPr vert="horz" wrap="square" lIns="91440" tIns="45720" rIns="91440" bIns="45720" numCol="1" spcCol="215900" anchor="ctr"/>
+          <a:lstStyle/>
+          <a:p>
+            <a:pPr marL="342900" indent="12700" algn="just">
+              <a:spcBef>
+                <a:spcPts val="575"/>
+              </a:spcBef>
+              <a:defRPr lang="en-us"/>
+            </a:pPr>
+            <a:r>
+              <a:rPr lang="en-in" sz="2400" cap="none">
+                <a:solidFill>
+                  <a:srgbClr val="0000FF"/>
+                </a:solidFill>
+                <a:latin typeface="Trebuchet MS" pitchFamily="2" charset="0"/>
+                <a:ea typeface="Calibri" pitchFamily="2" charset="0"/>
+                <a:cs typeface="Calibri" pitchFamily="2" charset="0"/>
+              </a:rPr>
+              <a:t>Provide any other information you wish to add on.</a:t>
+            </a:r>
+          </a:p>
+          <a:p>
+            <a:pPr marL="342900" indent="12700" algn="just">
+              <a:spcBef>
+                <a:spcPts val="575"/>
+              </a:spcBef>
+              <a:defRPr lang="en-us"/>
+            </a:pPr>
+            <a:r>
+              <a:rPr lang="en-in" sz="2400" cap="none">
+                <a:solidFill>
+                  <a:srgbClr val="0000FF"/>
+                </a:solidFill>
+                <a:latin typeface="Trebuchet MS" pitchFamily="2" charset="0"/>
+                <a:ea typeface="Calibri" pitchFamily="2" charset="0"/>
+                <a:cs typeface="Calibri" pitchFamily="2" charset="0"/>
+              </a:rPr>
+              <a:t> </a:t>
+            </a:r>
+          </a:p>
+          <a:p>
+            <a:pPr marL="342900" indent="12700" algn="just">
+              <a:spcBef>
+                <a:spcPts val="575"/>
+              </a:spcBef>
+              <a:defRPr lang="en-us"/>
+            </a:pPr>
+            <a:endParaRPr lang="en-in" sz="2400" cap="none">
+              <a:solidFill>
+                <a:srgbClr val="0000FF"/>
+              </a:solidFill>
+              <a:latin typeface="Trebuchet MS" pitchFamily="2" charset="0"/>
+              <a:ea typeface="Calibri" pitchFamily="2" charset="0"/>
+              <a:cs typeface="Calibri" pitchFamily="2" charset="0"/>
+            </a:endParaRPr>
+          </a:p>
+          <a:p>
+            <a:pPr marL="342900" indent="12700" algn="just">
+              <a:spcBef>
+                <a:spcPts val="575"/>
+              </a:spcBef>
+              <a:defRPr lang="en-us"/>
+            </a:pPr>
+            <a:r>
+              <a:rPr lang="en-in" sz="2400" cap="none">
+                <a:solidFill>
+                  <a:srgbClr val="0000FF"/>
+                </a:solidFill>
+                <a:latin typeface="Trebuchet MS" pitchFamily="2" charset="0"/>
+                <a:ea typeface="Calibri" pitchFamily="2" charset="0"/>
+                <a:cs typeface="Calibri" pitchFamily="2" charset="0"/>
+              </a:rPr>
+              <a:t>Note: Changes can be made in the template, with the consent of the guide for inclusion of any other information.</a:t>
+            </a:r>
+            <a:endParaRPr lang="en-in" sz="2400" cap="none">
+              <a:latin typeface="Trebuchet MS" pitchFamily="2" charset="0"/>
+              <a:ea typeface="Calibri" pitchFamily="2" charset="0"/>
+              <a:cs typeface="Calibri" pitchFamily="2" charset="0"/>
+            </a:endParaRPr>
+          </a:p>
+        </p:txBody>
+      </p:sp>
+    </p:spTree>
+  </p:cSld>
+  <p:clrMapOvr>
+    <a:masterClrMapping/>
+  </p:clrMapOvr>
+</p:sld>
+</file>
+
+<file path=ppt/slides/slide28.xml><?xml version="1.0" encoding="utf-8"?>
+<p:sld xmlns:a="http://schemas.openxmlformats.org/drawingml/2006/main" xmlns:r="http://schemas.openxmlformats.org/officeDocument/2006/relationships" xmlns:p="http://schemas.openxmlformats.org/presentationml/2006/main">
+  <p:cSld>
+    <p:spTree>
+      <p:nvGrpSpPr>
+        <p:cNvPr id="1" name=""/>
+        <p:cNvGrpSpPr/>
+        <p:nvPr/>
+      </p:nvGrpSpPr>
+      <p:grpSpPr>
+        <a:xfrm>
+          <a:off x="0" y="0"/>
+          <a:ext cx="0" cy="0"/>
+          <a:chOff x="0" y="0"/>
+          <a:chExt cx="0" cy="0"/>
+        </a:xfrm>
+      </p:grpSpPr>
+      <p:sp>
+        <p:nvSpPr>
+          <p:cNvPr id="2" name="Google Shape;38;p5"/>
+          <p:cNvSpPr>
+            <a:extLst>
+              <a:ext uri="smNativeData">
+                <pr:smNativeData xmlns:mc="http://schemas.openxmlformats.org/markup-compatibility/2006" xmlns:p14="http://schemas.microsoft.com/office/powerpoint/2010/main" xmlns:p15="http://schemas.microsoft.com/office/powerpoint/2012/main" xmlns:pr="smNativeData" xmlns="smNativeData" val="SMDATA_15_3RkyYhMAAAAlAAAAZAAAAA0AAAAAkAAAAEgAAACQAAAASAAAAAAAAAABAAAAAAAAAAEAAABQAAAAAAAAAAAA4D8AAAAAAADgPwAAAAAAAOA/AAAAAAAA4D8AAAAAAADgPwAAAAAAAOA/AAAAAAAA4D8AAAAAAADgPwAAAAAAAOA/AAAAAAAA4D8CAAAAjAAAAAEAAAAAAAAAM8zMAP///wgAAAAAAAAAAAAAAAAAAAAAAAAAAAAAAAAAAAAAeAAAAAEAAABAAAAAAAAAAAAAAABaAAAAAAAAAAAAAAAAAAAAAAAAAAAAAAAAAAAAAAAAAAAAAAAAAAAAAAAAAAAAAAAAAAAAAAAAAAAAAAAAAAAAAAAAAAAAAAAAAAAAFAAAADwAAAAAAAAAAAAAAAAAAAkUAAAAAQAAABQAAAAUAAAAFAAAAAEAAAAAAAAAZAAAAGQAAAAAAAAAZAAAAGQAAAAVAAAAYAAAAAAAAAAAAAAADwAAACADAAAAAAAAAAAAAAEAAACgMgAAVgcAAKr4//8BAAAAf39/AAEAAABkAAAAAAAAABQAAABAHwAAAAAAACYAAAAAAAAAwOD//wAAAAAmAAAAZAAAABYAAABMAAAAAAAAAAAAAAAEAAAAAAAAAAEAAADn5uYKAAAAACgAAAAoAAAAZAAAAGQAAAAAAAAAzMzMAAAAAABQAAAAUAAAAGQAAABkAAAAAAAAABcAAAAUAAAAAAAAAAAAAAD/fwAA/38AAAAAAAAJAAAABAAAAAAAAAAeAAAAaAAAAAAAAAAAAAAAAAAAAAAAAAAAAAAAECcAABAnAAAAAAAAAAAAAAAAAAAAAAAAAAAAAAAAAAAAAAAAAAAAABQAAAAAAAAAwMD/AAAAAABkAAAAMgAAAAAAAABkAAAAAAAAAH9/fwAKAAAAIgAAABgAAAAAAAAAAAAAAAAAAAAAAAAAAAAAAAAAAAAkAAAAJAAAAAAAAAAHAAAAAAAAAAAAAAAAAAAAAAAAAAAAAAAAAAAAf39/ACUAAABYAAAAAAAAAAAAAAAAAAAAAAAAAAAAAAAAAAAAAAAAAAAAAAAAAAAAAAAAAAAAAAA/AAAAAAAAAKCGAQAAAAAAAAAAAAAAAAAMAAAAAQAAAAAAAAAAAAAAAAAAAB8AAABUAAAAM8zMAP///wEAAAAAAAAAAAAAAAAAAAAAAAAAAAAAAAAAAAAAAAAAAAAAAAJ/f38A5+bmA8zMzADAwP8Af39/AAAAAAAAAAAAAAAAAAAAAAAAAAAAIQAAABgAAAAUAAAAwBIAALoJAACgQQAA9AkAABAAAAAmAAAACAAAAP//////////"/>
+              </a:ext>
+            </a:extLst>
+          </p:cNvSpPr>
+          <p:nvPr/>
+        </p:nvSpPr>
+        <p:spPr>
+          <a:xfrm>
+            <a:off x="3048000" y="1581150"/>
+            <a:ext cx="7620000" cy="36830"/>
+          </a:xfrm>
+          <a:prstGeom prst="rect">
+            <a:avLst/>
+          </a:prstGeom>
+          <a:solidFill>
+            <a:srgbClr val="33CCCC"/>
+          </a:solidFill>
+          <a:ln>
+            <a:noFill/>
+          </a:ln>
+          <a:effectLst/>
+        </p:spPr>
+        <p:txBody>
+          <a:bodyPr vert="horz" wrap="square" lIns="91440" tIns="45720" rIns="91440" bIns="45720" numCol="1" spcCol="215900" anchor="ctr"/>
+          <a:lstStyle/>
+          <a:p>
+            <a:pPr>
+              <a:defRPr lang="en-us"/>
+            </a:pPr>
+            <a:endParaRPr lang="en-us" cap="none">
+              <a:solidFill>
+                <a:srgbClr val="000000"/>
+              </a:solidFill>
+              <a:latin typeface="Arial" pitchFamily="2" charset="0"/>
+              <a:ea typeface="Arial" pitchFamily="2" charset="0"/>
+              <a:cs typeface="Arial" pitchFamily="2" charset="0"/>
+            </a:endParaRPr>
+          </a:p>
+        </p:txBody>
+      </p:sp>
+      <p:sp>
+        <p:nvSpPr>
+          <p:cNvPr id="3" name="Google Shape;39;p5"/>
+          <p:cNvSpPr>
+            <a:extLst>
+              <a:ext uri="smNativeData">
+                <pr:smNativeData xmlns:mc="http://schemas.openxmlformats.org/markup-compatibility/2006" xmlns:p14="http://schemas.microsoft.com/office/powerpoint/2010/main" xmlns:p15="http://schemas.microsoft.com/office/powerpoint/2012/main" xmlns:pr="smNativeData" xmlns="smNativeData" val="SMDATA_15_3RkyYhMAAAAlAAAAZAAAAA0AAAAAkAAAAEgAAACQAAAASAAAAAAAAAAAAAAAAAAAAAEAAABQAAAAAAAAAAAA4D8AAAAAAADgPwAAAAAAAOA/AAAAAAAA4D8AAAAAAADgPwAAAAAAAOA/AAAAAAAA4D8AAAAAAADgPwAAAAAAAOA/AAAAAAAA4D8CAAAAjAAAAAAAAAAAAAAARHLEDP///wgAAAAAAAAAAAAAAAAAAAAAAAAAAAAAAAAAAAAAZAAAAAEAAABAAAAAAAAAAAAAAAAAAAAAAAAAAAAAAAAAAAAAAAAAAAAAAAAAAAAAAAAAAAAAAAAAAAAAAAAAAAAAAAAAAAAAAAAAAAAAAAAAAAAAAAAAAAAAAAAAAAAAFAAAADwAAAAAAAAAAAAAAAAAAAkUAAAAAQAAABQAAAAUAAAAFAAAAAEAAAAAAAAAZAAAAGQAAAAAAAAAZAAAAGQAAAAVAAAAYAAAAAAAAAAAAAAADwAAACADAAAAAAAAAAAAAAEAAACgMgAAVgcAAKr4//8BAAAAf39/AAEAAABkAAAAAAAAABQAAABAHwAAAAAAACYAAAAAAAAAwOD//wAAAAAmAAAAZAAAABYAAABMAAAAAAAAAAAAAAAEAAAAAAAAAAEAAADn5uYKAAAAACgAAAAoAAAAZAAAAGQAAAAAAAAAzMzMAAAAAABQAAAAUAAAAGQAAABkAAAAAAAAABcAAAAUAAAAAAAAAAAAAAD/fwAA/38AAAAAAAAJAAAABAAAAPX///8eAAAAaAAAAAAAAAAAAAAAAAAAAAAAAAAAAAAAECcAABAnAAAAAAAAAAAAAAAAAAAAAAAAAAAAAAAAAAAAAAAAAAAAABQAAAAAAAAAwMD/AAAAAABkAAAAMgAAAAAAAABkAAAAAAAAAH9/fwAKAAAAIgAAABgAAAAAAAAAAAAAAAAAAAAAAAAAAAAAAAAAAAAkAAAAJAAAAAAAAAAHAAAAAAAAAAAAAAAAAAAAAAAAAAAAAAAAAAAAf39/ACUAAABYAAAAAAAAAAAAAAAAAAAAAAAAAAAAAAAAAAAAAAAAAAAAAAAAAAAAAAAAAAAAAAA/AAAAAAAAAKCGAQAAAAAAAAAAAAAAAAAMAAAAAQAAAAAAAAAAAAAAAAAAAB8AAABUAAAARHLEBf///wEAAAAAAAAAAAAAAAAAAAAAAAAAAAAAAAAAAAAAAAAAAAAAAAJ/f38A5+bmA8zMzADAwP8Af39/AAAAAAAAAAAAAAAAAAAAAAAAAAAAIQAAABgAAAAUAAAA8hUAAAgHAACgQQAA3wkAABAAAAAmAAAACAAAAP//////////"/>
+              </a:ext>
+            </a:extLst>
+          </p:cNvSpPr>
+          <p:nvPr/>
+        </p:nvSpPr>
+        <p:spPr>
+          <a:xfrm>
+            <a:off x="3567430" y="1143000"/>
+            <a:ext cx="7100570" cy="461645"/>
+          </a:xfrm>
+          <a:prstGeom prst="rect">
+            <a:avLst/>
+          </a:prstGeom>
+          <a:noFill/>
+          <a:ln>
+            <a:noFill/>
+          </a:ln>
+          <a:effectLst/>
+        </p:spPr>
+        <p:txBody>
+          <a:bodyPr vert="horz" wrap="square" lIns="91440" tIns="45720" rIns="91440" bIns="45720" numCol="1" spcCol="215900" anchor="t"/>
+          <a:lstStyle/>
+          <a:p>
+            <a:pPr marL="342900" indent="-342900" algn="r">
+              <a:defRPr lang="en-us"/>
+            </a:pPr>
+            <a:r>
+              <a:rPr lang="en-us" sz="2400" cap="none">
+                <a:solidFill>
+                  <a:srgbClr val="FF0000"/>
+                </a:solidFill>
+                <a:latin typeface="Trebuchet MS" pitchFamily="2" charset="0"/>
+                <a:ea typeface="Calibri" pitchFamily="2" charset="0"/>
+                <a:cs typeface="Calibri" pitchFamily="2" charset="0"/>
+              </a:rPr>
+              <a:t>Conclusion</a:t>
+            </a:r>
+          </a:p>
+        </p:txBody>
+      </p:sp>
+      <p:pic>
+        <p:nvPicPr>
+          <p:cNvPr id="4" name="Picture"/>
+          <p:cNvPicPr>
+            <a:extLst>
+              <a:ext uri="smNativeData">
+                <pr:smNativeData xmlns:mc="http://schemas.openxmlformats.org/markup-compatibility/2006" xmlns:p14="http://schemas.microsoft.com/office/powerpoint/2010/main" xmlns:p15="http://schemas.microsoft.com/office/powerpoint/2012/main" xmlns:pr="smNativeData" xmlns="smNativeData" val="SMDATA_17_3RkyYhMAAAAlAAAAEQAAAA0AAAAAkAAAAEgAAACQAAAASAAAAAAAAAAAAAAAAAAAAAEAAABQAAAAAAAAAAAA4D8AAAAAAADgPwAAAAAAAOA/AAAAAAAA4D8AAAAAAADgPwAAAAAAAOA/AAAAAAAA4D8AAAAAAADgPwAAAAAAAOA/AAAAAAAA4D8CAAAAjAAAAAAAAAAAAAAARHLEDP///wgAAAAAAAAAAAAAAAAAAAAAAAAAAAAAAAAAAAAAZAAAAAEAAABAAAAAAAAAAAAAAAAAAAAAAAAAAAAAAAAAAAAAAAAAAAAAAAAAAAAAAAAAAAAAAAAAAAAAAAAAAAAAAAAAAAAAAAAAAAAAAAAAAAAAAAAAAAAAAAAAAAAAFAAAADwAAAAAAAAAAAAAAAAAAAkUAAAAAQAAABQAAAAUAAAAFAAAAAEAAAAAAAAAZAAAAGQAAAAAAAAAZAAAAGQAAAAVAAAAYAAAAAAAAAAAAAAADwAAACADAAAAAAAAAAAAAAEAAACgMgAAVgcAAKr4//8BAAAAf39/AAEAAABkAAAAAAAAABQAAABAHwAAAAAAACYAAAAAAAAAwOD//wAAAAAmAAAAZAAAABYAAABMAAAAAAAAAAAAAAAEAAAAAAAAAAEAAADn5uYKAAAAACgAAAAoAAAAZAAAAGQAAAAAAAAAzMzMAAAAAABQAAAAUAAAAGQAAABkAAAAAAAAAAcAAAA4AAAAAAAAAAAAAAAAAAAA////AAAAAAAAAAAAAAAAAAAAAAAAAAAAAAAAAAAAAABkAAAAZAAAAAAAAAAjAAAABAAAAGQAAAAXAAAAFAAAAAAAAAAAAAAA/38AAP9/AAAAAAAACQAAAAQAAAAa0QtzHgAAAGgAAAAAAAAAAAAAAAAAAAAAAAAAAAAAABAnAAAQJwAAAAAAAAAAAAAAAAAAAAAAAAAAAAAAAAAAAAAAAAAAAAAUAAAAAAAAAMDA/wAAAAAAZAAAADIAAAAAAAAAZAAAAAAAAAB/f38ACgAAACIAAAAYAAAAAAAAAAAAAAAAAAAAAAAAAAAAAAAAAAAAJAAAACQAAAAAAAAABwAAAAAAAAAAAAAAAAAAAAAAAAAAAAAAAAAAAH9/fwAlAAAAWAAAAAAAAAAAAAAAAAAAAAAAAAAAAAAAAAAAAAAAAAAAAAAAAAAAAAAAAAAAAAAAPwAAAAAAAACghgEAAAAAAAAAAAAAAAAADAAAAAEAAAAAAAAAAAAAAAAAAAAfAAAAVAAAAERyxAX///8BAAAAAAAAAAAAAAAAAAAAAAAAAAAAAAAAAAAAAAAAAAAAAAACf39/AOfm5gPMzMwAwMD/AH9/fwAAAAAAAAAAAAAAAAD///8AAAAAACEAAAAYAAAAFAAAAGVFAACIAAAAXkgAAKkFAAAQAAAAJgAAAAgAAAD//////////w=="/>
+              </a:ext>
+            </a:extLst>
+          </p:cNvPicPr>
+          <p:nvPr/>
+        </p:nvPicPr>
+        <p:blipFill>
+          <a:blip r:embed="rId3"/>
+          <a:stretch>
+            <a:fillRect/>
+          </a:stretch>
+        </p:blipFill>
+        <p:spPr>
+          <a:xfrm>
+            <a:off x="11280775" y="86360"/>
+            <a:ext cx="483235" cy="833755"/>
+          </a:xfrm>
+          <a:prstGeom prst="rect">
+            <a:avLst/>
+          </a:prstGeom>
+          <a:noFill/>
+          <a:ln>
+            <a:noFill/>
+          </a:ln>
+          <a:effectLst/>
+        </p:spPr>
+      </p:pic>
+      <p:sp>
+        <p:nvSpPr>
+          <p:cNvPr id="5" name="Google Shape;62;p8"/>
+          <p:cNvSpPr>
+            <a:extLst>
+              <a:ext uri="smNativeData">
+                <pr:smNativeData xmlns:mc="http://schemas.openxmlformats.org/markup-compatibility/2006" xmlns:p14="http://schemas.microsoft.com/office/powerpoint/2010/main" xmlns:p15="http://schemas.microsoft.com/office/powerpoint/2012/main" xmlns:pr="smNativeData" xmlns="smNativeData" val="SMDATA_15_3RkyYhMAAAAlAAAAZAAAAA0AAAAAkAAAAEgAAACQAAAASAAAAAAAAAABAAAAAAAAAAEAAABQAAAAAAAAAAAA4D8AAAAAAADgPwAAAAAAAOA/AAAAAAAA4D8AAAAAAADgPwAAAAAAAOA/AAAAAAAA4D8AAAAAAADgPwAAAAAAAOA/AAAAAAAA4D8CAAAAjAAAAAAAAAAAAAAARHLEDP///wgAAAAAAAAAAAAAAAAAAAAAAAAAAAAAAAAAAAAAZAAAAAEAAABAAAAAAAAAAAAAAAAAAAAAAAAAAAAAAAAAAAAAAAAAAAAAAAAAAAAAAAAAAAAAAAAAAAAAAAAAAAAAAAAAAAAAAAAAAAAAAAAAAAAAAAAAAAAAAAAAAAAAFAAAADwAAAAAAAAAAAAAAAAAAAkUAAAAAQAAABQAAAAUAAAAFAAAAAEAAAAAAAAAZAAAAGQAAAAAAAAAZAAAAGQAAAAVAAAAYAAAAAAAAAAAAAAADwAAACADAAAAAAAAAAAAAAEAAACgMgAAVgcAAKr4//8BAAAAf39/AAEAAABkAAAAAAAAABQAAABAHwAAAAAAACYAAAAAAAAAwOD//wAAAAAmAAAAZAAAABYAAABMAAAAAAAAAAAAAAAEAAAAAAAAAAEAAADn5uYKAAAAACgAAAAoAAAAZAAAAGQAAAAAAAAAzMzMAAAAAABQAAAAUAAAAGQAAABkAAAAAAAAABcAAAAUAAAAAAAAAAAAAAD/fwAA/38AAAAAAAAJAAAABAAAAAQAAAAeAAAAaAAAAAAAAAAAAAAAAAAAAAAAAAAAAAAAECcAABAnAAAAAAAAAAAAAAAAAAAAAAAAAAAAAAAAAAAAAAAAAAAAABQAAAAAAAAAwMD/AAAAAABkAAAAMgAAAAAAAABkAAAAAAAAAH9/fwAKAAAAIgAAABgAAAAAAAAAAAAAAAAAAAAAAAAAAAAAAAAAAAAkAAAAJAAAAAAAAAAHAAAAAAAAAAAAAAAAAAAAAAAAAAAAAAAAAAAAf39/ACUAAABYAAAAAAAAAAAAAAAAAAAAAAAAAAAAAAAAAAAAAAAAAAAAAAAAAAAAAAAAAAAAAAA/AAAAAAAAAKCGAQAAAAAAAAAAAAAAAAAMAAAAAQAAAAAAAAAAAAAAAAAAAB8AAABUAAAARHLEBf///wEAAAAAAAAAAAAAAAAAAAAAAAAAAAAAAAAAAAAAAAAAAAAAAAJ/f38A5+bmA8zMzADAwP8Af39/AAAAAAAAAAAAAAAAAAAAAAAAAAAAIQAAABgAAAAUAAAA+xEAAPQJAACgQQAAZR8AABAAAAAmAAAACAAAAP//////////"/>
+              </a:ext>
+            </a:extLst>
+          </p:cNvSpPr>
+          <p:nvPr/>
+        </p:nvSpPr>
+        <p:spPr>
+          <a:xfrm>
+            <a:off x="2922905" y="1617980"/>
+            <a:ext cx="7745095" cy="3485515"/>
+          </a:xfrm>
+          <a:prstGeom prst="rect">
+            <a:avLst/>
+          </a:prstGeom>
+          <a:noFill/>
+          <a:ln>
+            <a:noFill/>
+          </a:ln>
+          <a:effectLst/>
+        </p:spPr>
+        <p:txBody>
+          <a:bodyPr vert="horz" wrap="square" lIns="91440" tIns="45720" rIns="91440" bIns="45720" numCol="1" spcCol="215900" anchor="ctr"/>
+          <a:lstStyle/>
+          <a:p>
+            <a:pPr marL="342900" indent="12700" algn="just">
+              <a:spcBef>
+                <a:spcPts val="575"/>
+              </a:spcBef>
+              <a:spcAft>
+                <a:spcPts val="0"/>
+              </a:spcAft>
+              <a:defRPr lang="en-us"/>
+            </a:pPr>
+            <a:r>
+              <a:rPr lang="en-in" sz="2400" cap="none">
+                <a:solidFill>
+                  <a:srgbClr val="0000FF"/>
+                </a:solidFill>
+                <a:latin typeface="Trebuchet MS" pitchFamily="2" charset="0"/>
+                <a:ea typeface="Calibri" pitchFamily="2" charset="0"/>
+                <a:cs typeface="Calibri" pitchFamily="2" charset="0"/>
+              </a:rPr>
+              <a:t>State the conclusion of your work.</a:t>
+            </a:r>
+            <a:endParaRPr lang="en-in" sz="2000" cap="none">
+              <a:latin typeface="Trebuchet MS" pitchFamily="2" charset="0"/>
+              <a:ea typeface="Calibri" pitchFamily="2" charset="0"/>
+              <a:cs typeface="Calibri" pitchFamily="2" charset="0"/>
+            </a:endParaRPr>
+          </a:p>
+        </p:txBody>
+      </p:sp>
+    </p:spTree>
+  </p:cSld>
+  <p:clrMapOvr>
+    <a:masterClrMapping/>
+  </p:clrMapOvr>
+</p:sld>
+</file>
+
+<file path=ppt/slides/slide29.xml><?xml version="1.0" encoding="utf-8"?>
+<p:sld xmlns:a="http://schemas.openxmlformats.org/drawingml/2006/main" xmlns:r="http://schemas.openxmlformats.org/officeDocument/2006/relationships" xmlns:p="http://schemas.openxmlformats.org/presentationml/2006/main">
+  <p:cSld>
+    <p:spTree>
+      <p:nvGrpSpPr>
+        <p:cNvPr id="1" name=""/>
+        <p:cNvGrpSpPr/>
+        <p:nvPr/>
+      </p:nvGrpSpPr>
+      <p:grpSpPr>
+        <a:xfrm>
+          <a:off x="0" y="0"/>
+          <a:ext cx="0" cy="0"/>
+          <a:chOff x="0" y="0"/>
+          <a:chExt cx="0" cy="0"/>
+        </a:xfrm>
+      </p:grpSpPr>
+      <p:sp>
+        <p:nvSpPr>
+          <p:cNvPr id="2" name="Google Shape;38;p5"/>
+          <p:cNvSpPr>
+            <a:extLst>
+              <a:ext uri="smNativeData">
+                <pr:smNativeData xmlns:mc="http://schemas.openxmlformats.org/markup-compatibility/2006" xmlns:p14="http://schemas.microsoft.com/office/powerpoint/2010/main" xmlns:p15="http://schemas.microsoft.com/office/powerpoint/2012/main" xmlns:pr="smNativeData" xmlns="smNativeData" val="SMDATA_15_3RkyYhMAAAAlAAAAZAAAAA0AAAAAkAAAAEgAAACQAAAASAAAAAAAAAABAAAAAAAAAAEAAABQAAAAAAAAAAAA4D8AAAAAAADgPwAAAAAAAOA/AAAAAAAA4D8AAAAAAADgPwAAAAAAAOA/AAAAAAAA4D8AAAAAAADgPwAAAAAAAOA/AAAAAAAA4D8CAAAAjAAAAAEAAAAAAAAAM8zMAP///wgAAAAAAAAAAAAAAAAAAAAAAAAAAAAAAAAAAAAAeAAAAAEAAABAAAAAAAAAAAAAAABaAAAAAAAAAAAAAAAAAAAAAAAAAAAAAAAAAAAAAAAAAAAAAAAAAAAAAAAAAAAAAAAAAAAAAAAAAAAAAAAAAAAAAAAAAAAAAAAAAAAAFAAAADwAAAAAAAAAAAAAAAAAAAkUAAAAAQAAABQAAAAUAAAAFAAAAAEAAAAAAAAAZAAAAGQAAAAAAAAAZAAAAGQAAAAVAAAAYAAAAAAAAAAAAAAADwAAACADAAAAAAAAAAAAAAEAAACgMgAAVgcAAKr4//8BAAAAf39/AAEAAABkAAAAAAAAABQAAABAHwAAAAAAACYAAAAAAAAAwOD//wAAAAAmAAAAZAAAABYAAABMAAAAAAAAAAAAAAAEAAAAAAAAAAEAAADn5uYKAAAAACgAAAAoAAAAZAAAAGQAAAAAAAAAzMzMAAAAAABQAAAAUAAAAGQAAABkAAAAAAAAABcAAAAUAAAAAAAAAAAAAAD/fwAA/38AAAAAAAAJAAAABAAAAPr///8eAAAAaAAAAAAAAAAAAAAAAAAAAAAAAAAAAAAAECcAABAnAAAAAAAAAAAAAAAAAAAAAAAAAAAAAAAAAAAAAAAAAAAAABQAAAAAAAAAwMD/AAAAAABkAAAAMgAAAAAAAABkAAAAAAAAAH9/fwAKAAAAIgAAABgAAAAAAAAAAAAAAAAAAAAAAAAAAAAAAAAAAAAkAAAAJAAAAAAAAAAHAAAAAAAAAAAAAAAAAAAAAAAAAAAAAAAAAAAAf39/ACUAAABYAAAAAAAAAAAAAAAAAAAAAAAAAAAAAAAAAAAAAAAAAAAAAAAAAAAAAAAAAAAAAAA/AAAAAAAAAKCGAQAAAAAAAAAAAAAAAAAMAAAAAQAAAAAAAAAAAAAAAAAAAB8AAABUAAAAM8zMAP///wEAAAAAAAAAAAAAAAAAAAAAAAAAAAAAAAAAAAAAAAAAAAAAAAJ/f38A5+bmA8zMzADAwP8Af39/AAAAAAAAAAAAAAAAAAAAAAAAAAAAIQAAABgAAAAUAAAAwBIAALoJAACgQQAA9AkAABAAAAAmAAAACAAAAP//////////"/>
+              </a:ext>
+            </a:extLst>
+          </p:cNvSpPr>
+          <p:nvPr/>
+        </p:nvSpPr>
+        <p:spPr>
+          <a:xfrm>
+            <a:off x="3048000" y="1581150"/>
+            <a:ext cx="7620000" cy="36830"/>
+          </a:xfrm>
+          <a:prstGeom prst="rect">
+            <a:avLst/>
+          </a:prstGeom>
+          <a:solidFill>
+            <a:srgbClr val="33CCCC"/>
+          </a:solidFill>
+          <a:ln>
+            <a:noFill/>
+          </a:ln>
+          <a:effectLst/>
+        </p:spPr>
+        <p:txBody>
+          <a:bodyPr vert="horz" wrap="square" lIns="91440" tIns="45720" rIns="91440" bIns="45720" numCol="1" spcCol="215900" anchor="ctr"/>
+          <a:lstStyle/>
+          <a:p>
+            <a:pPr>
+              <a:defRPr lang="en-us"/>
+            </a:pPr>
+            <a:endParaRPr lang="en-us" cap="none">
+              <a:solidFill>
+                <a:srgbClr val="000000"/>
+              </a:solidFill>
+              <a:latin typeface="Arial" pitchFamily="2" charset="0"/>
+              <a:ea typeface="Arial" pitchFamily="2" charset="0"/>
+              <a:cs typeface="Arial" pitchFamily="2" charset="0"/>
+            </a:endParaRPr>
+          </a:p>
+        </p:txBody>
+      </p:sp>
+      <p:sp>
+        <p:nvSpPr>
+          <p:cNvPr id="3" name="Google Shape;39;p5"/>
+          <p:cNvSpPr>
+            <a:extLst>
+              <a:ext uri="smNativeData">
+                <pr:smNativeData xmlns:mc="http://schemas.openxmlformats.org/markup-compatibility/2006" xmlns:p14="http://schemas.microsoft.com/office/powerpoint/2010/main" xmlns:p15="http://schemas.microsoft.com/office/powerpoint/2012/main" xmlns:pr="smNativeData" xmlns="smNativeData" val="SMDATA_15_3RkyYhMAAAAlAAAAZAAAAA0AAAAAkAAAAEgAAACQAAAASAAAAAAAAAAAAAAAAAAAAAEAAABQAAAAAAAAAAAA4D8AAAAAAADgPwAAAAAAAOA/AAAAAAAA4D8AAAAAAADgPwAAAAAAAOA/AAAAAAAA4D8AAAAAAADgPwAAAAAAAOA/AAAAAAAA4D8CAAAAjAAAAAAAAAAAAAAARHLEDP///wgAAAAAAAAAAAAAAAAAAAAAAAAAAAAAAAAAAAAAZAAAAAEAAABAAAAAAAAAAAAAAAAAAAAAAAAAAAAAAAAAAAAAAAAAAAAAAAAAAAAAAAAAAAAAAAAAAAAAAAAAAAAAAAAAAAAAAAAAAAAAAAAAAAAAAAAAAAAAAAAAAAAAFAAAADwAAAAAAAAAAAAAAAAAAAkUAAAAAQAAABQAAAAUAAAAFAAAAAEAAAAAAAAAZAAAAGQAAAAAAAAAZAAAAGQAAAAVAAAAYAAAAAAAAAAAAAAADwAAACADAAAAAAAAAAAAAAEAAACgMgAAVgcAAKr4//8BAAAAf39/AAEAAABkAAAAAAAAABQAAABAHwAAAAAAACYAAAAAAAAAwOD//wAAAAAmAAAAZAAAABYAAABMAAAAAAAAAAAAAAAEAAAAAAAAAAEAAADn5uYKAAAAACgAAAAoAAAAZAAAAGQAAAAAAAAAzMzMAAAAAABQAAAAUAAAAGQAAABkAAAAAAAAABcAAAAUAAAAAAAAAAAAAAD/fwAA/38AAAAAAAAJAAAABAAAAO////8eAAAAaAAAAAAAAAAAAAAAAAAAAAAAAAAAAAAAECcAABAnAAAAAAAAAAAAAAAAAAAAAAAAAAAAAAAAAAAAAAAAAAAAABQAAAAAAAAAwMD/AAAAAABkAAAAMgAAAAAAAABkAAAAAAAAAH9/fwAKAAAAIgAAABgAAAAAAAAAAAAAAAAAAAAAAAAAAAAAAAAAAAAkAAAAJAAAAAAAAAAHAAAAAAAAAAAAAAAAAAAAAAAAAAAAAAAAAAAAf39/ACUAAABYAAAAAAAAAAAAAAAAAAAAAAAAAAAAAAAAAAAAAAAAAAAAAAAAAAAAAAAAAAAAAAA/AAAAAAAAAKCGAQAAAAAAAAAAAAAAAAAMAAAAAQAAAAAAAAAAAAAAAAAAAB8AAABUAAAARHLEBf///wEAAAAAAAAAAAAAAAAAAAAAAAAAAAAAAAAAAAAAAAAAAAAAAAJ/f38A5+bmA8zMzADAwP8Af39/AAAAAAAAAAAAAAAAAAAAAAAAAAAAIQAAABgAAAAUAAAA8hUAAAgHAACgQQAA3wkAABAAAAAmAAAACAAAAP//////////"/>
+              </a:ext>
+            </a:extLst>
+          </p:cNvSpPr>
+          <p:nvPr/>
+        </p:nvSpPr>
+        <p:spPr>
+          <a:xfrm>
+            <a:off x="3567430" y="1143000"/>
+            <a:ext cx="7100570" cy="461645"/>
+          </a:xfrm>
+          <a:prstGeom prst="rect">
+            <a:avLst/>
+          </a:prstGeom>
+          <a:noFill/>
+          <a:ln>
+            <a:noFill/>
+          </a:ln>
+          <a:effectLst/>
+        </p:spPr>
+        <p:txBody>
+          <a:bodyPr vert="horz" wrap="square" lIns="91440" tIns="45720" rIns="91440" bIns="45720" numCol="1" spcCol="215900" anchor="t"/>
+          <a:lstStyle/>
+          <a:p>
+            <a:pPr marL="342900" indent="-342900" algn="r">
+              <a:defRPr lang="en-us"/>
+            </a:pPr>
+            <a:r>
+              <a:rPr lang="en-us" sz="2400" cap="none">
+                <a:solidFill>
+                  <a:srgbClr val="FF0000"/>
+                </a:solidFill>
+                <a:latin typeface="Trebuchet MS" pitchFamily="2" charset="0"/>
+                <a:ea typeface="Calibri" pitchFamily="2" charset="0"/>
+                <a:cs typeface="Calibri" pitchFamily="2" charset="0"/>
+              </a:rPr>
+              <a:t>References</a:t>
+            </a:r>
+          </a:p>
+        </p:txBody>
+      </p:sp>
+      <p:pic>
+        <p:nvPicPr>
+          <p:cNvPr id="4" name="Picture"/>
+          <p:cNvPicPr>
+            <a:extLst>
+              <a:ext uri="smNativeData">
+                <pr:smNativeData xmlns:mc="http://schemas.openxmlformats.org/markup-compatibility/2006" xmlns:p14="http://schemas.microsoft.com/office/powerpoint/2010/main" xmlns:p15="http://schemas.microsoft.com/office/powerpoint/2012/main" xmlns:pr="smNativeData" xmlns="smNativeData" val="SMDATA_17_3RkyYhMAAAAlAAAAEQAAAA0AAAAAkAAAAEgAAACQAAAASAAAAAAAAAAAAAAAAAAAAAEAAABQAAAAAAAAAAAA4D8AAAAAAADgPwAAAAAAAOA/AAAAAAAA4D8AAAAAAADgPwAAAAAAAOA/AAAAAAAA4D8AAAAAAADgPwAAAAAAAOA/AAAAAAAA4D8CAAAAjAAAAAAAAAAAAAAARHLEDP///wgAAAAAAAAAAAAAAAAAAAAAAAAAAAAAAAAAAAAAZAAAAAEAAABAAAAAAAAAAAAAAAAAAAAAAAAAAAAAAAAAAAAAAAAAAAAAAAAAAAAAAAAAAAAAAAAAAAAAAAAAAAAAAAAAAAAAAAAAAAAAAAAAAAAAAAAAAAAAAAAAAAAAFAAAADwAAAAAAAAAAAAAAAAAAAkUAAAAAQAAABQAAAAUAAAAFAAAAAEAAAAAAAAAZAAAAGQAAAAAAAAAZAAAAGQAAAAVAAAAYAAAAAAAAAAAAAAADwAAACADAAAAAAAAAAAAAAEAAACgMgAAVgcAAKr4//8BAAAAf39/AAEAAABkAAAAAAAAABQAAABAHwAAAAAAACYAAAAAAAAAwOD//wAAAAAmAAAAZAAAABYAAABMAAAAAAAAAAAAAAAEAAAAAAAAAAEAAADn5uYKAAAAACgAAAAoAAAAZAAAAGQAAAAAAAAAzMzMAAAAAABQAAAAUAAAAGQAAABkAAAAAAAAAAcAAAA4AAAAAAAAAAAAAAAAAAAA////AAAAAAAAAAAAAAAAAAAAAAAAAAAAAAAAAAAAAABkAAAAZAAAAAAAAAAjAAAABAAAAGQAAAAXAAAAFAAAAAAAAAAAAAAA/38AAP9/AAAAAAAACQAAAAQAAAAAZQHKHgAAAGgAAAAAAAAAAAAAAAAAAAAAAAAAAAAAABAnAAAQJwAAAAAAAAAAAAAAAAAAAAAAAAAAAAAAAAAAAAAAAAAAAAAUAAAAAAAAAMDA/wAAAAAAZAAAADIAAAAAAAAAZAAAAAAAAAB/f38ACgAAACIAAAAYAAAAAAAAAAAAAAAAAAAAAAAAAAAAAAAAAAAAJAAAACQAAAAAAAAABwAAAAAAAAAAAAAAAAAAAAAAAAAAAAAAAAAAAH9/fwAlAAAAWAAAAAAAAAAAAAAAAAAAAAAAAAAAAAAAAAAAAAAAAAAAAAAAAAAAAAAAAAAAAAAAPwAAAAAAAACghgEAAAAAAAAAAAAAAAAADAAAAAEAAAAAAAAAAAAAAAAAAAAfAAAAVAAAAERyxAX///8BAAAAAAAAAAAAAAAAAAAAAAAAAAAAAAAAAAAAAAAAAAAAAAACf39/AOfm5gPMzMwAwMD/AH9/fwAAAAAAAAAAAAAAAAD///8AAAAAACEAAAAYAAAAFAAAAGVFAACIAAAAXkgAAKkFAAAQAAAAJgAAAAgAAAD//////////w=="/>
+              </a:ext>
+            </a:extLst>
+          </p:cNvPicPr>
+          <p:nvPr/>
+        </p:nvPicPr>
+        <p:blipFill>
+          <a:blip r:embed="rId3"/>
+          <a:stretch>
+            <a:fillRect/>
+          </a:stretch>
+        </p:blipFill>
+        <p:spPr>
+          <a:xfrm>
+            <a:off x="11280775" y="86360"/>
+            <a:ext cx="483235" cy="833755"/>
+          </a:xfrm>
+          <a:prstGeom prst="rect">
+            <a:avLst/>
+          </a:prstGeom>
+          <a:noFill/>
+          <a:ln>
+            <a:noFill/>
+          </a:ln>
+          <a:effectLst/>
+        </p:spPr>
+      </p:pic>
+      <p:sp>
+        <p:nvSpPr>
+          <p:cNvPr id="5" name="Google Shape;62;p8"/>
+          <p:cNvSpPr>
+            <a:extLst>
+              <a:ext uri="smNativeData">
+                <pr:smNativeData xmlns:mc="http://schemas.openxmlformats.org/markup-compatibility/2006" xmlns:p14="http://schemas.microsoft.com/office/powerpoint/2010/main" xmlns:p15="http://schemas.microsoft.com/office/powerpoint/2012/main" xmlns:pr="smNativeData" xmlns="smNativeData" val="SMDATA_15_3RkyYhMAAAAlAAAAZAAAAA0AAAAAkAAAAEgAAACQAAAASAAAAAAAAAABAAAAAAAAAAEAAABQAAAAAAAAAAAA4D8AAAAAAADgPwAAAAAAAOA/AAAAAAAA4D8AAAAAAADgPwAAAAAAAOA/AAAAAAAA4D8AAAAAAADgPwAAAAAAAOA/AAAAAAAA4D8CAAAAjAAAAAAAAAAAAAAARHLEDP///wgAAAAAAAAAAAAAAAAAAAAAAAAAAAAAAAAAAAAAZAAAAAEAAABAAAAAAAAAAAAAAAAAAAAAAAAAAAAAAAAAAAAAAAAAAAAAAAAAAAAAAAAAAAAAAAAAAAAAAAAAAAAAAAAAAAAAAAAAAAAAAAAAAAAAAAAAAAAAAAAAAAAAFAAAADwAAAAAAAAAAAAAAAAAAAkUAAAAAQAAABQAAAAUAAAAFAAAAAEAAAAAAAAAZAAAAGQAAAAAAAAAZAAAAGQAAAAVAAAAYAAAAAAAAAAAAAAADwAAACADAAAAAAAAAAAAAAEAAACgMgAAVgcAAKr4//8BAAAAf39/AAEAAABkAAAAAAAAABQAAABAHwAAAAAAACYAAAAAAAAAwOD//wAAAAAmAAAAZAAAABYAAABMAAAAAAAAAAAAAAAEAAAAAAAAAAEAAADn5uYKAAAAACgAAAAoAAAAZAAAAGQAAAAAAAAAzMzMAAAAAABQAAAAUAAAAGQAAABkAAAAAAAAABcAAAAUAAAAAAAAAAAAAAD/fwAA/38AAAAAAAAJAAAABAAAAPr///8eAAAAaAAAAAAAAAAAAAAAAAAAAAAAAAAAAAAAECcAABAnAAAAAAAAAAAAAAAAAAAAAAAAAAAAAAAAAAAAAAAAAAAAABQAAAAAAAAAwMD/AAAAAABkAAAAMgAAAAAAAABkAAAAAAAAAH9/fwAKAAAAIgAAABgAAAAAAAAAAAAAAAAAAAAAAAAAAAAAAAAAAAAkAAAAJAAAAAAAAAAHAAAAAAAAAAAAAAAAAAAAAAAAAAAAAAAAAAAAf39/ACUAAABYAAAAAAAAAAAAAAAAAAAAAAAAAAAAAAAAAAAAAAAAAAAAAAAAAAAAAAAAAAAAAAA/AAAAAAAAAKCGAQAAAAAAAAAAAAAAAAAMAAAAAQAAAAAAAAAAAAAAAAAAAB8AAABUAAAARHLEBf///wEAAAAAAAAAAAAAAAAAAAAAAAAAAAAAAAAAAAAAAAAAAAAAAAJ/f38A5+bmA8zMzADAwP8Af39/AAAAAAAAAAAAAAAAAAAAAAAAAAAAIQAAABgAAAAUAAAAYAkAAPQJAACgQQAAOicAABAAAAAmAAAACAAAAP//////////"/>
+              </a:ext>
+            </a:extLst>
+          </p:cNvSpPr>
+          <p:nvPr/>
+        </p:nvSpPr>
+        <p:spPr>
+          <a:xfrm>
+            <a:off x="1524000" y="1617980"/>
+            <a:ext cx="9144000" cy="4758690"/>
+          </a:xfrm>
+          <a:prstGeom prst="rect">
+            <a:avLst/>
+          </a:prstGeom>
+          <a:noFill/>
+          <a:ln>
+            <a:noFill/>
+          </a:ln>
+          <a:effectLst/>
+        </p:spPr>
+        <p:txBody>
+          <a:bodyPr vert="horz" wrap="square" lIns="91440" tIns="45720" rIns="91440" bIns="45720" numCol="1" spcCol="215900" anchor="ctr"/>
+          <a:lstStyle/>
+          <a:p>
+            <a:pPr marL="342900" indent="12700" algn="just">
+              <a:spcBef>
+                <a:spcPts val="575"/>
+              </a:spcBef>
+              <a:defRPr lang="en-us"/>
+            </a:pPr>
+            <a:r>
+              <a:rPr lang="en-in" sz="2400" cap="none">
+                <a:solidFill>
+                  <a:srgbClr val="0000FF"/>
+                </a:solidFill>
+                <a:latin typeface="Trebuchet MS" pitchFamily="2" charset="0"/>
+                <a:ea typeface="Calibri" pitchFamily="2" charset="0"/>
+                <a:cs typeface="Calibri" pitchFamily="2" charset="0"/>
+              </a:rPr>
+              <a:t>Provide references pertaining to your research according to IEEE format.</a:t>
+            </a:r>
+          </a:p>
+          <a:p>
+            <a:pPr marL="342900" indent="12700" algn="just">
+              <a:spcBef>
+                <a:spcPts val="575"/>
+              </a:spcBef>
+              <a:defRPr lang="en-us"/>
+            </a:pPr>
+            <a:endParaRPr lang="en-in" sz="2400" cap="none">
+              <a:solidFill>
+                <a:srgbClr val="0000FF"/>
+              </a:solidFill>
+              <a:latin typeface="Trebuchet MS" pitchFamily="2" charset="0"/>
+              <a:ea typeface="Calibri" pitchFamily="2" charset="0"/>
+              <a:cs typeface="Calibri" pitchFamily="2" charset="0"/>
+            </a:endParaRPr>
+          </a:p>
+          <a:p>
+            <a:pPr marL="342900" indent="12700" algn="just">
+              <a:spcBef>
+                <a:spcPts val="575"/>
+              </a:spcBef>
+              <a:defRPr lang="en-us"/>
+            </a:pPr>
+            <a:r>
+              <a:rPr lang="en-in" sz="2400" cap="none">
+                <a:solidFill>
+                  <a:srgbClr val="0000FF"/>
+                </a:solidFill>
+                <a:latin typeface="Trebuchet MS" pitchFamily="2" charset="0"/>
+                <a:ea typeface="Calibri" pitchFamily="2" charset="0"/>
+                <a:cs typeface="Calibri" pitchFamily="2" charset="0"/>
+              </a:rPr>
+              <a:t>Example:</a:t>
+            </a:r>
+          </a:p>
+          <a:p>
+            <a:pPr marL="342900" indent="12700" algn="just">
+              <a:spcBef>
+                <a:spcPts val="575"/>
+              </a:spcBef>
+              <a:defRPr lang="en-us"/>
+            </a:pPr>
+            <a:r>
+              <a:rPr lang="en-us" sz="2400" cap="none">
+                <a:solidFill>
+                  <a:schemeClr val="accent2"/>
+                </a:solidFill>
+                <a:latin typeface="Trebuchet MS" pitchFamily="2" charset="0"/>
+                <a:ea typeface="Calibri" pitchFamily="2" charset="0"/>
+                <a:cs typeface="Calibri" pitchFamily="2" charset="0"/>
+              </a:rPr>
+              <a:t>G. Eason, B. Noble, and I. N. Sneddon, “On certain integrals of Lipschitz-Hankel type involving products of Bessel functions,” Phil. Trans. Roy. Soc. London, vol. A247, pp. 529–551, April 1955. (references)</a:t>
+            </a:r>
+          </a:p>
+        </p:txBody>
+      </p:sp>
     </p:spTree>
   </p:cSld>
   <p:clrMapOvr>
@@ -14944,6 +16617,119 @@
           </a:p>
         </p:txBody>
       </p:sp>
+    </p:spTree>
+  </p:cSld>
+  <p:clrMapOvr>
+    <a:masterClrMapping/>
+  </p:clrMapOvr>
+</p:sld>
+</file>
+
+<file path=ppt/slides/slide30.xml><?xml version="1.0" encoding="utf-8"?>
+<p:sld xmlns:a="http://schemas.openxmlformats.org/drawingml/2006/main" xmlns:r="http://schemas.openxmlformats.org/officeDocument/2006/relationships" xmlns:p="http://schemas.openxmlformats.org/presentationml/2006/main">
+  <p:cSld>
+    <p:spTree>
+      <p:nvGrpSpPr>
+        <p:cNvPr id="1" name=""/>
+        <p:cNvGrpSpPr/>
+        <p:nvPr/>
+      </p:nvGrpSpPr>
+      <p:grpSpPr>
+        <a:xfrm>
+          <a:off x="0" y="0"/>
+          <a:ext cx="0" cy="0"/>
+          <a:chOff x="0" y="0"/>
+          <a:chExt cx="0" cy="0"/>
+        </a:xfrm>
+      </p:grpSpPr>
+      <p:sp>
+        <p:nvSpPr>
+          <p:cNvPr id="2" name="Google Shape;91;p12"/>
+          <p:cNvSpPr>
+            <a:extLst>
+              <a:ext uri="smNativeData">
+                <pr:smNativeData xmlns:mc="http://schemas.openxmlformats.org/markup-compatibility/2006" xmlns:p14="http://schemas.microsoft.com/office/powerpoint/2010/main" xmlns:p15="http://schemas.microsoft.com/office/powerpoint/2012/main" xmlns:pr="smNativeData" xmlns="smNativeData" val="SMDATA_15_3RkyYhMAAAAlAAAAZAAAAA0AAAAAkAAAAEgAAACQAAAASAAAAAAAAAAAAAAAAAAAAAEAAABQAAAAAAAAAAAA4D8AAAAAAADgPwAAAAAAAOA/AAAAAAAA4D8AAAAAAADgPwAAAAAAAOA/AAAAAAAA4D8AAAAAAADgPwAAAAAAAOA/AAAAAAAA4D8CAAAAjAAAAAAAAAAAAAAARHLEDP///wgAAAAAAAAAAAAAAAAAAAAAAAAAAAAAAAAAAAAAZAAAAAEAAABAAAAAAAAAAAAAAAAAAAAAAAAAAAAAAAAAAAAAAAAAAAAAAAAAAAAAAAAAAAAAAAAAAAAAAAAAAAAAAAAAAAAAAAAAAAAAAAAAAAAAAAAAAAAAAAAAAAAAFAAAADwAAAAAAAAAAAAAAAAAAAkUAAAAAQAAABQAAAAUAAAAFAAAAAEAAAAAAAAAZAAAAGQAAAAAAAAAZAAAAGQAAAAVAAAAYAAAAAAAAAAAAAAADwAAACADAAAAAAAAAAAAAAEAAACgMgAAVgcAAKr4//8BAAAAf39/AAEAAABkAAAAAAAAABQAAABAHwAAAAAAACYAAAAAAAAAwOD//wAAAAAmAAAAZAAAABYAAABMAAAAAAAAAAAAAAAEAAAAAAAAAAEAAADn5uYKAAAAACgAAAAoAAAAZAAAAGQAAAAAAAAAzMzMAAAAAABQAAAAUAAAAGQAAABkAAAAAAAAABcAAAAUAAAAAAAAAAAAAAD/fwAA/38AAAAAAAAJAAAABAAAAO////8eAAAAaAAAAAAAAAAAAAAAAAAAAAAAAAAAAAAAECcAABAnAAAAAAAAAAAAAAAAAAAAAAAAAAAAAAAAAAAAAAAAAAAAABQAAAAAAAAAwMD/AAAAAABkAAAAMgAAAAAAAABkAAAAAAAAAH9/fwAKAAAAIgAAABgAAAAAAAAAAAAAAAAAAAAAAAAAAAAAAAAAAAAkAAAAJAAAAAAAAAAHAAAAAAAAAAAAAAAAAAAAAAAAAAAAAAAAAAAAf39/ACUAAABYAAAAAAAAAAAAAAAAAAAAAAAAAAAAAAAAAAAAAAAAAAAAAAAAAAAAAAAAAAAAAAA/AAAAAAAAAKCGAQAAAAAAAAAAAAAAAAAMAAAAAQAAAAAAAAAAAAAAAAAAAB8AAABUAAAARHLEBf///wEAAAAAAAAAAAAAAAAAAAAAAAAAAAAAAAAAAAAAAAAAAAAAAAJ/f38A5+bmA8zMzADAwP8Af39/AAAAAAAAAAAAAAAAAAAAAAAAAAAAIQAAABgAAAAUAAAA5BoAAKAUAADhLAAA+xgAABAAAAAmAAAACAAAAP//////////"/>
+              </a:ext>
+            </a:extLst>
+          </p:cNvSpPr>
+          <p:nvPr/>
+        </p:nvSpPr>
+        <p:spPr>
+          <a:xfrm>
+            <a:off x="4371340" y="3352800"/>
+            <a:ext cx="2924175" cy="708025"/>
+          </a:xfrm>
+          <a:prstGeom prst="rect">
+            <a:avLst/>
+          </a:prstGeom>
+          <a:noFill/>
+          <a:ln>
+            <a:noFill/>
+          </a:ln>
+          <a:effectLst/>
+        </p:spPr>
+        <p:txBody>
+          <a:bodyPr vert="horz" wrap="square" lIns="91440" tIns="45720" rIns="91440" bIns="45720" numCol="1" spcCol="215900" anchor="t"/>
+          <a:lstStyle/>
+          <a:p>
+            <a:pPr algn="ctr">
+              <a:defRPr lang="en-us"/>
+            </a:pPr>
+            <a:r>
+              <a:rPr lang="en-us" sz="4000" cap="none">
+                <a:solidFill>
+                  <a:srgbClr val="FF0000"/>
+                </a:solidFill>
+                <a:latin typeface="Trebuchet MS" pitchFamily="2" charset="0"/>
+                <a:ea typeface="Trebuchet MS" pitchFamily="2" charset="0"/>
+                <a:cs typeface="Trebuchet MS" pitchFamily="2" charset="0"/>
+              </a:rPr>
+              <a:t>Thank You</a:t>
+            </a:r>
+            <a:endParaRPr lang="en-us" sz="1400" cap="none">
+              <a:solidFill>
+                <a:srgbClr val="000000"/>
+              </a:solidFill>
+              <a:latin typeface="Arial" pitchFamily="2" charset="0"/>
+              <a:ea typeface="Arial" pitchFamily="2" charset="0"/>
+              <a:cs typeface="Arial" pitchFamily="2" charset="0"/>
+            </a:endParaRPr>
+          </a:p>
+        </p:txBody>
+      </p:sp>
+      <p:pic>
+        <p:nvPicPr>
+          <p:cNvPr id="3" name="Picture"/>
+          <p:cNvPicPr>
+            <a:extLst>
+              <a:ext uri="smNativeData">
+                <pr:smNativeData xmlns:mc="http://schemas.openxmlformats.org/markup-compatibility/2006" xmlns:p14="http://schemas.microsoft.com/office/powerpoint/2010/main" xmlns:p15="http://schemas.microsoft.com/office/powerpoint/2012/main" xmlns:pr="smNativeData" xmlns="smNativeData" val="SMDATA_17_3RkyYhMAAAAlAAAAEQAAAA0AAAAAkAAAAEgAAACQAAAASAAAAAAAAAAAAAAAAAAAAAEAAABQAAAAAAAAAAAA4D8AAAAAAADgPwAAAAAAAOA/AAAAAAAA4D8AAAAAAADgPwAAAAAAAOA/AAAAAAAA4D8AAAAAAADgPwAAAAAAAOA/AAAAAAAA4D8CAAAAjAAAAAAAAAAAAAAARHLEDP///wgAAAAAAAAAAAAAAAAAAAAAAAAAAAAAAAAAAAAAZAAAAAEAAABAAAAAAAAAAAAAAAAAAAAAAAAAAAAAAAAAAAAAAAAAAAAAAAAAAAAAAAAAAAAAAAAAAAAAAAAAAAAAAAAAAAAAAAAAAAAAAAAAAAAAAAAAAAAAAAAAAAAAFAAAADwAAAAAAAAAAAAAAAAAAAkUAAAAAQAAABQAAAAUAAAAFAAAAAEAAAAAAAAAZAAAAGQAAAAAAAAAZAAAAGQAAAAVAAAAYAAAAAAAAAAAAAAADwAAACADAAAAAAAAAAAAAAEAAACgMgAAVgcAAKr4//8BAAAAf39/AAEAAABkAAAAAAAAABQAAABAHwAAAAAAACYAAAAAAAAAwOD//wAAAAAmAAAAZAAAABYAAABMAAAAAAAAAAAAAAAEAAAAAAAAAAEAAADn5uYKAAAAACgAAAAoAAAAZAAAAGQAAAAAAAAAzMzMAAAAAABQAAAAUAAAAGQAAABkAAAAAAAAAAcAAAA4AAAAAAAAAAAAAAAAAAAA////AAAAAAAAAAAAAAAAAAAAAAAAAAAAAAAAAAAAAABkAAAAZAAAAAAAAAAjAAAABAAAAGQAAAAXAAAAFAAAAAAAAAAAAAAA/38AAP9/AAAAAAAACQAAAAQAAAADAAAAHgAAAGgAAAAAAAAAAAAAAAAAAAAAAAAAAAAAABAnAAAQJwAAAAAAAAAAAAAAAAAAAAAAAAAAAAAAAAAAAAAAAAAAAAAUAAAAAAAAAMDA/wAAAAAAZAAAADIAAAAAAAAAZAAAAAAAAAB/f38ACgAAACIAAAAYAAAAAAAAAAAAAAAAAAAAAAAAAAAAAAAAAAAAJAAAACQAAAAAAAAABwAAAAAAAAAAAAAAAAAAAAAAAAAAAAAAAAAAAH9/fwAlAAAAWAAAAAAAAAAAAAAAAAAAAAAAAAAAAAAAAAAAAAAAAAAAAAAAAAAAAAAAAAAAAAAAPwAAAAAAAACghgEAAAAAAAAAAAAAAAAADAAAAAEAAAAAAAAAAAAAAAAAAAAfAAAAVAAAAERyxAX///8BAAAAAAAAAAAAAAAAAAAAAAAAAAAAAAAAAAAAAAAAAAAAAAACf39/AOfm5gPMzMwAwMD/AH9/fwAAAAAAAAAAAAAAAAD///8AAAAAACEAAAAYAAAAFAAAAGVFAACIAAAAXkgAAKkFAAAQAAAAJgAAAAgAAAD//////////w=="/>
+              </a:ext>
+            </a:extLst>
+          </p:cNvPicPr>
+          <p:nvPr/>
+        </p:nvPicPr>
+        <p:blipFill>
+          <a:blip r:embed="rId3"/>
+          <a:stretch>
+            <a:fillRect/>
+          </a:stretch>
+        </p:blipFill>
+        <p:spPr>
+          <a:xfrm>
+            <a:off x="11280775" y="86360"/>
+            <a:ext cx="483235" cy="833755"/>
+          </a:xfrm>
+          <a:prstGeom prst="rect">
+            <a:avLst/>
+          </a:prstGeom>
+          <a:noFill/>
+          <a:ln>
+            <a:noFill/>
+          </a:ln>
+          <a:effectLst/>
+        </p:spPr>
+      </p:pic>
     </p:spTree>
   </p:cSld>
   <p:clrMapOvr>
